--- a/MoLOverviewPoster2017.pptx
+++ b/MoLOverviewPoster2017.pptx
@@ -6177,10 +6177,6 @@
                 <a:rPr lang="en-US" sz="2900" dirty="0" smtClean="0"/>
                 <a:t>Cognition</a:t>
               </a:r>
-              <a:r>
-                <a:rPr lang="en-US" sz="2900" dirty="0" smtClean="0"/>
-                <a:t/>
-              </a:r>
               <a:br>
                 <a:rPr lang="en-US" sz="2900" dirty="0" smtClean="0"/>
               </a:br>
@@ -6638,10 +6634,6 @@
                 <a:rPr lang="en-US" sz="2900" dirty="0" smtClean="0"/>
                 <a:t>-FGW]</a:t>
               </a:r>
-              <a:r>
-                <a:rPr lang="en-US" sz="2900" dirty="0" smtClean="0"/>
-                <a:t/>
-              </a:r>
               <a:br>
                 <a:rPr lang="en-US" sz="2900" dirty="0" smtClean="0"/>
               </a:br>
@@ -6679,11 +6671,7 @@
               </a:r>
               <a:r>
                 <a:rPr lang="en-US" sz="2900" dirty="0" smtClean="0"/>
-                <a:t>odern Practice </a:t>
-              </a:r>
-              <a:r>
-                <a:rPr lang="en-US" sz="2900" dirty="0" smtClean="0"/>
-                <a:t>(</a:t>
+                <a:t>odern Practice (</a:t>
               </a:r>
               <a:r>
                 <a:rPr lang="en-US" sz="2900" dirty="0"/>
@@ -9582,110 +9570,6 @@
           </p:txBody>
         </p:sp>
       </p:grpSp>
-      <p:sp>
-        <p:nvSpPr>
-          <p:cNvPr id="146" name="Shape 230"/>
-          <p:cNvSpPr/>
-          <p:nvPr/>
-        </p:nvSpPr>
-        <p:spPr>
-          <a:xfrm>
-            <a:off x="20795589" y="10391480"/>
-            <a:ext cx="1497972" cy="1094807"/>
-          </a:xfrm>
-          <a:prstGeom prst="rect">
-            <a:avLst/>
-          </a:prstGeom>
-          <a:ln w="12700">
-            <a:miter lim="400000"/>
-          </a:ln>
-          <a:extLst>
-            <a:ext uri="{C572A759-6A51-4108-AA02-DFA0A04FC94B}">
-              <ma14:wrappingTextBoxFlag xmlns:ma14="http://schemas.microsoft.com/office/mac/drawingml/2011/main" val="1"/>
-            </a:ext>
-          </a:extLst>
-        </p:spPr>
-        <p:txBody>
-          <a:bodyPr lIns="208805" tIns="208805" rIns="208805" bIns="208805" anchor="ctr">
-            <a:normAutofit/>
-          </a:bodyPr>
-          <a:lstStyle>
-            <a:lvl1pPr>
-              <a:defRPr sz="4000"/>
-            </a:lvl1pPr>
-          </a:lstStyle>
-          <a:p>
-            <a:pPr algn="ctr">
-              <a:defRPr sz="1800"/>
-            </a:pPr>
-            <a:r>
-              <a:rPr lang="en-US" sz="3300" b="1" dirty="0">
-                <a:solidFill>
-                  <a:schemeClr val="bg1"/>
-                </a:solidFill>
-              </a:rPr>
-              <a:t>L&amp;L</a:t>
-            </a:r>
-            <a:endParaRPr sz="3300" b="1" dirty="0">
-              <a:solidFill>
-                <a:schemeClr val="bg1"/>
-              </a:solidFill>
-            </a:endParaRPr>
-          </a:p>
-        </p:txBody>
-      </p:sp>
-      <p:sp>
-        <p:nvSpPr>
-          <p:cNvPr id="147" name="Shape 230"/>
-          <p:cNvSpPr/>
-          <p:nvPr/>
-        </p:nvSpPr>
-        <p:spPr>
-          <a:xfrm>
-            <a:off x="18712778" y="10423428"/>
-            <a:ext cx="1497972" cy="1094808"/>
-          </a:xfrm>
-          <a:prstGeom prst="rect">
-            <a:avLst/>
-          </a:prstGeom>
-          <a:ln w="12700">
-            <a:miter lim="400000"/>
-          </a:ln>
-          <a:extLst>
-            <a:ext uri="{C572A759-6A51-4108-AA02-DFA0A04FC94B}">
-              <ma14:wrappingTextBoxFlag xmlns:ma14="http://schemas.microsoft.com/office/mac/drawingml/2011/main" val="1"/>
-            </a:ext>
-          </a:extLst>
-        </p:spPr>
-        <p:txBody>
-          <a:bodyPr lIns="208805" tIns="208805" rIns="208805" bIns="208805" anchor="ctr">
-            <a:normAutofit/>
-          </a:bodyPr>
-          <a:lstStyle>
-            <a:lvl1pPr>
-              <a:defRPr sz="4000"/>
-            </a:lvl1pPr>
-          </a:lstStyle>
-          <a:p>
-            <a:pPr algn="ctr">
-              <a:defRPr sz="1800"/>
-            </a:pPr>
-            <a:r>
-              <a:rPr lang="en-US" sz="3300" b="1" dirty="0">
-                <a:solidFill>
-                  <a:schemeClr val="bg1"/>
-                </a:solidFill>
-              </a:rPr>
-              <a:t>L&amp;P</a:t>
-            </a:r>
-            <a:endParaRPr sz="3300" b="1" dirty="0">
-              <a:solidFill>
-                <a:schemeClr val="bg1"/>
-              </a:solidFill>
-            </a:endParaRPr>
-          </a:p>
-        </p:txBody>
-      </p:sp>
       <p:grpSp>
         <p:nvGrpSpPr>
           <p:cNvPr id="30" name="Group 29"/>
@@ -9700,86 +9584,6 @@
             <a:chExt cx="14349731" cy="2559636"/>
           </a:xfrm>
         </p:grpSpPr>
-        <p:sp>
-          <p:nvSpPr>
-            <p:cNvPr id="178" name="Shape 178"/>
-            <p:cNvSpPr/>
-            <p:nvPr/>
-          </p:nvSpPr>
-          <p:spPr>
-            <a:xfrm>
-              <a:off x="15143474" y="10571319"/>
-              <a:ext cx="3276000" cy="2430000"/>
-            </a:xfrm>
-            <a:prstGeom prst="roundRect">
-              <a:avLst>
-                <a:gd name="adj" fmla="val 16667"/>
-              </a:avLst>
-            </a:prstGeom>
-            <a:gradFill flip="none" rotWithShape="1">
-              <a:gsLst>
-                <a:gs pos="0">
-                  <a:srgbClr val="FFD1BB"/>
-                </a:gs>
-                <a:gs pos="35000">
-                  <a:srgbClr val="FFDECF"/>
-                </a:gs>
-                <a:gs pos="100000">
-                  <a:srgbClr val="FFF2ED"/>
-                </a:gs>
-              </a:gsLst>
-              <a:lin ang="16200000" scaled="0"/>
-            </a:gradFill>
-            <a:ln w="9525" cap="flat">
-              <a:solidFill>
-                <a:srgbClr val="F69240"/>
-              </a:solidFill>
-              <a:prstDash val="solid"/>
-              <a:bevel/>
-            </a:ln>
-            <a:effectLst>
-              <a:outerShdw blurRad="38100" dist="20000" dir="5400000" rotWithShape="0">
-                <a:srgbClr val="000000">
-                  <a:alpha val="38000"/>
-                </a:srgbClr>
-              </a:outerShdw>
-            </a:effectLst>
-          </p:spPr>
-          <p:txBody>
-            <a:bodyPr wrap="square" lIns="0" tIns="0" rIns="0" bIns="0" numCol="1" anchor="ctr">
-              <a:noAutofit/>
-            </a:bodyPr>
-            <a:lstStyle/>
-            <a:p>
-              <a:pPr lvl="0" algn="ctr">
-                <a:defRPr sz="1800"/>
-              </a:pPr>
-              <a:r>
-                <a:rPr lang="en-US" sz="2900" dirty="0"/>
-                <a:t>[</a:t>
-              </a:r>
-              <a:r>
-                <a:rPr lang="en-US" sz="2900" dirty="0" err="1"/>
-                <a:t>MoL</a:t>
-              </a:r>
-              <a:r>
-                <a:rPr lang="en-US" sz="2900" dirty="0"/>
-                <a:t>-FGW] Advanced topics in Philosophy of Language </a:t>
-              </a:r>
-              <a:endParaRPr lang="en-US" sz="2900" dirty="0" smtClean="0"/>
-            </a:p>
-            <a:p>
-              <a:pPr lvl="0" algn="ctr">
-                <a:defRPr sz="1800"/>
-              </a:pPr>
-              <a:r>
-                <a:rPr lang="en-US" sz="2900" dirty="0" smtClean="0"/>
-                <a:t>(Dekker)</a:t>
-              </a:r>
-              <a:endParaRPr lang="en-US" sz="2900" dirty="0"/>
-            </a:p>
-          </p:txBody>
-        </p:sp>
         <p:sp>
           <p:nvSpPr>
             <p:cNvPr id="70" name="Shape 70"/>
@@ -9932,6 +9736,86 @@
                 </a:rPr>
                 <a:t>, Reference and Modality (Dekker)</a:t>
               </a:r>
+            </a:p>
+          </p:txBody>
+        </p:sp>
+        <p:sp>
+          <p:nvSpPr>
+            <p:cNvPr id="178" name="Shape 178"/>
+            <p:cNvSpPr/>
+            <p:nvPr/>
+          </p:nvSpPr>
+          <p:spPr>
+            <a:xfrm>
+              <a:off x="15143474" y="10571319"/>
+              <a:ext cx="3276000" cy="2430000"/>
+            </a:xfrm>
+            <a:prstGeom prst="roundRect">
+              <a:avLst>
+                <a:gd name="adj" fmla="val 16667"/>
+              </a:avLst>
+            </a:prstGeom>
+            <a:gradFill flip="none" rotWithShape="1">
+              <a:gsLst>
+                <a:gs pos="0">
+                  <a:srgbClr val="FFD1BB"/>
+                </a:gs>
+                <a:gs pos="35000">
+                  <a:srgbClr val="FFDECF"/>
+                </a:gs>
+                <a:gs pos="100000">
+                  <a:srgbClr val="FFF2ED"/>
+                </a:gs>
+              </a:gsLst>
+              <a:lin ang="16200000" scaled="0"/>
+            </a:gradFill>
+            <a:ln w="9525" cap="flat">
+              <a:solidFill>
+                <a:srgbClr val="F69240"/>
+              </a:solidFill>
+              <a:prstDash val="solid"/>
+              <a:bevel/>
+            </a:ln>
+            <a:effectLst>
+              <a:outerShdw blurRad="38100" dist="20000" dir="5400000" rotWithShape="0">
+                <a:srgbClr val="000000">
+                  <a:alpha val="38000"/>
+                </a:srgbClr>
+              </a:outerShdw>
+            </a:effectLst>
+          </p:spPr>
+          <p:txBody>
+            <a:bodyPr wrap="square" lIns="0" tIns="0" rIns="0" bIns="0" numCol="1" anchor="ctr">
+              <a:noAutofit/>
+            </a:bodyPr>
+            <a:lstStyle/>
+            <a:p>
+              <a:pPr lvl="0" algn="ctr">
+                <a:defRPr sz="1800"/>
+              </a:pPr>
+              <a:r>
+                <a:rPr lang="en-US" sz="2900" dirty="0"/>
+                <a:t>[</a:t>
+              </a:r>
+              <a:r>
+                <a:rPr lang="en-US" sz="2900" dirty="0" err="1"/>
+                <a:t>MoL</a:t>
+              </a:r>
+              <a:r>
+                <a:rPr lang="en-US" sz="2900" dirty="0"/>
+                <a:t>-FGW] Advanced topics in Philosophy of Language </a:t>
+              </a:r>
+              <a:endParaRPr lang="en-US" sz="2900" dirty="0" smtClean="0"/>
+            </a:p>
+            <a:p>
+              <a:pPr lvl="0" algn="ctr">
+                <a:defRPr sz="1800"/>
+              </a:pPr>
+              <a:r>
+                <a:rPr lang="en-US" sz="2900" dirty="0" smtClean="0"/>
+                <a:t>(Dekker)</a:t>
+              </a:r>
+              <a:endParaRPr lang="en-US" sz="2900" dirty="0"/>
             </a:p>
           </p:txBody>
         </p:sp>
@@ -10364,8 +10248,8 @@
         </p:nvSpPr>
         <p:spPr>
           <a:xfrm>
-            <a:off x="2222146" y="17963487"/>
-            <a:ext cx="1497971" cy="1204326"/>
+            <a:off x="1915195" y="17980252"/>
+            <a:ext cx="2063777" cy="1204326"/>
           </a:xfrm>
           <a:prstGeom prst="rect">
             <a:avLst/>
@@ -10381,7 +10265,7 @@
         </p:spPr>
         <p:txBody>
           <a:bodyPr lIns="208758" tIns="208758" rIns="208758" bIns="208758" anchor="ctr">
-            <a:normAutofit/>
+            <a:normAutofit fontScale="92500"/>
           </a:bodyPr>
           <a:lstStyle>
             <a:lvl1pPr>
@@ -10393,66 +10277,18 @@
               <a:defRPr sz="1800"/>
             </a:pPr>
             <a:r>
-              <a:rPr lang="en-US" sz="3300" b="1" dirty="0">
+              <a:rPr lang="en-US" sz="3300" b="1" smtClean="0">
                 <a:solidFill>
                   <a:schemeClr val="bg1"/>
                 </a:solidFill>
               </a:rPr>
-              <a:t>L&amp;M</a:t>
+              <a:t>L&amp;M, L&amp;C</a:t>
             </a:r>
             <a:endParaRPr sz="3300" b="1" dirty="0">
               <a:solidFill>
                 <a:schemeClr val="bg1"/>
               </a:solidFill>
             </a:endParaRPr>
-          </a:p>
-        </p:txBody>
-      </p:sp>
-      <p:sp>
-        <p:nvSpPr>
-          <p:cNvPr id="161" name="Shape 225"/>
-          <p:cNvSpPr/>
-          <p:nvPr/>
-        </p:nvSpPr>
-        <p:spPr>
-          <a:xfrm flipV="1">
-            <a:off x="3087986" y="33692638"/>
-            <a:ext cx="6015971" cy="118387"/>
-          </a:xfrm>
-          <a:prstGeom prst="line">
-            <a:avLst/>
-          </a:prstGeom>
-          <a:ln>
-            <a:tailEnd type="triangle"/>
-          </a:ln>
-        </p:spPr>
-        <p:style>
-          <a:lnRef idx="3">
-            <a:schemeClr val="dk1"/>
-          </a:lnRef>
-          <a:fillRef idx="0">
-            <a:schemeClr val="dk1"/>
-          </a:fillRef>
-          <a:effectRef idx="2">
-            <a:schemeClr val="dk1"/>
-          </a:effectRef>
-          <a:fontRef idx="minor">
-            <a:schemeClr val="tx1"/>
-          </a:fontRef>
-        </p:style>
-        <p:txBody>
-          <a:bodyPr lIns="0" tIns="0" rIns="0" bIns="0"/>
-          <a:lstStyle/>
-          <a:p>
-            <a:pPr algn="ctr" defTabSz="457097">
-              <a:defRPr sz="1200">
-                <a:latin typeface="+mn-lt"/>
-                <a:ea typeface="+mn-ea"/>
-                <a:cs typeface="+mn-cs"/>
-                <a:sym typeface="Helvetica"/>
-              </a:defRPr>
-            </a:pPr>
-            <a:endParaRPr/>
           </a:p>
         </p:txBody>
       </p:sp>
@@ -10968,6 +10804,158 @@
               </a:rPr>
               <a:t>]</a:t>
             </a:r>
+          </a:p>
+        </p:txBody>
+      </p:sp>
+      <p:sp>
+        <p:nvSpPr>
+          <p:cNvPr id="147" name="Shape 230"/>
+          <p:cNvSpPr/>
+          <p:nvPr/>
+        </p:nvSpPr>
+        <p:spPr>
+          <a:xfrm>
+            <a:off x="18531613" y="10359949"/>
+            <a:ext cx="1497972" cy="1094808"/>
+          </a:xfrm>
+          <a:prstGeom prst="rect">
+            <a:avLst/>
+          </a:prstGeom>
+          <a:ln w="12700">
+            <a:miter lim="400000"/>
+          </a:ln>
+          <a:extLst>
+            <a:ext uri="{C572A759-6A51-4108-AA02-DFA0A04FC94B}">
+              <ma14:wrappingTextBoxFlag xmlns:ma14="http://schemas.microsoft.com/office/mac/drawingml/2011/main" val="1"/>
+            </a:ext>
+          </a:extLst>
+        </p:spPr>
+        <p:txBody>
+          <a:bodyPr lIns="208805" tIns="208805" rIns="208805" bIns="208805" anchor="ctr">
+            <a:normAutofit/>
+          </a:bodyPr>
+          <a:lstStyle>
+            <a:lvl1pPr>
+              <a:defRPr sz="4000"/>
+            </a:lvl1pPr>
+          </a:lstStyle>
+          <a:p>
+            <a:pPr algn="ctr">
+              <a:defRPr sz="1800"/>
+            </a:pPr>
+            <a:r>
+              <a:rPr lang="en-US" sz="3300" b="1" dirty="0">
+                <a:solidFill>
+                  <a:schemeClr val="bg1"/>
+                </a:solidFill>
+              </a:rPr>
+              <a:t>L&amp;P</a:t>
+            </a:r>
+            <a:endParaRPr sz="3300" b="1" dirty="0">
+              <a:solidFill>
+                <a:schemeClr val="bg1"/>
+              </a:solidFill>
+            </a:endParaRPr>
+          </a:p>
+        </p:txBody>
+      </p:sp>
+      <p:sp>
+        <p:nvSpPr>
+          <p:cNvPr id="146" name="Shape 230"/>
+          <p:cNvSpPr/>
+          <p:nvPr/>
+        </p:nvSpPr>
+        <p:spPr>
+          <a:xfrm>
+            <a:off x="20580532" y="10323245"/>
+            <a:ext cx="1497972" cy="1094807"/>
+          </a:xfrm>
+          <a:prstGeom prst="rect">
+            <a:avLst/>
+          </a:prstGeom>
+          <a:ln w="12700">
+            <a:miter lim="400000"/>
+          </a:ln>
+          <a:extLst>
+            <a:ext uri="{C572A759-6A51-4108-AA02-DFA0A04FC94B}">
+              <ma14:wrappingTextBoxFlag xmlns:ma14="http://schemas.microsoft.com/office/mac/drawingml/2011/main" val="1"/>
+            </a:ext>
+          </a:extLst>
+        </p:spPr>
+        <p:txBody>
+          <a:bodyPr lIns="208805" tIns="208805" rIns="208805" bIns="208805" anchor="ctr">
+            <a:normAutofit/>
+          </a:bodyPr>
+          <a:lstStyle>
+            <a:lvl1pPr>
+              <a:defRPr sz="4000"/>
+            </a:lvl1pPr>
+          </a:lstStyle>
+          <a:p>
+            <a:pPr algn="ctr">
+              <a:defRPr sz="1800"/>
+            </a:pPr>
+            <a:r>
+              <a:rPr lang="en-US" sz="3300" b="1" dirty="0">
+                <a:solidFill>
+                  <a:schemeClr val="bg1"/>
+                </a:solidFill>
+              </a:rPr>
+              <a:t>L&amp;L</a:t>
+            </a:r>
+            <a:endParaRPr sz="3300" b="1" dirty="0">
+              <a:solidFill>
+                <a:schemeClr val="bg1"/>
+              </a:solidFill>
+            </a:endParaRPr>
+          </a:p>
+        </p:txBody>
+      </p:sp>
+      <p:sp>
+        <p:nvSpPr>
+          <p:cNvPr id="161" name="Shape 225"/>
+          <p:cNvSpPr/>
+          <p:nvPr/>
+        </p:nvSpPr>
+        <p:spPr>
+          <a:xfrm flipV="1">
+            <a:off x="3087986" y="33692638"/>
+            <a:ext cx="6015971" cy="118387"/>
+          </a:xfrm>
+          <a:prstGeom prst="line">
+            <a:avLst/>
+          </a:prstGeom>
+          <a:ln>
+            <a:tailEnd type="triangle"/>
+          </a:ln>
+        </p:spPr>
+        <p:style>
+          <a:lnRef idx="3">
+            <a:schemeClr val="dk1"/>
+          </a:lnRef>
+          <a:fillRef idx="0">
+            <a:schemeClr val="dk1"/>
+          </a:fillRef>
+          <a:effectRef idx="2">
+            <a:schemeClr val="dk1"/>
+          </a:effectRef>
+          <a:fontRef idx="minor">
+            <a:schemeClr val="tx1"/>
+          </a:fontRef>
+        </p:style>
+        <p:txBody>
+          <a:bodyPr lIns="0" tIns="0" rIns="0" bIns="0"/>
+          <a:lstStyle/>
+          <a:p>
+            <a:pPr algn="ctr" defTabSz="457097">
+              <a:defRPr sz="1200">
+                <a:latin typeface="+mn-lt"/>
+                <a:ea typeface="+mn-ea"/>
+                <a:cs typeface="+mn-cs"/>
+                <a:sym typeface="Helvetica"/>
+              </a:defRPr>
+            </a:pPr>
+            <a:endParaRPr/>
           </a:p>
         </p:txBody>
       </p:sp>

--- a/MoLOverviewPoster2017.pptx
+++ b/MoLOverviewPoster2017.pptx
@@ -193,7 +193,7 @@
           <a:p>
             <a:fld id="{B179243D-0E3E-4D4F-90E9-F9F1DBB34143}" type="datetimeFigureOut">
               <a:rPr lang="en-US" smtClean="0"/>
-              <a:t>6/13/17</a:t>
+              <a:t>6/14/17</a:t>
             </a:fld>
             <a:endParaRPr lang="en-US"/>
           </a:p>
@@ -2906,6 +2906,17 @@
               <a:rPr lang="en-US" sz="8000" dirty="0" smtClean="0"/>
             </a:br>
             <a:r>
+              <a:rPr lang="en-US" sz="2800" dirty="0" smtClean="0">
+                <a:solidFill>
+                  <a:sysClr val="windowText" lastClr="000000"/>
+                </a:solidFill>
+                <a:latin typeface="Calibri"/>
+                <a:ea typeface="Calibri"/>
+                <a:cs typeface="Calibri"/>
+              </a:rPr>
+              <a:t>draft version</a:t>
+            </a:r>
+            <a:r>
               <a:rPr lang="en-US" sz="2800" smtClean="0">
                 <a:solidFill>
                   <a:sysClr val="windowText" lastClr="000000"/>
@@ -2914,7 +2925,18 @@
                 <a:ea typeface="Calibri"/>
                 <a:cs typeface="Calibri"/>
               </a:rPr>
-              <a:t>draft version, 13 </a:t>
+              <a:t>, </a:t>
+            </a:r>
+            <a:r>
+              <a:rPr lang="en-US" sz="2800" smtClean="0">
+                <a:solidFill>
+                  <a:sysClr val="windowText" lastClr="000000"/>
+                </a:solidFill>
+                <a:latin typeface="Calibri"/>
+                <a:ea typeface="Calibri"/>
+                <a:cs typeface="Calibri"/>
+              </a:rPr>
+              <a:t>14 </a:t>
             </a:r>
             <a:r>
               <a:rPr lang="en-US" sz="2800" dirty="0" smtClean="0">
@@ -3005,27 +3027,26 @@
         </p:nvGrpSpPr>
         <p:grpSpPr>
           <a:xfrm>
-            <a:off x="308803" y="290246"/>
-            <a:ext cx="42185534" cy="29717448"/>
-            <a:chOff x="1132721" y="168025"/>
-            <a:chExt cx="42185535" cy="29717447"/>
+            <a:off x="308803" y="233917"/>
+            <a:ext cx="42185534" cy="29603657"/>
+            <a:chOff x="1132721" y="281816"/>
+            <a:chExt cx="42185535" cy="29603656"/>
           </a:xfrm>
         </p:grpSpPr>
         <p:sp>
           <p:nvSpPr>
-            <p:cNvPr id="8" name="L-Shape 7"/>
+            <p:cNvPr id="8" name="Rounded Rectangle 7"/>
             <p:cNvSpPr/>
             <p:nvPr/>
           </p:nvSpPr>
           <p:spPr>
             <a:xfrm rot="5400000">
-              <a:off x="10078588" y="-3594700"/>
-              <a:ext cx="13137063" cy="20662514"/>
+              <a:off x="10135483" y="-3537804"/>
+              <a:ext cx="13023273" cy="20662514"/>
             </a:xfrm>
-            <a:prstGeom prst="corner">
+            <a:prstGeom prst="roundRect">
               <a:avLst>
-                <a:gd name="adj1" fmla="val 158431"/>
-                <a:gd name="adj2" fmla="val 19568"/>
+                <a:gd name="adj" fmla="val 4137"/>
               </a:avLst>
             </a:prstGeom>
             <a:solidFill>
@@ -3077,7 +3098,7 @@
           <p:spPr>
             <a:xfrm>
               <a:off x="1132721" y="10065286"/>
-              <a:ext cx="28686068" cy="19353694"/>
+              <a:ext cx="28686068" cy="19538068"/>
             </a:xfrm>
             <a:prstGeom prst="corner">
               <a:avLst>
@@ -3136,13 +3157,13 @@
           </p:nvSpPr>
           <p:spPr>
             <a:xfrm rot="10800000">
-              <a:off x="17223222" y="3261436"/>
-              <a:ext cx="21912556" cy="13044400"/>
+              <a:off x="17223221" y="3528888"/>
+              <a:ext cx="21912556" cy="12776947"/>
             </a:xfrm>
             <a:prstGeom prst="corner">
               <a:avLst>
                 <a:gd name="adj1" fmla="val 48906"/>
-                <a:gd name="adj2" fmla="val 90444"/>
+                <a:gd name="adj2" fmla="val 92233"/>
               </a:avLst>
             </a:prstGeom>
             <a:solidFill>
@@ -3195,8 +3216,8 @@
           </p:nvSpPr>
           <p:spPr>
             <a:xfrm>
-              <a:off x="1999942" y="6555063"/>
-              <a:ext cx="24636538" cy="10638706"/>
+              <a:off x="1999942" y="6831931"/>
+              <a:ext cx="24636538" cy="10361838"/>
             </a:xfrm>
             <a:prstGeom prst="roundRect">
               <a:avLst>
@@ -3308,8 +3329,8 @@
           </p:nvSpPr>
           <p:spPr>
             <a:xfrm rot="10800000">
-              <a:off x="11843897" y="9976142"/>
-              <a:ext cx="22945172" cy="14480946"/>
+              <a:off x="11843896" y="9976141"/>
+              <a:ext cx="22945172" cy="14600737"/>
             </a:xfrm>
             <a:prstGeom prst="corner">
               <a:avLst>
@@ -3365,13 +3386,13 @@
           </p:nvSpPr>
           <p:spPr>
             <a:xfrm rot="16200000">
-              <a:off x="27054403" y="3283142"/>
-              <a:ext cx="16547162" cy="15348957"/>
+              <a:off x="25869574" y="4656672"/>
+              <a:ext cx="19116844" cy="15548980"/>
             </a:xfrm>
             <a:prstGeom prst="corner">
               <a:avLst>
-                <a:gd name="adj1" fmla="val 52380"/>
-                <a:gd name="adj2" fmla="val 39553"/>
+                <a:gd name="adj1" fmla="val 51964"/>
+                <a:gd name="adj2" fmla="val 58385"/>
               </a:avLst>
             </a:prstGeom>
             <a:solidFill>
@@ -3423,7 +3444,7 @@
         </p:nvSpPr>
         <p:spPr>
           <a:xfrm>
-            <a:off x="31635217" y="16708641"/>
+            <a:off x="31667875" y="16541513"/>
             <a:ext cx="6495403" cy="4984556"/>
           </a:xfrm>
           <a:prstGeom prst="roundRect">
@@ -3480,9 +3501,9 @@
         <p:grpSpPr>
           <a:xfrm>
             <a:off x="516021" y="163683"/>
-            <a:ext cx="3462953" cy="2956047"/>
+            <a:ext cx="3462953" cy="2981803"/>
             <a:chOff x="146049" y="67432"/>
-            <a:chExt cx="3462954" cy="2956046"/>
+            <a:chExt cx="3462954" cy="2981802"/>
           </a:xfrm>
         </p:grpSpPr>
         <p:sp>
@@ -3782,7 +3803,7 @@
           </p:nvSpPr>
           <p:spPr>
             <a:xfrm>
-              <a:off x="146049" y="2432835"/>
+              <a:off x="146049" y="2458591"/>
               <a:ext cx="3462952" cy="590643"/>
             </a:xfrm>
             <a:prstGeom prst="roundRect">
@@ -3790,7 +3811,9 @@
                 <a:gd name="adj" fmla="val 16667"/>
               </a:avLst>
             </a:prstGeom>
-            <a:ln/>
+            <a:ln>
+              <a:noFill/>
+            </a:ln>
           </p:spPr>
           <p:style>
             <a:lnRef idx="1">
@@ -4033,9 +4056,9 @@
         <p:grpSpPr>
           <a:xfrm>
             <a:off x="1784953" y="8168099"/>
-            <a:ext cx="7471990" cy="8742574"/>
+            <a:ext cx="7472155" cy="8227622"/>
             <a:chOff x="2418111" y="8071846"/>
-            <a:chExt cx="7471990" cy="8742574"/>
+            <a:chExt cx="7472155" cy="8227622"/>
           </a:xfrm>
         </p:grpSpPr>
         <p:sp>
@@ -4046,7 +4069,7 @@
           </p:nvSpPr>
           <p:spPr>
             <a:xfrm>
-              <a:off x="6527735" y="14384598"/>
+              <a:off x="6605299" y="13869646"/>
               <a:ext cx="3276000" cy="2429822"/>
             </a:xfrm>
             <a:prstGeom prst="roundRect">
@@ -4123,7 +4146,7 @@
           </p:nvSpPr>
           <p:spPr>
             <a:xfrm>
-              <a:off x="6614101" y="10629169"/>
+              <a:off x="6614266" y="10345519"/>
               <a:ext cx="3276000" cy="2429822"/>
             </a:xfrm>
             <a:prstGeom prst="roundRect">
@@ -4370,48 +4393,6 @@
       </p:grpSp>
       <p:sp>
         <p:nvSpPr>
-          <p:cNvPr id="180" name="Shape 248"/>
-          <p:cNvSpPr/>
-          <p:nvPr/>
-        </p:nvSpPr>
-        <p:spPr>
-          <a:xfrm flipH="1" flipV="1">
-            <a:off x="4325761" y="25590754"/>
-            <a:ext cx="1588634" cy="1090496"/>
-          </a:xfrm>
-          <a:prstGeom prst="line">
-            <a:avLst/>
-          </a:prstGeom>
-          <a:ln w="76200">
-            <a:solidFill/>
-            <a:headEnd type="triangle"/>
-          </a:ln>
-          <a:effectLst>
-            <a:outerShdw blurRad="38100" dist="20000" dir="5400000" rotWithShape="0">
-              <a:srgbClr val="000000">
-                <a:alpha val="38000"/>
-              </a:srgbClr>
-            </a:outerShdw>
-          </a:effectLst>
-        </p:spPr>
-        <p:txBody>
-          <a:bodyPr lIns="0" tIns="0" rIns="0" bIns="0"/>
-          <a:lstStyle/>
-          <a:p>
-            <a:pPr algn="ctr" defTabSz="457097">
-              <a:defRPr sz="1200">
-                <a:latin typeface="+mn-lt"/>
-                <a:ea typeface="+mn-ea"/>
-                <a:cs typeface="+mn-cs"/>
-                <a:sym typeface="Helvetica"/>
-              </a:defRPr>
-            </a:pPr>
-            <a:endParaRPr/>
-          </a:p>
-        </p:txBody>
-      </p:sp>
-      <p:sp>
-        <p:nvSpPr>
           <p:cNvPr id="182" name="Shape 248"/>
           <p:cNvSpPr/>
           <p:nvPr/>
@@ -4598,10 +4579,10 @@
         </p:nvGrpSpPr>
         <p:grpSpPr>
           <a:xfrm>
-            <a:off x="1824987" y="3077569"/>
-            <a:ext cx="3422879" cy="3469493"/>
-            <a:chOff x="1541963" y="2843674"/>
-            <a:chExt cx="3422879" cy="3469493"/>
+            <a:off x="1795672" y="3185178"/>
+            <a:ext cx="3226226" cy="3353188"/>
+            <a:chOff x="1422942" y="2957842"/>
+            <a:chExt cx="3422879" cy="3557580"/>
           </a:xfrm>
         </p:grpSpPr>
         <p:sp>
@@ -4612,7 +4593,7 @@
           </p:nvSpPr>
           <p:spPr>
             <a:xfrm>
-              <a:off x="1541963" y="3054755"/>
+              <a:off x="1422942" y="3257010"/>
               <a:ext cx="3422879" cy="3258412"/>
             </a:xfrm>
             <a:prstGeom prst="ellipse">
@@ -4740,8 +4721,8 @@
           </p:nvSpPr>
           <p:spPr>
             <a:xfrm>
-              <a:off x="2533255" y="2843674"/>
-              <a:ext cx="1497971" cy="1204326"/>
+              <a:off x="2403519" y="2957842"/>
+              <a:ext cx="1497971" cy="1204325"/>
             </a:xfrm>
             <a:prstGeom prst="rect">
               <a:avLst/>
@@ -4992,9 +4973,9 @@
         <p:grpSpPr>
           <a:xfrm>
             <a:off x="26896042" y="4354032"/>
-            <a:ext cx="15215809" cy="14544860"/>
+            <a:ext cx="15222893" cy="14262562"/>
             <a:chOff x="26896042" y="4354032"/>
-            <a:chExt cx="15215809" cy="14544860"/>
+            <a:chExt cx="15222893" cy="14262562"/>
           </a:xfrm>
         </p:grpSpPr>
         <p:sp>
@@ -5005,7 +4986,7 @@
           </p:nvSpPr>
           <p:spPr>
             <a:xfrm>
-              <a:off x="38835848" y="13343497"/>
+              <a:off x="38835848" y="13217278"/>
               <a:ext cx="3276000" cy="2430000"/>
             </a:xfrm>
             <a:prstGeom prst="roundRect">
@@ -5211,7 +5192,7 @@
           </p:nvSpPr>
           <p:spPr>
             <a:xfrm>
-              <a:off x="34500505" y="10660470"/>
+              <a:off x="34500505" y="10300960"/>
               <a:ext cx="3276000" cy="2430000"/>
             </a:xfrm>
             <a:prstGeom prst="roundRect">
@@ -5299,7 +5280,7 @@
           </p:nvSpPr>
           <p:spPr>
             <a:xfrm>
-              <a:off x="30380341" y="10577952"/>
+              <a:off x="30380341" y="10299806"/>
               <a:ext cx="3276000" cy="2430000"/>
             </a:xfrm>
             <a:prstGeom prst="roundRect">
@@ -5307,17 +5288,19 @@
                 <a:gd name="adj" fmla="val 16667"/>
               </a:avLst>
             </a:prstGeom>
-            <a:ln/>
+            <a:ln>
+              <a:noFill/>
+            </a:ln>
           </p:spPr>
           <p:style>
             <a:lnRef idx="1">
-              <a:schemeClr val="accent6"/>
+              <a:schemeClr val="dk1"/>
             </a:lnRef>
             <a:fillRef idx="2">
-              <a:schemeClr val="accent6"/>
+              <a:schemeClr val="dk1"/>
             </a:fillRef>
             <a:effectRef idx="1">
-              <a:schemeClr val="accent6"/>
+              <a:schemeClr val="dk1"/>
             </a:effectRef>
             <a:fontRef idx="minor">
               <a:schemeClr val="dk1"/>
@@ -5334,6 +5317,11 @@
               </a:pPr>
               <a:r>
                 <a:rPr lang="en-US" sz="2900" dirty="0">
+                  <a:solidFill>
+                    <a:schemeClr val="dk1">
+                      <a:alpha val="50000"/>
+                    </a:schemeClr>
+                  </a:solidFill>
                   <a:latin typeface="Calibri" charset="0"/>
                   <a:ea typeface="Calibri" charset="0"/>
                   <a:cs typeface="Calibri" charset="0"/>
@@ -5342,6 +5330,11 @@
               </a:r>
               <a:r>
                 <a:rPr lang="en-US" sz="2900" dirty="0" err="1">
+                  <a:solidFill>
+                    <a:schemeClr val="dk1">
+                      <a:alpha val="50000"/>
+                    </a:schemeClr>
+                  </a:solidFill>
                   <a:latin typeface="Calibri" charset="0"/>
                   <a:ea typeface="Calibri" charset="0"/>
                   <a:cs typeface="Calibri" charset="0"/>
@@ -5350,11 +5343,67 @@
               </a:r>
               <a:r>
                 <a:rPr lang="en-US" sz="2900" dirty="0">
+                  <a:solidFill>
+                    <a:schemeClr val="dk1">
+                      <a:alpha val="50000"/>
+                    </a:schemeClr>
+                  </a:solidFill>
                   <a:latin typeface="Calibri" charset="0"/>
                   <a:ea typeface="Calibri" charset="0"/>
                   <a:cs typeface="Calibri" charset="0"/>
                 </a:rPr>
-                <a:t>-FNWI] Logical Methods in Cognitive Science (Szymanik)</a:t>
+                <a:t>-FNWI] </a:t>
+              </a:r>
+              <a:r>
+                <a:rPr lang="en-US" sz="2900" dirty="0" smtClean="0">
+                  <a:solidFill>
+                    <a:schemeClr val="dk1">
+                      <a:alpha val="50000"/>
+                    </a:schemeClr>
+                  </a:solidFill>
+                  <a:latin typeface="Calibri" charset="0"/>
+                  <a:ea typeface="Calibri" charset="0"/>
+                  <a:cs typeface="Calibri" charset="0"/>
+                </a:rPr>
+                <a:t/>
+              </a:r>
+              <a:br>
+                <a:rPr lang="en-US" sz="2900" dirty="0" smtClean="0">
+                  <a:solidFill>
+                    <a:schemeClr val="dk1">
+                      <a:alpha val="50000"/>
+                    </a:schemeClr>
+                  </a:solidFill>
+                  <a:latin typeface="Calibri" charset="0"/>
+                  <a:ea typeface="Calibri" charset="0"/>
+                  <a:cs typeface="Calibri" charset="0"/>
+                </a:rPr>
+              </a:br>
+              <a:r>
+                <a:rPr lang="en-US" sz="2900" dirty="0" smtClean="0">
+                  <a:solidFill>
+                    <a:schemeClr val="dk1">
+                      <a:alpha val="50000"/>
+                    </a:schemeClr>
+                  </a:solidFill>
+                  <a:latin typeface="Calibri" charset="0"/>
+                  <a:ea typeface="Calibri" charset="0"/>
+                  <a:cs typeface="Calibri" charset="0"/>
+                </a:rPr>
+                <a:t>Logical </a:t>
+              </a:r>
+              <a:r>
+                <a:rPr lang="en-US" sz="2900" dirty="0">
+                  <a:solidFill>
+                    <a:schemeClr val="dk1">
+                      <a:alpha val="50000"/>
+                    </a:schemeClr>
+                  </a:solidFill>
+                  <a:latin typeface="Calibri" charset="0"/>
+                  <a:ea typeface="Calibri" charset="0"/>
+                  <a:cs typeface="Calibri" charset="0"/>
+                </a:rPr>
+                <a:t>Methods in Cognitive Science (Szymanik)</a:t>
               </a:r>
             </a:p>
           </p:txBody>
@@ -5367,7 +5416,7 @@
           </p:nvSpPr>
           <p:spPr>
             <a:xfrm>
-              <a:off x="30522548" y="13667827"/>
+              <a:off x="30522548" y="13218039"/>
               <a:ext cx="3276000" cy="2430000"/>
             </a:xfrm>
             <a:prstGeom prst="roundRect">
@@ -5447,7 +5496,7 @@
           </p:nvSpPr>
           <p:spPr>
             <a:xfrm>
-              <a:off x="34454307" y="13640062"/>
+              <a:off x="34454307" y="13218039"/>
               <a:ext cx="3276000" cy="2430000"/>
             </a:xfrm>
             <a:prstGeom prst="roundRect">
@@ -5531,7 +5580,7 @@
           </p:nvSpPr>
           <p:spPr>
             <a:xfrm>
-              <a:off x="38835849" y="16468892"/>
+              <a:off x="38842935" y="16186594"/>
               <a:ext cx="3276000" cy="2430000"/>
             </a:xfrm>
             <a:prstGeom prst="roundRect">
@@ -5600,7 +5649,7 @@
           </p:nvSpPr>
           <p:spPr>
             <a:xfrm>
-              <a:off x="27064299" y="13667827"/>
+              <a:off x="27064299" y="13218039"/>
               <a:ext cx="3276000" cy="2430000"/>
             </a:xfrm>
             <a:prstGeom prst="roundRect">
@@ -5608,32 +5657,22 @@
                 <a:gd name="adj" fmla="val 16667"/>
               </a:avLst>
             </a:prstGeom>
-            <a:gradFill flip="none" rotWithShape="1">
-              <a:gsLst>
-                <a:gs pos="0">
-                  <a:srgbClr val="3F80CE"/>
-                </a:gs>
-                <a:gs pos="100000">
-                  <a:srgbClr val="A2C3FF"/>
-                </a:gs>
-              </a:gsLst>
-              <a:lin ang="16200000" scaled="0"/>
-            </a:gradFill>
-            <a:ln w="9525" cap="flat">
-              <a:solidFill>
-                <a:srgbClr val="4A7EBB"/>
-              </a:solidFill>
-              <a:prstDash val="solid"/>
-              <a:bevel/>
-            </a:ln>
-            <a:effectLst>
-              <a:outerShdw blurRad="38100" dist="23000" dir="5400000" rotWithShape="0">
-                <a:srgbClr val="000000">
-                  <a:alpha val="35000"/>
-                </a:srgbClr>
-              </a:outerShdw>
-            </a:effectLst>
+            <a:ln/>
           </p:spPr>
+          <p:style>
+            <a:lnRef idx="1">
+              <a:schemeClr val="accent3"/>
+            </a:lnRef>
+            <a:fillRef idx="2">
+              <a:schemeClr val="accent3"/>
+            </a:fillRef>
+            <a:effectRef idx="1">
+              <a:schemeClr val="accent3"/>
+            </a:effectRef>
+            <a:fontRef idx="minor">
+              <a:schemeClr val="dk1"/>
+            </a:fontRef>
+          </p:style>
           <p:txBody>
             <a:bodyPr wrap="square" lIns="0" tIns="0" rIns="0" bIns="0" numCol="1" anchor="ctr">
               <a:noAutofit/>
@@ -5644,7 +5683,7 @@
               <a:r>
                 <a:rPr lang="en-US" sz="2900" dirty="0">
                   <a:solidFill>
-                    <a:srgbClr val="FFFFFF"/>
+                    <a:schemeClr val="tx1"/>
                   </a:solidFill>
                 </a:rPr>
                 <a:t>[</a:t>
@@ -5652,7 +5691,7 @@
               <a:r>
                 <a:rPr lang="en-US" sz="2900" dirty="0" err="1">
                   <a:solidFill>
-                    <a:srgbClr val="FFFFFF"/>
+                    <a:schemeClr val="tx1"/>
                   </a:solidFill>
                 </a:rPr>
                 <a:t>MoL</a:t>
@@ -5660,7 +5699,7 @@
               <a:r>
                 <a:rPr lang="en-US" sz="2900" dirty="0">
                   <a:solidFill>
-                    <a:srgbClr val="FFFFFF"/>
+                    <a:schemeClr val="tx1"/>
                   </a:solidFill>
                 </a:rPr>
                 <a:t>-FNWI] </a:t>
@@ -5668,7 +5707,7 @@
               <a:r>
                 <a:rPr lang="en-US" sz="2900" dirty="0" smtClean="0">
                   <a:solidFill>
-                    <a:srgbClr val="FFFFFF"/>
+                    <a:schemeClr val="tx1"/>
                   </a:solidFill>
                 </a:rPr>
                 <a:t>Computational Semantics and </a:t>
@@ -5676,7 +5715,7 @@
               <a:r>
                 <a:rPr lang="en-US" sz="2900" dirty="0">
                   <a:solidFill>
-                    <a:srgbClr val="FFFFFF"/>
+                    <a:schemeClr val="tx1"/>
                   </a:solidFill>
                 </a:rPr>
                 <a:t>Pragmatics (Fernandez)</a:t>
@@ -5692,7 +5731,7 @@
           </p:nvSpPr>
           <p:spPr>
             <a:xfrm>
-              <a:off x="38835849" y="10577952"/>
+              <a:off x="38835849" y="10299806"/>
               <a:ext cx="3276000" cy="2430000"/>
             </a:xfrm>
             <a:prstGeom prst="roundRect">
@@ -5774,7 +5813,7 @@
           </p:nvSpPr>
           <p:spPr>
             <a:xfrm>
-              <a:off x="38835851" y="7775341"/>
+              <a:off x="38835848" y="7599371"/>
               <a:ext cx="3276000" cy="2430000"/>
             </a:xfrm>
             <a:prstGeom prst="roundRect">
@@ -5858,7 +5897,7 @@
           </p:nvSpPr>
           <p:spPr>
             <a:xfrm>
-              <a:off x="26896042" y="10550730"/>
+              <a:off x="26896042" y="10272584"/>
               <a:ext cx="3276000" cy="2430000"/>
             </a:xfrm>
             <a:prstGeom prst="roundRect">
@@ -6792,9 +6831,9 @@
         <p:grpSpPr>
           <a:xfrm>
             <a:off x="21551570" y="21941689"/>
-            <a:ext cx="20028667" cy="7885965"/>
+            <a:ext cx="20028667" cy="7746522"/>
             <a:chOff x="21551570" y="21941689"/>
-            <a:chExt cx="20028667" cy="7885965"/>
+            <a:chExt cx="20028667" cy="7746522"/>
           </a:xfrm>
         </p:grpSpPr>
         <p:sp>
@@ -7146,7 +7185,7 @@
           </p:nvSpPr>
           <p:spPr>
             <a:xfrm>
-              <a:off x="34625214" y="27372514"/>
+              <a:off x="34625214" y="27258211"/>
               <a:ext cx="3632245" cy="2430000"/>
             </a:xfrm>
             <a:prstGeom prst="roundRect">
@@ -7242,8 +7281,8 @@
           </p:nvSpPr>
           <p:spPr>
             <a:xfrm>
-              <a:off x="30451845" y="22018451"/>
-              <a:ext cx="3276000" cy="2430000"/>
+              <a:off x="30451845" y="22166067"/>
+              <a:ext cx="3276000" cy="2182525"/>
             </a:xfrm>
             <a:prstGeom prst="roundRect">
               <a:avLst>
@@ -7318,7 +7357,7 @@
           </p:nvSpPr>
           <p:spPr>
             <a:xfrm>
-              <a:off x="30451845" y="24787374"/>
+              <a:off x="30451845" y="24673071"/>
               <a:ext cx="3276000" cy="2430000"/>
             </a:xfrm>
             <a:prstGeom prst="roundRect">
@@ -7522,9 +7561,9 @@
           <p:grpSpPr>
             <a:xfrm>
               <a:off x="34625214" y="24486098"/>
-              <a:ext cx="3632245" cy="2696986"/>
+              <a:ext cx="3632245" cy="2631670"/>
               <a:chOff x="42943674" y="30745052"/>
-              <a:chExt cx="3632245" cy="2696986"/>
+              <a:chExt cx="3632245" cy="2631670"/>
             </a:xfrm>
           </p:grpSpPr>
           <p:sp>
@@ -7535,7 +7574,7 @@
             </p:nvSpPr>
             <p:spPr>
               <a:xfrm>
-                <a:off x="42943674" y="31012038"/>
+                <a:off x="42943674" y="30946722"/>
                 <a:ext cx="3632245" cy="2430000"/>
               </a:xfrm>
               <a:prstGeom prst="roundRect">
@@ -7767,7 +7806,7 @@
           </p:nvSpPr>
           <p:spPr>
             <a:xfrm>
-              <a:off x="30491736" y="27397654"/>
+              <a:off x="30491736" y="27247162"/>
               <a:ext cx="3276000" cy="2430000"/>
             </a:xfrm>
             <a:prstGeom prst="roundRect">
@@ -7779,13 +7818,13 @@
           </p:spPr>
           <p:style>
             <a:lnRef idx="1">
-              <a:schemeClr val="accent6"/>
+              <a:schemeClr val="accent3"/>
             </a:lnRef>
             <a:fillRef idx="2">
-              <a:schemeClr val="accent6"/>
+              <a:schemeClr val="accent3"/>
             </a:fillRef>
             <a:effectRef idx="1">
-              <a:schemeClr val="accent6"/>
+              <a:schemeClr val="accent3"/>
             </a:effectRef>
             <a:fontRef idx="minor">
               <a:schemeClr val="dk1"/>
@@ -7981,456 +8020,522 @@
       </p:grpSp>
       <p:grpSp>
         <p:nvGrpSpPr>
-          <p:cNvPr id="5" name="Group 4"/>
+          <p:cNvPr id="15" name="Group 14"/>
           <p:cNvGrpSpPr/>
           <p:nvPr/>
         </p:nvGrpSpPr>
         <p:grpSpPr>
           <a:xfrm>
             <a:off x="1150239" y="18131055"/>
-            <a:ext cx="19646913" cy="11039432"/>
-            <a:chOff x="1150239" y="18131055"/>
-            <a:chExt cx="19646913" cy="11039432"/>
+            <a:ext cx="19603421" cy="11039432"/>
+            <a:chOff x="381997" y="18034804"/>
+            <a:chExt cx="19603421" cy="11039433"/>
           </a:xfrm>
         </p:grpSpPr>
+        <p:sp>
+          <p:nvSpPr>
+            <p:cNvPr id="52" name="Shape 52"/>
+            <p:cNvSpPr/>
+            <p:nvPr/>
+          </p:nvSpPr>
+          <p:spPr>
+            <a:xfrm>
+              <a:off x="456496" y="18034804"/>
+              <a:ext cx="3378486" cy="3378486"/>
+            </a:xfrm>
+            <a:prstGeom prst="ellipse">
+              <a:avLst/>
+            </a:prstGeom>
+            <a:gradFill flip="none" rotWithShape="1">
+              <a:gsLst>
+                <a:gs pos="0">
+                  <a:schemeClr val="accent3"/>
+                </a:gs>
+                <a:gs pos="100000">
+                  <a:schemeClr val="accent1">
+                    <a:lumMod val="75000"/>
+                  </a:schemeClr>
+                </a:gs>
+              </a:gsLst>
+              <a:lin ang="16200000" scaled="0"/>
+            </a:gradFill>
+            <a:ln w="76200" cap="flat">
+              <a:solidFill>
+                <a:schemeClr val="tx1"/>
+              </a:solidFill>
+              <a:prstDash val="solid"/>
+              <a:bevel/>
+            </a:ln>
+            <a:effectLst>
+              <a:outerShdw blurRad="38100" dist="23000" dir="5400000" rotWithShape="0">
+                <a:srgbClr val="000000">
+                  <a:alpha val="35000"/>
+                </a:srgbClr>
+              </a:outerShdw>
+            </a:effectLst>
+          </p:spPr>
+          <p:txBody>
+            <a:bodyPr wrap="square" lIns="0" tIns="0" rIns="0" bIns="0" numCol="1" anchor="ctr">
+              <a:noAutofit/>
+            </a:bodyPr>
+            <a:lstStyle/>
+            <a:p>
+              <a:pPr lvl="0" algn="ctr">
+                <a:defRPr sz="1800">
+                  <a:solidFill>
+                    <a:srgbClr val="000000"/>
+                  </a:solidFill>
+                </a:defRPr>
+              </a:pPr>
+              <a:r>
+                <a:rPr lang="en-US" sz="2900" dirty="0" smtClean="0">
+                  <a:solidFill>
+                    <a:srgbClr val="FFFFFF"/>
+                  </a:solidFill>
+                </a:rPr>
+                <a:t> </a:t>
+              </a:r>
+              <a:r>
+                <a:rPr lang="en-US" sz="2900" dirty="0">
+                  <a:solidFill>
+                    <a:srgbClr val="FFFFFF"/>
+                  </a:solidFill>
+                </a:rPr>
+                <a:t>[BScWisk] Introduction to Modal Logic (</a:t>
+              </a:r>
+              <a:r>
+                <a:rPr lang="en-US" sz="2900" dirty="0" err="1" smtClean="0">
+                  <a:solidFill>
+                    <a:srgbClr val="FFFFFF"/>
+                  </a:solidFill>
+                </a:rPr>
+                <a:t>Bezhanishvili</a:t>
+              </a:r>
+              <a:r>
+                <a:rPr lang="en-US" sz="2900" dirty="0" smtClean="0">
+                  <a:solidFill>
+                    <a:srgbClr val="FFFFFF"/>
+                  </a:solidFill>
+                </a:rPr>
+                <a:t>)</a:t>
+              </a:r>
+              <a:endParaRPr lang="en-US" sz="2900" dirty="0">
+                <a:solidFill>
+                  <a:srgbClr val="FFFFFF"/>
+                </a:solidFill>
+              </a:endParaRPr>
+            </a:p>
+          </p:txBody>
+        </p:sp>
+        <p:sp>
+          <p:nvSpPr>
+            <p:cNvPr id="100" name="Shape 100"/>
+            <p:cNvSpPr/>
+            <p:nvPr/>
+          </p:nvSpPr>
+          <p:spPr>
+            <a:xfrm>
+              <a:off x="5296469" y="19584893"/>
+              <a:ext cx="3373117" cy="2429822"/>
+            </a:xfrm>
+            <a:prstGeom prst="roundRect">
+              <a:avLst>
+                <a:gd name="adj" fmla="val 16667"/>
+              </a:avLst>
+            </a:prstGeom>
+            <a:ln/>
+          </p:spPr>
+          <p:style>
+            <a:lnRef idx="1">
+              <a:schemeClr val="accent1"/>
+            </a:lnRef>
+            <a:fillRef idx="3">
+              <a:schemeClr val="accent1"/>
+            </a:fillRef>
+            <a:effectRef idx="2">
+              <a:schemeClr val="accent1"/>
+            </a:effectRef>
+            <a:fontRef idx="minor">
+              <a:schemeClr val="lt1"/>
+            </a:fontRef>
+          </p:style>
+          <p:txBody>
+            <a:bodyPr wrap="square" lIns="0" tIns="0" rIns="0" bIns="0" numCol="1" anchor="ctr">
+              <a:noAutofit/>
+            </a:bodyPr>
+            <a:lstStyle/>
+            <a:p>
+              <a:pPr lvl="0" algn="ctr">
+                <a:defRPr sz="1800"/>
+              </a:pPr>
+              <a:r>
+                <a:rPr lang="en-US" sz="2900" dirty="0"/>
+                <a:t>[</a:t>
+              </a:r>
+              <a:r>
+                <a:rPr lang="en-US" sz="2900" dirty="0" err="1"/>
+                <a:t>MoL</a:t>
+              </a:r>
+              <a:r>
+                <a:rPr lang="en-US" sz="2900" dirty="0"/>
+                <a:t>-FNWI] </a:t>
+              </a:r>
+              <a:r>
+                <a:rPr lang="en-US" sz="2900" dirty="0" smtClean="0"/>
+                <a:t/>
+              </a:r>
+              <a:br>
+                <a:rPr lang="en-US" sz="2900" dirty="0" smtClean="0"/>
+              </a:br>
+              <a:r>
+                <a:rPr lang="en-US" sz="2900" dirty="0" smtClean="0"/>
+                <a:t>Topics in </a:t>
+              </a:r>
+              <a:br>
+                <a:rPr lang="en-US" sz="2900" dirty="0" smtClean="0"/>
+              </a:br>
+              <a:r>
+                <a:rPr lang="en-US" sz="2900" dirty="0" smtClean="0"/>
+                <a:t>Modal </a:t>
+              </a:r>
+              <a:r>
+                <a:rPr lang="en-US" sz="2900" dirty="0" smtClean="0"/>
+                <a:t>Logic</a:t>
+              </a:r>
+              <a:br>
+                <a:rPr lang="en-US" sz="2900" dirty="0" smtClean="0"/>
+              </a:br>
+              <a:r>
+                <a:rPr lang="en-US" sz="2900" dirty="0" smtClean="0"/>
+                <a:t>(</a:t>
+              </a:r>
+              <a:r>
+                <a:rPr lang="en-US" sz="2900" dirty="0" err="1" smtClean="0"/>
+                <a:t>Venema</a:t>
+              </a:r>
+              <a:r>
+                <a:rPr lang="en-US" sz="2900" dirty="0" smtClean="0"/>
+                <a:t>)</a:t>
+              </a:r>
+              <a:endParaRPr lang="en-US" sz="2900" dirty="0"/>
+            </a:p>
+          </p:txBody>
+        </p:sp>
+        <p:sp>
+          <p:nvSpPr>
+            <p:cNvPr id="133" name="Shape 133"/>
+            <p:cNvSpPr/>
+            <p:nvPr/>
+          </p:nvSpPr>
+          <p:spPr>
+            <a:xfrm>
+              <a:off x="16709418" y="24826544"/>
+              <a:ext cx="3276000" cy="2429821"/>
+            </a:xfrm>
+            <a:prstGeom prst="roundRect">
+              <a:avLst>
+                <a:gd name="adj" fmla="val 16667"/>
+              </a:avLst>
+            </a:prstGeom>
+            <a:ln>
+              <a:noFill/>
+            </a:ln>
+          </p:spPr>
+          <p:style>
+            <a:lnRef idx="1">
+              <a:schemeClr val="dk1"/>
+            </a:lnRef>
+            <a:fillRef idx="2">
+              <a:schemeClr val="dk1"/>
+            </a:fillRef>
+            <a:effectRef idx="1">
+              <a:schemeClr val="dk1"/>
+            </a:effectRef>
+            <a:fontRef idx="minor">
+              <a:schemeClr val="dk1"/>
+            </a:fontRef>
+          </p:style>
+          <p:txBody>
+            <a:bodyPr wrap="square" lIns="0" tIns="0" rIns="0" bIns="0" numCol="1" anchor="ctr">
+              <a:noAutofit/>
+            </a:bodyPr>
+            <a:lstStyle/>
+            <a:p>
+              <a:pPr algn="ctr"/>
+              <a:r>
+                <a:rPr lang="en-US" sz="2900" dirty="0">
+                  <a:solidFill>
+                    <a:schemeClr val="dk1">
+                      <a:alpha val="60000"/>
+                    </a:schemeClr>
+                  </a:solidFill>
+                  <a:latin typeface="Calibri" charset="0"/>
+                  <a:ea typeface="Calibri" charset="0"/>
+                  <a:cs typeface="Calibri" charset="0"/>
+                </a:rPr>
+                <a:t>[</a:t>
+              </a:r>
+              <a:r>
+                <a:rPr lang="en-US" sz="2900" dirty="0" err="1">
+                  <a:solidFill>
+                    <a:schemeClr val="dk1">
+                      <a:alpha val="60000"/>
+                    </a:schemeClr>
+                  </a:solidFill>
+                  <a:latin typeface="Calibri" charset="0"/>
+                  <a:ea typeface="Calibri" charset="0"/>
+                  <a:cs typeface="Calibri" charset="0"/>
+                </a:rPr>
+                <a:t>MoL</a:t>
+              </a:r>
+              <a:r>
+                <a:rPr lang="en-US" sz="2900" dirty="0">
+                  <a:solidFill>
+                    <a:schemeClr val="dk1">
+                      <a:alpha val="60000"/>
+                    </a:schemeClr>
+                  </a:solidFill>
+                  <a:latin typeface="Calibri" charset="0"/>
+                  <a:ea typeface="Calibri" charset="0"/>
+                  <a:cs typeface="Calibri" charset="0"/>
+                </a:rPr>
+                <a:t>-FNWI] Category Theory (</a:t>
+              </a:r>
+              <a:r>
+                <a:rPr lang="en-US" sz="2900" dirty="0" err="1">
+                  <a:solidFill>
+                    <a:schemeClr val="dk1">
+                      <a:alpha val="60000"/>
+                    </a:schemeClr>
+                  </a:solidFill>
+                  <a:latin typeface="Calibri" charset="0"/>
+                  <a:ea typeface="Calibri" charset="0"/>
+                  <a:cs typeface="Calibri" charset="0"/>
+                </a:rPr>
+                <a:t>vdBerg</a:t>
+              </a:r>
+              <a:r>
+                <a:rPr lang="en-US" sz="2900" dirty="0" smtClean="0">
+                  <a:solidFill>
+                    <a:schemeClr val="dk1">
+                      <a:alpha val="60000"/>
+                    </a:schemeClr>
+                  </a:solidFill>
+                  <a:latin typeface="Calibri" charset="0"/>
+                  <a:ea typeface="Calibri" charset="0"/>
+                  <a:cs typeface="Calibri" charset="0"/>
+                </a:rPr>
+                <a:t>)</a:t>
+              </a:r>
+            </a:p>
+          </p:txBody>
+        </p:sp>
+        <p:sp>
+          <p:nvSpPr>
+            <p:cNvPr id="154" name="Shape 154"/>
+            <p:cNvSpPr/>
+            <p:nvPr/>
+          </p:nvSpPr>
+          <p:spPr>
+            <a:xfrm>
+              <a:off x="12949190" y="26597675"/>
+              <a:ext cx="3276000" cy="2429822"/>
+            </a:xfrm>
+            <a:prstGeom prst="roundRect">
+              <a:avLst>
+                <a:gd name="adj" fmla="val 16667"/>
+              </a:avLst>
+            </a:prstGeom>
+            <a:gradFill flip="none" rotWithShape="1">
+              <a:gsLst>
+                <a:gs pos="0">
+                  <a:srgbClr val="DAFEA4"/>
+                </a:gs>
+                <a:gs pos="35000">
+                  <a:srgbClr val="E4FDBF"/>
+                </a:gs>
+                <a:gs pos="100000">
+                  <a:srgbClr val="F5FFE6"/>
+                </a:gs>
+              </a:gsLst>
+              <a:lin ang="16200000" scaled="0"/>
+            </a:gradFill>
+            <a:ln w="9525" cap="flat">
+              <a:solidFill>
+                <a:srgbClr val="98B955"/>
+              </a:solidFill>
+              <a:prstDash val="solid"/>
+              <a:bevel/>
+            </a:ln>
+            <a:effectLst>
+              <a:outerShdw blurRad="38100" dist="20000" dir="5400000" rotWithShape="0">
+                <a:srgbClr val="000000">
+                  <a:alpha val="38000"/>
+                </a:srgbClr>
+              </a:outerShdw>
+            </a:effectLst>
+          </p:spPr>
+          <p:txBody>
+            <a:bodyPr wrap="square" lIns="0" tIns="0" rIns="0" bIns="0" numCol="1" anchor="ctr">
+              <a:noAutofit/>
+            </a:bodyPr>
+            <a:lstStyle/>
+            <a:p>
+              <a:pPr algn="ctr"/>
+              <a:r>
+                <a:rPr lang="en-US" sz="2900" dirty="0"/>
+                <a:t>[</a:t>
+              </a:r>
+              <a:r>
+                <a:rPr lang="en-US" sz="2900" dirty="0" err="1"/>
+                <a:t>MoL</a:t>
+              </a:r>
+              <a:r>
+                <a:rPr lang="en-US" sz="2900" dirty="0"/>
+                <a:t>-FNWI] </a:t>
+              </a:r>
+              <a:r>
+                <a:rPr lang="en-US" sz="2900" dirty="0" smtClean="0"/>
+                <a:t/>
+              </a:r>
+              <a:br>
+                <a:rPr lang="en-US" sz="2900" dirty="0" smtClean="0"/>
+              </a:br>
+              <a:r>
+                <a:rPr lang="en-US" sz="2900" dirty="0" smtClean="0"/>
+                <a:t>Seminar </a:t>
+              </a:r>
+              <a:r>
+                <a:rPr lang="en-US" sz="2900" dirty="0"/>
+                <a:t>Mathematical Logic </a:t>
+              </a:r>
+              <a:endParaRPr lang="en-US" sz="2900" dirty="0" smtClean="0"/>
+            </a:p>
+            <a:p>
+              <a:pPr algn="ctr"/>
+              <a:r>
+                <a:rPr lang="en-US" sz="2900" dirty="0" smtClean="0"/>
+                <a:t>(</a:t>
+              </a:r>
+              <a:r>
+                <a:rPr lang="en-US" sz="2900" dirty="0" err="1" smtClean="0"/>
+                <a:t>Löwe</a:t>
+              </a:r>
+              <a:r>
+                <a:rPr lang="en-US" sz="2900" dirty="0"/>
+                <a:t>) </a:t>
+              </a:r>
+              <a:r>
+                <a:rPr lang="en-US" sz="2900" dirty="0" smtClean="0"/>
+                <a:t/>
+              </a:r>
+              <a:br>
+                <a:rPr lang="en-US" sz="2900" dirty="0" smtClean="0"/>
+              </a:br>
+              <a:r>
+                <a:rPr lang="en-US" sz="2900" dirty="0" smtClean="0"/>
+                <a:t>[</a:t>
+              </a:r>
+              <a:r>
+                <a:rPr lang="en-US" sz="2900" dirty="0"/>
+                <a:t>3EC]</a:t>
+              </a:r>
+            </a:p>
+          </p:txBody>
+        </p:sp>
+        <p:sp>
+          <p:nvSpPr>
+            <p:cNvPr id="157" name="Shape 157"/>
+            <p:cNvSpPr/>
+            <p:nvPr/>
+          </p:nvSpPr>
+          <p:spPr>
+            <a:xfrm>
+              <a:off x="5349643" y="23208685"/>
+              <a:ext cx="3276000" cy="2429822"/>
+            </a:xfrm>
+            <a:prstGeom prst="roundRect">
+              <a:avLst>
+                <a:gd name="adj" fmla="val 16667"/>
+              </a:avLst>
+            </a:prstGeom>
+            <a:ln/>
+          </p:spPr>
+          <p:style>
+            <a:lnRef idx="1">
+              <a:schemeClr val="accent4"/>
+            </a:lnRef>
+            <a:fillRef idx="2">
+              <a:schemeClr val="accent4"/>
+            </a:fillRef>
+            <a:effectRef idx="1">
+              <a:schemeClr val="accent4"/>
+            </a:effectRef>
+            <a:fontRef idx="minor">
+              <a:schemeClr val="dk1"/>
+            </a:fontRef>
+          </p:style>
+          <p:txBody>
+            <a:bodyPr wrap="square" lIns="0" tIns="0" rIns="0" bIns="0" numCol="1" anchor="ctr">
+              <a:noAutofit/>
+            </a:bodyPr>
+            <a:lstStyle/>
+            <a:p>
+              <a:pPr algn="ctr"/>
+              <a:r>
+                <a:rPr lang="en-US" sz="2900" dirty="0" smtClean="0"/>
+                <a:t>[</a:t>
+              </a:r>
+              <a:r>
+                <a:rPr lang="en-US" sz="2900" dirty="0" err="1" smtClean="0"/>
+                <a:t>MoL</a:t>
+              </a:r>
+              <a:r>
+                <a:rPr lang="en-US" sz="2900" dirty="0" smtClean="0"/>
+                <a:t>-FNWI] </a:t>
+              </a:r>
+              <a:r>
+                <a:rPr lang="en-US" sz="2900" dirty="0"/>
+                <a:t>Mathematical Structures in Logic (Bezhanishvili)</a:t>
+              </a:r>
+            </a:p>
+          </p:txBody>
+        </p:sp>
         <p:grpSp>
           <p:nvGrpSpPr>
-            <p:cNvPr id="15" name="Group 14"/>
+            <p:cNvPr id="19" name="Group 18"/>
             <p:cNvGrpSpPr/>
             <p:nvPr/>
           </p:nvGrpSpPr>
           <p:grpSpPr>
             <a:xfrm>
-              <a:off x="1150239" y="18131055"/>
-              <a:ext cx="19646913" cy="11039432"/>
-              <a:chOff x="381997" y="18034804"/>
-              <a:chExt cx="19646913" cy="11039433"/>
+              <a:off x="9232593" y="22984153"/>
+              <a:ext cx="3276000" cy="2654354"/>
+              <a:chOff x="5469489" y="19408286"/>
+              <a:chExt cx="3276001" cy="2654354"/>
             </a:xfrm>
           </p:grpSpPr>
           <p:sp>
             <p:nvSpPr>
-              <p:cNvPr id="52" name="Shape 52"/>
+              <p:cNvPr id="94" name="Shape 94"/>
               <p:cNvSpPr/>
               <p:nvPr/>
             </p:nvSpPr>
             <p:spPr>
               <a:xfrm>
-                <a:off x="456496" y="18034804"/>
-                <a:ext cx="3378486" cy="3378486"/>
-              </a:xfrm>
-              <a:prstGeom prst="ellipse">
-                <a:avLst/>
-              </a:prstGeom>
-              <a:gradFill flip="none" rotWithShape="1">
-                <a:gsLst>
-                  <a:gs pos="0">
-                    <a:schemeClr val="accent3"/>
-                  </a:gs>
-                  <a:gs pos="100000">
-                    <a:schemeClr val="accent1">
-                      <a:lumMod val="75000"/>
-                    </a:schemeClr>
-                  </a:gs>
-                </a:gsLst>
-                <a:lin ang="16200000" scaled="0"/>
-              </a:gradFill>
-              <a:ln w="76200" cap="flat">
-                <a:solidFill>
-                  <a:schemeClr val="tx1"/>
-                </a:solidFill>
-                <a:prstDash val="solid"/>
-                <a:bevel/>
-              </a:ln>
-              <a:effectLst>
-                <a:outerShdw blurRad="38100" dist="23000" dir="5400000" rotWithShape="0">
-                  <a:srgbClr val="000000">
-                    <a:alpha val="35000"/>
-                  </a:srgbClr>
-                </a:outerShdw>
-              </a:effectLst>
-            </p:spPr>
-            <p:txBody>
-              <a:bodyPr wrap="square" lIns="0" tIns="0" rIns="0" bIns="0" numCol="1" anchor="ctr">
-                <a:noAutofit/>
-              </a:bodyPr>
-              <a:lstStyle/>
-              <a:p>
-                <a:pPr lvl="0" algn="ctr">
-                  <a:defRPr sz="1800">
-                    <a:solidFill>
-                      <a:srgbClr val="000000"/>
-                    </a:solidFill>
-                  </a:defRPr>
-                </a:pPr>
-                <a:r>
-                  <a:rPr lang="en-US" sz="2900" dirty="0" smtClean="0">
-                    <a:solidFill>
-                      <a:srgbClr val="FFFFFF"/>
-                    </a:solidFill>
-                  </a:rPr>
-                  <a:t> </a:t>
-                </a:r>
-                <a:r>
-                  <a:rPr lang="en-US" sz="2900" dirty="0">
-                    <a:solidFill>
-                      <a:srgbClr val="FFFFFF"/>
-                    </a:solidFill>
-                  </a:rPr>
-                  <a:t>[BScWisk] Introduction to Modal Logic (</a:t>
-                </a:r>
-                <a:r>
-                  <a:rPr lang="en-US" sz="2900" dirty="0" err="1" smtClean="0">
-                    <a:solidFill>
-                      <a:srgbClr val="FFFFFF"/>
-                    </a:solidFill>
-                  </a:rPr>
-                  <a:t>Bezhanishvili</a:t>
-                </a:r>
-                <a:r>
-                  <a:rPr lang="en-US" sz="2900" dirty="0" smtClean="0">
-                    <a:solidFill>
-                      <a:srgbClr val="FFFFFF"/>
-                    </a:solidFill>
-                  </a:rPr>
-                  <a:t>)</a:t>
-                </a:r>
-                <a:endParaRPr lang="en-US" sz="2900" dirty="0">
-                  <a:solidFill>
-                    <a:srgbClr val="FFFFFF"/>
-                  </a:solidFill>
-                </a:endParaRPr>
-              </a:p>
-            </p:txBody>
-          </p:sp>
-          <p:sp>
-            <p:nvSpPr>
-              <p:cNvPr id="100" name="Shape 100"/>
-              <p:cNvSpPr/>
-              <p:nvPr/>
-            </p:nvSpPr>
-            <p:spPr>
-              <a:xfrm>
-                <a:off x="5296469" y="19584893"/>
-                <a:ext cx="3373117" cy="2429822"/>
+                <a:off x="5469489" y="19632818"/>
+                <a:ext cx="3276001" cy="2429822"/>
               </a:xfrm>
               <a:prstGeom prst="roundRect">
                 <a:avLst>
                   <a:gd name="adj" fmla="val 16667"/>
                 </a:avLst>
               </a:prstGeom>
-              <a:ln/>
-            </p:spPr>
-            <p:style>
-              <a:lnRef idx="1">
-                <a:schemeClr val="accent1"/>
-              </a:lnRef>
-              <a:fillRef idx="3">
-                <a:schemeClr val="accent1"/>
-              </a:fillRef>
-              <a:effectRef idx="2">
-                <a:schemeClr val="accent1"/>
-              </a:effectRef>
-              <a:fontRef idx="minor">
-                <a:schemeClr val="lt1"/>
-              </a:fontRef>
-            </p:style>
-            <p:txBody>
-              <a:bodyPr wrap="square" lIns="0" tIns="0" rIns="0" bIns="0" numCol="1" anchor="ctr">
-                <a:noAutofit/>
-              </a:bodyPr>
-              <a:lstStyle/>
-              <a:p>
-                <a:pPr lvl="0" algn="ctr">
-                  <a:defRPr sz="1800"/>
-                </a:pPr>
-                <a:r>
-                  <a:rPr lang="en-US" sz="2900" dirty="0"/>
-                  <a:t>[</a:t>
-                </a:r>
-                <a:r>
-                  <a:rPr lang="en-US" sz="2900" dirty="0" err="1"/>
-                  <a:t>MoL</a:t>
-                </a:r>
-                <a:r>
-                  <a:rPr lang="en-US" sz="2900" dirty="0"/>
-                  <a:t>-FNWI] </a:t>
-                </a:r>
-                <a:r>
-                  <a:rPr lang="en-US" sz="2900" dirty="0" smtClean="0"/>
-                  <a:t/>
-                </a:r>
-                <a:br>
-                  <a:rPr lang="en-US" sz="2900" dirty="0" smtClean="0"/>
-                </a:br>
-                <a:r>
-                  <a:rPr lang="en-US" sz="2900" dirty="0" smtClean="0"/>
-                  <a:t>Topics in </a:t>
-                </a:r>
-                <a:br>
-                  <a:rPr lang="en-US" sz="2900" dirty="0" smtClean="0"/>
-                </a:br>
-                <a:r>
-                  <a:rPr lang="en-US" sz="2900" dirty="0" smtClean="0"/>
-                  <a:t>Model Logic</a:t>
-                </a:r>
-                <a:br>
-                  <a:rPr lang="en-US" sz="2900" dirty="0" smtClean="0"/>
-                </a:br>
-                <a:r>
-                  <a:rPr lang="en-US" sz="2900" dirty="0" smtClean="0"/>
-                  <a:t>(</a:t>
-                </a:r>
-                <a:r>
-                  <a:rPr lang="en-US" sz="2900" dirty="0" err="1" smtClean="0"/>
-                  <a:t>Venema</a:t>
-                </a:r>
-                <a:r>
-                  <a:rPr lang="en-US" sz="2900" dirty="0" smtClean="0"/>
-                  <a:t>)</a:t>
-                </a:r>
-                <a:endParaRPr lang="en-US" sz="2900" dirty="0"/>
-              </a:p>
-            </p:txBody>
-          </p:sp>
-          <p:sp>
-            <p:nvSpPr>
-              <p:cNvPr id="133" name="Shape 133"/>
-              <p:cNvSpPr/>
-              <p:nvPr/>
-            </p:nvSpPr>
-            <p:spPr>
-              <a:xfrm>
-                <a:off x="9265651" y="26585001"/>
-                <a:ext cx="3013179" cy="2429821"/>
-              </a:xfrm>
-              <a:prstGeom prst="roundRect">
-                <a:avLst>
-                  <a:gd name="adj" fmla="val 16667"/>
-                </a:avLst>
-              </a:prstGeom>
-              <a:ln>
-                <a:noFill/>
+              <a:ln w="76200">
+                <a:solidFill>
+                  <a:schemeClr val="tx1"/>
+                </a:solidFill>
               </a:ln>
-            </p:spPr>
-            <p:style>
-              <a:lnRef idx="1">
-                <a:schemeClr val="dk1"/>
-              </a:lnRef>
-              <a:fillRef idx="2">
-                <a:schemeClr val="dk1"/>
-              </a:fillRef>
-              <a:effectRef idx="1">
-                <a:schemeClr val="dk1"/>
-              </a:effectRef>
-              <a:fontRef idx="minor">
-                <a:schemeClr val="dk1"/>
-              </a:fontRef>
-            </p:style>
-            <p:txBody>
-              <a:bodyPr wrap="square" lIns="0" tIns="0" rIns="0" bIns="0" numCol="1" anchor="ctr">
-                <a:noAutofit/>
-              </a:bodyPr>
-              <a:lstStyle/>
-              <a:p>
-                <a:pPr algn="ctr"/>
-                <a:r>
-                  <a:rPr lang="en-US" sz="2900" dirty="0">
-                    <a:solidFill>
-                      <a:schemeClr val="dk1">
-                        <a:alpha val="60000"/>
-                      </a:schemeClr>
-                    </a:solidFill>
-                    <a:latin typeface="Calibri" charset="0"/>
-                    <a:ea typeface="Calibri" charset="0"/>
-                    <a:cs typeface="Calibri" charset="0"/>
-                  </a:rPr>
-                  <a:t>[</a:t>
-                </a:r>
-                <a:r>
-                  <a:rPr lang="en-US" sz="2900" dirty="0" err="1">
-                    <a:solidFill>
-                      <a:schemeClr val="dk1">
-                        <a:alpha val="60000"/>
-                      </a:schemeClr>
-                    </a:solidFill>
-                    <a:latin typeface="Calibri" charset="0"/>
-                    <a:ea typeface="Calibri" charset="0"/>
-                    <a:cs typeface="Calibri" charset="0"/>
-                  </a:rPr>
-                  <a:t>MoL</a:t>
-                </a:r>
-                <a:r>
-                  <a:rPr lang="en-US" sz="2900" dirty="0">
-                    <a:solidFill>
-                      <a:schemeClr val="dk1">
-                        <a:alpha val="60000"/>
-                      </a:schemeClr>
-                    </a:solidFill>
-                    <a:latin typeface="Calibri" charset="0"/>
-                    <a:ea typeface="Calibri" charset="0"/>
-                    <a:cs typeface="Calibri" charset="0"/>
-                  </a:rPr>
-                  <a:t>-FNWI] Category Theory (</a:t>
-                </a:r>
-                <a:r>
-                  <a:rPr lang="en-US" sz="2900" dirty="0" err="1">
-                    <a:solidFill>
-                      <a:schemeClr val="dk1">
-                        <a:alpha val="60000"/>
-                      </a:schemeClr>
-                    </a:solidFill>
-                    <a:latin typeface="Calibri" charset="0"/>
-                    <a:ea typeface="Calibri" charset="0"/>
-                    <a:cs typeface="Calibri" charset="0"/>
-                  </a:rPr>
-                  <a:t>vdBerg</a:t>
-                </a:r>
-                <a:r>
-                  <a:rPr lang="en-US" sz="2900" dirty="0" smtClean="0">
-                    <a:solidFill>
-                      <a:schemeClr val="dk1">
-                        <a:alpha val="60000"/>
-                      </a:schemeClr>
-                    </a:solidFill>
-                    <a:latin typeface="Calibri" charset="0"/>
-                    <a:ea typeface="Calibri" charset="0"/>
-                    <a:cs typeface="Calibri" charset="0"/>
-                  </a:rPr>
-                  <a:t>)</a:t>
-                </a:r>
-              </a:p>
-            </p:txBody>
-          </p:sp>
-          <p:sp>
-            <p:nvSpPr>
-              <p:cNvPr id="154" name="Shape 154"/>
-              <p:cNvSpPr/>
-              <p:nvPr/>
-            </p:nvSpPr>
-            <p:spPr>
-              <a:xfrm>
-                <a:off x="16605357" y="23208685"/>
-                <a:ext cx="3423553" cy="2429822"/>
-              </a:xfrm>
-              <a:prstGeom prst="roundRect">
-                <a:avLst>
-                  <a:gd name="adj" fmla="val 16667"/>
-                </a:avLst>
-              </a:prstGeom>
-              <a:gradFill flip="none" rotWithShape="1">
-                <a:gsLst>
-                  <a:gs pos="0">
-                    <a:srgbClr val="DAFEA4"/>
-                  </a:gs>
-                  <a:gs pos="35000">
-                    <a:srgbClr val="E4FDBF"/>
-                  </a:gs>
-                  <a:gs pos="100000">
-                    <a:srgbClr val="F5FFE6"/>
-                  </a:gs>
-                </a:gsLst>
-                <a:lin ang="16200000" scaled="0"/>
-              </a:gradFill>
-              <a:ln w="9525" cap="flat">
-                <a:solidFill>
-                  <a:srgbClr val="98B955"/>
-                </a:solidFill>
-                <a:prstDash val="solid"/>
-                <a:bevel/>
-              </a:ln>
-              <a:effectLst>
-                <a:outerShdw blurRad="38100" dist="20000" dir="5400000" rotWithShape="0">
-                  <a:srgbClr val="000000">
-                    <a:alpha val="38000"/>
-                  </a:srgbClr>
-                </a:outerShdw>
-              </a:effectLst>
-            </p:spPr>
-            <p:txBody>
-              <a:bodyPr wrap="square" lIns="0" tIns="0" rIns="0" bIns="0" numCol="1" anchor="ctr">
-                <a:noAutofit/>
-              </a:bodyPr>
-              <a:lstStyle/>
-              <a:p>
-                <a:pPr algn="ctr"/>
-                <a:r>
-                  <a:rPr lang="en-US" sz="2900" dirty="0"/>
-                  <a:t>[</a:t>
-                </a:r>
-                <a:r>
-                  <a:rPr lang="en-US" sz="2900" dirty="0" err="1"/>
-                  <a:t>MoL</a:t>
-                </a:r>
-                <a:r>
-                  <a:rPr lang="en-US" sz="2900" dirty="0"/>
-                  <a:t>-FNWI] </a:t>
-                </a:r>
-                <a:r>
-                  <a:rPr lang="en-US" sz="2900" dirty="0" smtClean="0"/>
-                  <a:t/>
-                </a:r>
-                <a:br>
-                  <a:rPr lang="en-US" sz="2900" dirty="0" smtClean="0"/>
-                </a:br>
-                <a:r>
-                  <a:rPr lang="en-US" sz="2900" dirty="0" smtClean="0"/>
-                  <a:t>Seminar </a:t>
-                </a:r>
-                <a:r>
-                  <a:rPr lang="en-US" sz="2900" dirty="0"/>
-                  <a:t>Mathematical Logic </a:t>
-                </a:r>
-                <a:endParaRPr lang="en-US" sz="2900" dirty="0" smtClean="0"/>
-              </a:p>
-              <a:p>
-                <a:pPr algn="ctr"/>
-                <a:r>
-                  <a:rPr lang="en-US" sz="2900" dirty="0" smtClean="0"/>
-                  <a:t>(</a:t>
-                </a:r>
-                <a:r>
-                  <a:rPr lang="en-US" sz="2900" dirty="0" err="1" smtClean="0"/>
-                  <a:t>Löwe</a:t>
-                </a:r>
-                <a:r>
-                  <a:rPr lang="en-US" sz="2900" dirty="0"/>
-                  <a:t>) </a:t>
-                </a:r>
-                <a:r>
-                  <a:rPr lang="en-US" sz="2900" dirty="0" smtClean="0"/>
-                  <a:t/>
-                </a:r>
-                <a:br>
-                  <a:rPr lang="en-US" sz="2900" dirty="0" smtClean="0"/>
-                </a:br>
-                <a:r>
-                  <a:rPr lang="en-US" sz="2900" dirty="0" smtClean="0"/>
-                  <a:t>[</a:t>
-                </a:r>
-                <a:r>
-                  <a:rPr lang="en-US" sz="2900" dirty="0"/>
-                  <a:t>3EC]</a:t>
-                </a:r>
-              </a:p>
-            </p:txBody>
-          </p:sp>
-          <p:sp>
-            <p:nvSpPr>
-              <p:cNvPr id="157" name="Shape 157"/>
-              <p:cNvSpPr/>
-              <p:nvPr/>
-            </p:nvSpPr>
-            <p:spPr>
-              <a:xfrm>
-                <a:off x="5349644" y="23208685"/>
-                <a:ext cx="3139347" cy="2429822"/>
-              </a:xfrm>
-              <a:prstGeom prst="roundRect">
-                <a:avLst>
-                  <a:gd name="adj" fmla="val 16667"/>
-                </a:avLst>
-              </a:prstGeom>
-              <a:ln/>
             </p:spPr>
             <p:style>
               <a:lnRef idx="1">
@@ -8452,512 +8557,54 @@
               </a:bodyPr>
               <a:lstStyle/>
               <a:p>
-                <a:pPr algn="ctr"/>
-                <a:r>
-                  <a:rPr lang="en-US" sz="2900" dirty="0" smtClean="0"/>
-                  <a:t>[</a:t>
-                </a:r>
-                <a:r>
-                  <a:rPr lang="en-US" sz="2900" dirty="0" err="1" smtClean="0"/>
-                  <a:t>MoL</a:t>
-                </a:r>
-                <a:r>
-                  <a:rPr lang="en-US" sz="2900" dirty="0" smtClean="0"/>
-                  <a:t>-FNWI] </a:t>
-                </a:r>
-                <a:r>
-                  <a:rPr lang="en-US" sz="2900" dirty="0"/>
-                  <a:t>Mathematical Structures in Logic (Bezhanishvili)</a:t>
-                </a:r>
-              </a:p>
-            </p:txBody>
-          </p:sp>
-          <p:grpSp>
-            <p:nvGrpSpPr>
-              <p:cNvPr id="19" name="Group 18"/>
-              <p:cNvGrpSpPr/>
-              <p:nvPr/>
-            </p:nvGrpSpPr>
-            <p:grpSpPr>
-              <a:xfrm>
-                <a:off x="9232594" y="22984153"/>
-                <a:ext cx="3104517" cy="2654354"/>
-                <a:chOff x="5469490" y="19408286"/>
-                <a:chExt cx="3104518" cy="2654354"/>
-              </a:xfrm>
-            </p:grpSpPr>
-            <p:sp>
-              <p:nvSpPr>
-                <p:cNvPr id="94" name="Shape 94"/>
-                <p:cNvSpPr/>
-                <p:nvPr/>
-              </p:nvSpPr>
-              <p:spPr>
-                <a:xfrm>
-                  <a:off x="5469490" y="19632818"/>
-                  <a:ext cx="3104518" cy="2429822"/>
-                </a:xfrm>
-                <a:prstGeom prst="roundRect">
-                  <a:avLst>
-                    <a:gd name="adj" fmla="val 16667"/>
-                  </a:avLst>
-                </a:prstGeom>
-                <a:ln w="76200">
-                  <a:solidFill>
-                    <a:schemeClr val="tx1"/>
-                  </a:solidFill>
-                </a:ln>
-              </p:spPr>
-              <p:style>
-                <a:lnRef idx="1">
-                  <a:schemeClr val="accent4"/>
-                </a:lnRef>
-                <a:fillRef idx="2">
-                  <a:schemeClr val="accent4"/>
-                </a:fillRef>
-                <a:effectRef idx="1">
-                  <a:schemeClr val="accent4"/>
-                </a:effectRef>
-                <a:fontRef idx="minor">
-                  <a:schemeClr val="dk1"/>
-                </a:fontRef>
-              </p:style>
-              <p:txBody>
-                <a:bodyPr wrap="square" lIns="0" tIns="0" rIns="0" bIns="0" numCol="1" anchor="ctr">
-                  <a:noAutofit/>
-                </a:bodyPr>
-                <a:lstStyle/>
-                <a:p>
-                  <a:pPr lvl="0" algn="ctr">
-                    <a:defRPr sz="1800"/>
-                  </a:pPr>
-                  <a:endParaRPr lang="en-US" sz="2900" dirty="0" smtClean="0"/>
-                </a:p>
-                <a:p>
-                  <a:pPr lvl="0" algn="ctr">
-                    <a:defRPr sz="1800"/>
-                  </a:pPr>
-                  <a:r>
-                    <a:rPr lang="en-US" sz="2900" dirty="0" smtClean="0"/>
-                    <a:t>[</a:t>
-                  </a:r>
-                  <a:r>
-                    <a:rPr lang="en-US" sz="2900" dirty="0" err="1"/>
-                    <a:t>MoL</a:t>
-                  </a:r>
-                  <a:r>
-                    <a:rPr lang="en-US" sz="2900" dirty="0"/>
-                    <a:t>-FNWI] </a:t>
-                  </a:r>
-                  <a:r>
-                    <a:rPr lang="en-US" sz="2900" dirty="0" smtClean="0"/>
-                    <a:t/>
-                  </a:r>
-                  <a:br>
-                    <a:rPr lang="en-US" sz="2900" dirty="0" smtClean="0"/>
-                  </a:br>
-                  <a:r>
-                    <a:rPr lang="en-US" sz="2900" dirty="0" smtClean="0"/>
-                    <a:t>Proof </a:t>
-                  </a:r>
-                  <a:r>
-                    <a:rPr lang="en-US" sz="2900" dirty="0"/>
-                    <a:t>Theory (vdBerg)</a:t>
-                  </a:r>
-                </a:p>
-              </p:txBody>
-            </p:sp>
-            <p:sp>
-              <p:nvSpPr>
-                <p:cNvPr id="149" name="Shape 230"/>
-                <p:cNvSpPr/>
-                <p:nvPr/>
-              </p:nvSpPr>
-              <p:spPr>
-                <a:xfrm>
-                  <a:off x="6252819" y="19408286"/>
-                  <a:ext cx="1497972" cy="1204325"/>
-                </a:xfrm>
-                <a:prstGeom prst="rect">
-                  <a:avLst/>
-                </a:prstGeom>
-                <a:ln w="12700">
-                  <a:miter lim="400000"/>
-                </a:ln>
-                <a:extLst>
-                  <a:ext uri="{C572A759-6A51-4108-AA02-DFA0A04FC94B}">
-                    <ma14:wrappingTextBoxFlag xmlns:ma14="http://schemas.microsoft.com/office/mac/drawingml/2011/main" val="1"/>
-                  </a:ext>
-                </a:extLst>
-              </p:spPr>
-              <p:txBody>
-                <a:bodyPr lIns="208805" tIns="208805" rIns="208805" bIns="208805" anchor="ctr">
-                  <a:normAutofit/>
-                </a:bodyPr>
-                <a:lstStyle>
-                  <a:lvl1pPr>
-                    <a:defRPr sz="4000"/>
-                  </a:lvl1pPr>
-                </a:lstStyle>
-                <a:p>
-                  <a:pPr algn="ctr">
-                    <a:defRPr sz="1800"/>
-                  </a:pPr>
-                  <a:r>
-                    <a:rPr lang="en-US" sz="3300" b="1" dirty="0"/>
-                    <a:t>L&amp;M</a:t>
-                  </a:r>
-                  <a:endParaRPr sz="3300" b="1" dirty="0"/>
-                </a:p>
-              </p:txBody>
-            </p:sp>
-          </p:grpSp>
-          <p:grpSp>
-            <p:nvGrpSpPr>
-              <p:cNvPr id="20" name="Group 19"/>
-              <p:cNvGrpSpPr/>
-              <p:nvPr/>
-            </p:nvGrpSpPr>
-            <p:grpSpPr>
-              <a:xfrm>
-                <a:off x="12854365" y="23029526"/>
-                <a:ext cx="3314496" cy="2608981"/>
-                <a:chOff x="4913570" y="22045680"/>
-                <a:chExt cx="3314497" cy="2608981"/>
-              </a:xfrm>
-            </p:grpSpPr>
-            <p:sp>
-              <p:nvSpPr>
-                <p:cNvPr id="130" name="Shape 130"/>
-                <p:cNvSpPr/>
-                <p:nvPr/>
-              </p:nvSpPr>
-              <p:spPr>
-                <a:xfrm>
-                  <a:off x="4913570" y="22224839"/>
-                  <a:ext cx="3314497" cy="2429822"/>
-                </a:xfrm>
-                <a:prstGeom prst="roundRect">
-                  <a:avLst>
-                    <a:gd name="adj" fmla="val 16667"/>
-                  </a:avLst>
-                </a:prstGeom>
-                <a:ln w="76200">
-                  <a:solidFill>
-                    <a:schemeClr val="tx1"/>
-                  </a:solidFill>
-                </a:ln>
-              </p:spPr>
-              <p:style>
-                <a:lnRef idx="1">
-                  <a:schemeClr val="accent6"/>
-                </a:lnRef>
-                <a:fillRef idx="2">
-                  <a:schemeClr val="accent6"/>
-                </a:fillRef>
-                <a:effectRef idx="1">
-                  <a:schemeClr val="accent6"/>
-                </a:effectRef>
-                <a:fontRef idx="minor">
-                  <a:schemeClr val="dk1"/>
-                </a:fontRef>
-              </p:style>
-              <p:txBody>
-                <a:bodyPr wrap="square" lIns="0" tIns="0" rIns="0" bIns="0" numCol="1" anchor="ctr">
-                  <a:noAutofit/>
-                </a:bodyPr>
-                <a:lstStyle/>
-                <a:p>
-                  <a:pPr algn="ctr"/>
-                  <a:endParaRPr lang="en-US" sz="2900" dirty="0" smtClean="0">
-                    <a:latin typeface="Calibri" charset="0"/>
-                    <a:ea typeface="Calibri" charset="0"/>
-                    <a:cs typeface="Calibri" charset="0"/>
-                  </a:endParaRPr>
-                </a:p>
-                <a:p>
-                  <a:pPr algn="ctr"/>
-                  <a:r>
-                    <a:rPr lang="en-US" sz="2900" dirty="0" smtClean="0">
-                      <a:latin typeface="Calibri" charset="0"/>
-                      <a:ea typeface="Calibri" charset="0"/>
-                      <a:cs typeface="Calibri" charset="0"/>
-                    </a:rPr>
-                    <a:t>[</a:t>
-                  </a:r>
-                  <a:r>
-                    <a:rPr lang="en-US" sz="3200" dirty="0" err="1">
-                      <a:latin typeface="Calibri" charset="0"/>
-                      <a:ea typeface="Calibri" charset="0"/>
-                      <a:cs typeface="Calibri" charset="0"/>
-                    </a:rPr>
-                    <a:t>MoL</a:t>
-                  </a:r>
-                  <a:r>
-                    <a:rPr lang="en-US" sz="3200" dirty="0">
-                      <a:latin typeface="Calibri" charset="0"/>
-                      <a:ea typeface="Calibri" charset="0"/>
-                      <a:cs typeface="Calibri" charset="0"/>
-                    </a:rPr>
-                    <a:t>-FNWI</a:t>
-                  </a:r>
-                  <a:r>
-                    <a:rPr lang="en-US" sz="2900" dirty="0" smtClean="0">
-                      <a:latin typeface="Calibri" charset="0"/>
-                      <a:ea typeface="Calibri" charset="0"/>
-                      <a:cs typeface="Calibri" charset="0"/>
-                    </a:rPr>
-                    <a:t>] </a:t>
-                  </a:r>
-                  <a:br>
-                    <a:rPr lang="en-US" sz="2900" dirty="0" smtClean="0">
-                      <a:latin typeface="Calibri" charset="0"/>
-                      <a:ea typeface="Calibri" charset="0"/>
-                      <a:cs typeface="Calibri" charset="0"/>
-                    </a:rPr>
-                  </a:br>
-                  <a:r>
-                    <a:rPr lang="en-US" sz="2900" dirty="0" smtClean="0">
-                      <a:latin typeface="Calibri" charset="0"/>
-                      <a:ea typeface="Calibri" charset="0"/>
-                      <a:cs typeface="Calibri" charset="0"/>
-                    </a:rPr>
-                    <a:t>Model </a:t>
-                  </a:r>
-                  <a:r>
-                    <a:rPr lang="en-US" sz="2900" dirty="0">
-                      <a:latin typeface="Calibri" charset="0"/>
-                      <a:ea typeface="Calibri" charset="0"/>
-                      <a:cs typeface="Calibri" charset="0"/>
-                    </a:rPr>
-                    <a:t>Theory </a:t>
-                  </a:r>
-                  <a:r>
-                    <a:rPr lang="en-US" sz="2900" dirty="0" smtClean="0">
-                      <a:latin typeface="Calibri" charset="0"/>
-                      <a:ea typeface="Calibri" charset="0"/>
-                      <a:cs typeface="Calibri" charset="0"/>
-                    </a:rPr>
-                    <a:t>(</a:t>
-                  </a:r>
-                  <a:r>
-                    <a:rPr lang="en-US" sz="2900" dirty="0" err="1" smtClean="0">
-                      <a:latin typeface="Calibri" charset="0"/>
-                      <a:ea typeface="Calibri" charset="0"/>
-                      <a:cs typeface="Calibri" charset="0"/>
-                    </a:rPr>
-                    <a:t>Venema</a:t>
-                  </a:r>
-                  <a:r>
-                    <a:rPr lang="en-US" sz="2900" dirty="0" smtClean="0">
-                      <a:latin typeface="Calibri" charset="0"/>
-                      <a:ea typeface="Calibri" charset="0"/>
-                      <a:cs typeface="Calibri" charset="0"/>
-                    </a:rPr>
-                    <a:t>)</a:t>
-                  </a:r>
-                  <a:endParaRPr lang="en-US" sz="2900" dirty="0">
-                    <a:latin typeface="Calibri" charset="0"/>
-                    <a:ea typeface="Calibri" charset="0"/>
-                    <a:cs typeface="Calibri" charset="0"/>
-                  </a:endParaRPr>
-                </a:p>
-              </p:txBody>
-            </p:sp>
-            <p:sp>
-              <p:nvSpPr>
-                <p:cNvPr id="150" name="Shape 230"/>
-                <p:cNvSpPr/>
-                <p:nvPr/>
-              </p:nvSpPr>
-              <p:spPr>
-                <a:xfrm>
-                  <a:off x="5803986" y="22045680"/>
-                  <a:ext cx="1497972" cy="1204325"/>
-                </a:xfrm>
-                <a:prstGeom prst="rect">
-                  <a:avLst/>
-                </a:prstGeom>
-                <a:ln w="12700">
-                  <a:miter lim="400000"/>
-                </a:ln>
-                <a:extLst>
-                  <a:ext uri="{C572A759-6A51-4108-AA02-DFA0A04FC94B}">
-                    <ma14:wrappingTextBoxFlag xmlns:ma14="http://schemas.microsoft.com/office/mac/drawingml/2011/main" val="1"/>
-                  </a:ext>
-                </a:extLst>
-              </p:spPr>
-              <p:txBody>
-                <a:bodyPr lIns="208805" tIns="208805" rIns="208805" bIns="208805" anchor="ctr">
-                  <a:normAutofit/>
-                </a:bodyPr>
-                <a:lstStyle/>
-                <a:p>
-                  <a:pPr algn="ctr"/>
-                  <a:r>
-                    <a:rPr lang="en-US" sz="3300" b="1" dirty="0"/>
-                    <a:t>L&amp;M</a:t>
-                  </a:r>
-                  <a:endParaRPr sz="3300" b="1" dirty="0"/>
-                </a:p>
-              </p:txBody>
-            </p:sp>
-          </p:grpSp>
-          <p:sp>
-            <p:nvSpPr>
-              <p:cNvPr id="143" name="Shape 228"/>
-              <p:cNvSpPr/>
-              <p:nvPr/>
-            </p:nvSpPr>
-            <p:spPr>
-              <a:xfrm>
-                <a:off x="11334879" y="18384433"/>
-                <a:ext cx="3165086" cy="2236959"/>
-              </a:xfrm>
-              <a:prstGeom prst="rect">
-                <a:avLst/>
-              </a:prstGeom>
-              <a:ln w="12700">
-                <a:miter lim="400000"/>
-              </a:ln>
-              <a:extLst>
-                <a:ext uri="{C572A759-6A51-4108-AA02-DFA0A04FC94B}">
-                  <ma14:wrappingTextBoxFlag xmlns:ma14="http://schemas.microsoft.com/office/mac/drawingml/2011/main" val="1"/>
-                </a:ext>
-              </a:extLst>
-            </p:spPr>
-            <p:txBody>
-              <a:bodyPr lIns="208805" tIns="208805" rIns="208805" bIns="208805" anchor="ctr">
-                <a:normAutofit/>
-              </a:bodyPr>
-              <a:lstStyle>
-                <a:lvl1pPr>
-                  <a:defRPr sz="4000"/>
-                </a:lvl1pPr>
-              </a:lstStyle>
-              <a:p>
-                <a:pPr lvl="0" algn="l">
+                <a:pPr lvl="0" algn="ctr">
                   <a:defRPr sz="1800"/>
                 </a:pPr>
-                <a:r>
-                  <a:rPr lang="en-US" sz="3900" b="1" smtClean="0"/>
-                  <a:t>Theoretical </a:t>
-                </a:r>
-              </a:p>
-              <a:p>
-                <a:pPr lvl="0" algn="l">
-                  <a:defRPr sz="1800"/>
-                </a:pPr>
-                <a:r>
-                  <a:rPr lang="en-US" sz="3900" b="1" dirty="0" smtClean="0"/>
-                  <a:t>Linguistics</a:t>
-                </a:r>
-                <a:endParaRPr sz="3900" b="1" dirty="0"/>
-              </a:p>
-            </p:txBody>
-          </p:sp>
-          <p:sp>
-            <p:nvSpPr>
-              <p:cNvPr id="162" name="Shape 157"/>
-              <p:cNvSpPr/>
-              <p:nvPr/>
-            </p:nvSpPr>
-            <p:spPr>
-              <a:xfrm>
-                <a:off x="381997" y="23152777"/>
-                <a:ext cx="3139347" cy="2489237"/>
-              </a:xfrm>
-              <a:prstGeom prst="roundRect">
-                <a:avLst>
-                  <a:gd name="adj" fmla="val 16667"/>
-                </a:avLst>
-              </a:prstGeom>
-              <a:gradFill flip="none" rotWithShape="1">
-                <a:gsLst>
-                  <a:gs pos="0">
-                    <a:srgbClr val="C8B2E9"/>
-                  </a:gs>
-                  <a:gs pos="35000">
-                    <a:srgbClr val="D8C9EE"/>
-                  </a:gs>
-                  <a:gs pos="100000">
-                    <a:srgbClr val="FFD1BB"/>
-                  </a:gs>
-                </a:gsLst>
-                <a:lin ang="5400000" scaled="0"/>
-              </a:gradFill>
-              <a:ln w="76200" cap="flat">
-                <a:solidFill>
-                  <a:schemeClr val="tx1"/>
-                </a:solidFill>
-                <a:prstDash val="solid"/>
-                <a:bevel/>
-              </a:ln>
-              <a:effectLst>
-                <a:outerShdw blurRad="38100" dist="20000" dir="5400000" rotWithShape="0">
-                  <a:srgbClr val="000000">
-                    <a:alpha val="38000"/>
-                  </a:srgbClr>
-                </a:outerShdw>
-              </a:effectLst>
-            </p:spPr>
-            <p:txBody>
-              <a:bodyPr wrap="square" lIns="0" tIns="0" rIns="0" bIns="0" numCol="1" anchor="ctr">
-                <a:noAutofit/>
-              </a:bodyPr>
-              <a:lstStyle/>
-              <a:p>
-                <a:pPr algn="ctr"/>
                 <a:endParaRPr lang="en-US" sz="2900" dirty="0" smtClean="0"/>
               </a:p>
               <a:p>
-                <a:pPr algn="ctr"/>
+                <a:pPr lvl="0" algn="ctr">
+                  <a:defRPr sz="1800"/>
+                </a:pPr>
                 <a:r>
                   <a:rPr lang="en-US" sz="2900" dirty="0" smtClean="0"/>
                   <a:t>[</a:t>
                 </a:r>
                 <a:r>
                   <a:rPr lang="en-US" sz="2900" dirty="0" err="1"/>
-                  <a:t>MastMath-UvA</a:t>
+                  <a:t>MoL</a:t>
                 </a:r>
                 <a:r>
                   <a:rPr lang="en-US" sz="2900" dirty="0"/>
-                  <a:t>] Set Theory </a:t>
+                  <a:t>-FNWI] </a:t>
+                </a:r>
+                <a:r>
+                  <a:rPr lang="en-US" sz="2900" dirty="0" smtClean="0"/>
+                  <a:t/>
                 </a:r>
                 <a:br>
-                  <a:rPr lang="en-US" sz="2900" dirty="0"/>
+                  <a:rPr lang="en-US" sz="2900" dirty="0" smtClean="0"/>
                 </a:br>
                 <a:r>
-                  <a:rPr lang="en-US" sz="2900" dirty="0"/>
-                  <a:t>(Hart, </a:t>
-                </a:r>
-                <a:r>
-                  <a:rPr lang="en-US" sz="2900" dirty="0" err="1"/>
-                  <a:t>Löwe</a:t>
+                  <a:rPr lang="en-US" sz="2900" dirty="0" smtClean="0"/>
+                  <a:t>Proof </a:t>
                 </a:r>
                 <a:r>
                   <a:rPr lang="en-US" sz="2900" dirty="0"/>
-                  <a:t>) </a:t>
-                </a:r>
-                <a:br>
-                  <a:rPr lang="en-US" sz="2900" dirty="0"/>
-                </a:br>
-                <a:r>
-                  <a:rPr lang="en-US" sz="2900" dirty="0"/>
-                  <a:t>[8EC]</a:t>
+                  <a:t>Theory (vdBerg)</a:t>
                 </a:r>
               </a:p>
             </p:txBody>
           </p:sp>
           <p:sp>
             <p:nvSpPr>
-              <p:cNvPr id="174" name="Shape 230"/>
+              <p:cNvPr id="149" name="Shape 230"/>
               <p:cNvSpPr/>
               <p:nvPr/>
             </p:nvSpPr>
             <p:spPr>
               <a:xfrm>
-                <a:off x="1139613" y="22843978"/>
+                <a:off x="6252819" y="19408286"/>
                 <a:ext cx="1497972" cy="1204325"/>
               </a:xfrm>
               <a:prstGeom prst="rect">
@@ -8993,132 +8640,55 @@
               </a:p>
             </p:txBody>
           </p:sp>
+        </p:grpSp>
+        <p:grpSp>
+          <p:nvGrpSpPr>
+            <p:cNvPr id="20" name="Group 19"/>
+            <p:cNvGrpSpPr/>
+            <p:nvPr/>
+          </p:nvGrpSpPr>
+          <p:grpSpPr>
+            <a:xfrm>
+              <a:off x="12854365" y="23029526"/>
+              <a:ext cx="3276000" cy="2608981"/>
+              <a:chOff x="4913570" y="22045680"/>
+              <a:chExt cx="3276001" cy="2608981"/>
+            </a:xfrm>
+          </p:grpSpPr>
           <p:sp>
             <p:nvSpPr>
-              <p:cNvPr id="164" name="Shape 157"/>
+              <p:cNvPr id="130" name="Shape 130"/>
               <p:cNvSpPr/>
               <p:nvPr/>
             </p:nvSpPr>
             <p:spPr>
               <a:xfrm>
-                <a:off x="12904185" y="26585000"/>
-                <a:ext cx="3139347" cy="2489237"/>
+                <a:off x="4913570" y="22224839"/>
+                <a:ext cx="3276001" cy="2429822"/>
               </a:xfrm>
               <a:prstGeom prst="roundRect">
                 <a:avLst>
                   <a:gd name="adj" fmla="val 16667"/>
                 </a:avLst>
               </a:prstGeom>
-              <a:gradFill flip="none" rotWithShape="1">
-                <a:gsLst>
-                  <a:gs pos="0">
-                    <a:srgbClr val="C8B2E9"/>
-                  </a:gs>
-                  <a:gs pos="35000">
-                    <a:srgbClr val="D8C9EE"/>
-                  </a:gs>
-                  <a:gs pos="100000">
-                    <a:srgbClr val="FFD1BB"/>
-                  </a:gs>
-                </a:gsLst>
-                <a:lin ang="5400000" scaled="0"/>
-              </a:gradFill>
-              <a:ln w="9525" cap="flat">
+              <a:ln w="76200">
                 <a:solidFill>
-                  <a:schemeClr val="accent4">
-                    <a:lumMod val="75000"/>
-                  </a:schemeClr>
+                  <a:schemeClr val="tx1"/>
                 </a:solidFill>
-                <a:prstDash val="solid"/>
-                <a:bevel/>
               </a:ln>
-              <a:effectLst>
-                <a:outerShdw blurRad="38100" dist="20000" dir="5400000" rotWithShape="0">
-                  <a:srgbClr val="000000">
-                    <a:alpha val="38000"/>
-                  </a:srgbClr>
-                </a:outerShdw>
-              </a:effectLst>
-            </p:spPr>
-            <p:txBody>
-              <a:bodyPr wrap="square" lIns="0" tIns="0" rIns="0" bIns="0" numCol="1" anchor="ctr">
-                <a:noAutofit/>
-              </a:bodyPr>
-              <a:lstStyle/>
-              <a:p>
-                <a:pPr algn="ctr"/>
-                <a:r>
-                  <a:rPr lang="en-US" sz="2900" dirty="0" smtClean="0"/>
-                  <a:t>[</a:t>
-                </a:r>
-                <a:r>
-                  <a:rPr lang="en-US" sz="2900" dirty="0" err="1"/>
-                  <a:t>MastMath</a:t>
-                </a:r>
-                <a:r>
-                  <a:rPr lang="en-US" sz="2900" dirty="0"/>
-                  <a:t>-UU] Category Theory and </a:t>
-                </a:r>
-                <a:r>
-                  <a:rPr lang="en-US" sz="2900" dirty="0" err="1"/>
-                  <a:t>Topos</a:t>
-                </a:r>
-                <a:r>
-                  <a:rPr lang="en-US" sz="2900" dirty="0"/>
-                  <a:t> Theory (van </a:t>
-                </a:r>
-                <a:r>
-                  <a:rPr lang="en-US" sz="2900" dirty="0" err="1"/>
-                  <a:t>Oosten</a:t>
-                </a:r>
-                <a:r>
-                  <a:rPr lang="en-US" sz="2900" dirty="0" smtClean="0"/>
-                  <a:t>)</a:t>
-                </a:r>
-                <a:br>
-                  <a:rPr lang="en-US" sz="2900" dirty="0" smtClean="0"/>
-                </a:br>
-                <a:r>
-                  <a:rPr lang="en-US" sz="2900" dirty="0" smtClean="0"/>
-                  <a:t> </a:t>
-                </a:r>
-                <a:r>
-                  <a:rPr lang="en-US" sz="2900" dirty="0"/>
-                  <a:t>[8EC]</a:t>
-                </a:r>
-              </a:p>
-            </p:txBody>
-          </p:sp>
-          <p:sp>
-            <p:nvSpPr>
-              <p:cNvPr id="165" name="Shape 100"/>
-              <p:cNvSpPr/>
-              <p:nvPr/>
-            </p:nvSpPr>
-            <p:spPr>
-              <a:xfrm>
-                <a:off x="16655793" y="26597853"/>
-                <a:ext cx="3373117" cy="2429822"/>
-              </a:xfrm>
-              <a:prstGeom prst="roundRect">
-                <a:avLst>
-                  <a:gd name="adj" fmla="val 16667"/>
-                </a:avLst>
-              </a:prstGeom>
-              <a:ln/>
             </p:spPr>
             <p:style>
               <a:lnRef idx="1">
-                <a:schemeClr val="accent1"/>
+                <a:schemeClr val="accent6"/>
               </a:lnRef>
-              <a:fillRef idx="3">
-                <a:schemeClr val="accent1"/>
+              <a:fillRef idx="2">
+                <a:schemeClr val="accent6"/>
               </a:fillRef>
-              <a:effectRef idx="2">
-                <a:schemeClr val="accent1"/>
+              <a:effectRef idx="1">
+                <a:schemeClr val="accent6"/>
               </a:effectRef>
               <a:fontRef idx="minor">
-                <a:schemeClr val="lt1"/>
+                <a:schemeClr val="dk1"/>
               </a:fontRef>
             </p:style>
             <p:txBody>
@@ -9127,66 +8697,204 @@
               </a:bodyPr>
               <a:lstStyle/>
               <a:p>
-                <a:pPr lvl="0" algn="ctr">
-                  <a:defRPr sz="1800"/>
-                </a:pPr>
+                <a:pPr algn="ctr"/>
+                <a:endParaRPr lang="en-US" sz="2900" dirty="0" smtClean="0">
+                  <a:latin typeface="Calibri" charset="0"/>
+                  <a:ea typeface="Calibri" charset="0"/>
+                  <a:cs typeface="Calibri" charset="0"/>
+                </a:endParaRPr>
+              </a:p>
+              <a:p>
+                <a:pPr algn="ctr"/>
                 <a:r>
-                  <a:rPr lang="en-US" sz="2900" dirty="0"/>
+                  <a:rPr lang="en-US" sz="2900" dirty="0" smtClean="0">
+                    <a:latin typeface="Calibri" charset="0"/>
+                    <a:ea typeface="Calibri" charset="0"/>
+                    <a:cs typeface="Calibri" charset="0"/>
+                  </a:rPr>
                   <a:t>[</a:t>
                 </a:r>
                 <a:r>
-                  <a:rPr lang="en-US" sz="2900" dirty="0" err="1"/>
+                  <a:rPr lang="en-US" sz="3200" dirty="0" err="1">
+                    <a:latin typeface="Calibri" charset="0"/>
+                    <a:ea typeface="Calibri" charset="0"/>
+                    <a:cs typeface="Calibri" charset="0"/>
+                  </a:rPr>
                   <a:t>MoL</a:t>
                 </a:r>
                 <a:r>
-                  <a:rPr lang="en-US" sz="2900" dirty="0"/>
-                  <a:t>-FNWI] </a:t>
+                  <a:rPr lang="en-US" sz="3200" dirty="0">
+                    <a:latin typeface="Calibri" charset="0"/>
+                    <a:ea typeface="Calibri" charset="0"/>
+                    <a:cs typeface="Calibri" charset="0"/>
+                  </a:rPr>
+                  <a:t>-FNWI</a:t>
                 </a:r>
                 <a:r>
-                  <a:rPr lang="en-US" sz="2900" dirty="0" smtClean="0"/>
-                  <a:t/>
+                  <a:rPr lang="en-US" sz="2900" dirty="0" smtClean="0">
+                    <a:latin typeface="Calibri" charset="0"/>
+                    <a:ea typeface="Calibri" charset="0"/>
+                    <a:cs typeface="Calibri" charset="0"/>
+                  </a:rPr>
+                  <a:t>] </a:t>
                 </a:r>
                 <a:br>
-                  <a:rPr lang="en-US" sz="2900" dirty="0" smtClean="0"/>
+                  <a:rPr lang="en-US" sz="2900" dirty="0" smtClean="0">
+                    <a:latin typeface="Calibri" charset="0"/>
+                    <a:ea typeface="Calibri" charset="0"/>
+                    <a:cs typeface="Calibri" charset="0"/>
+                  </a:rPr>
                 </a:br>
                 <a:r>
-                  <a:rPr lang="en-US" sz="2900" dirty="0" err="1" smtClean="0"/>
-                  <a:t>Homotopy</a:t>
+                  <a:rPr lang="en-US" sz="2900" dirty="0" smtClean="0">
+                    <a:latin typeface="Calibri" charset="0"/>
+                    <a:ea typeface="Calibri" charset="0"/>
+                    <a:cs typeface="Calibri" charset="0"/>
+                  </a:rPr>
+                  <a:t>Model </a:t>
                 </a:r>
                 <a:r>
-                  <a:rPr lang="en-US" sz="2900" dirty="0" smtClean="0"/>
-                  <a:t> Type Theory</a:t>
+                  <a:rPr lang="en-US" sz="2900" dirty="0">
+                    <a:latin typeface="Calibri" charset="0"/>
+                    <a:ea typeface="Calibri" charset="0"/>
+                    <a:cs typeface="Calibri" charset="0"/>
+                  </a:rPr>
+                  <a:t>Theory </a:t>
                 </a:r>
-                <a:br>
-                  <a:rPr lang="en-US" sz="2900" dirty="0" smtClean="0"/>
-                </a:br>
                 <a:r>
-                  <a:rPr lang="en-US" sz="2900" dirty="0" smtClean="0"/>
+                  <a:rPr lang="en-US" sz="2900" dirty="0" smtClean="0">
+                    <a:latin typeface="Calibri" charset="0"/>
+                    <a:ea typeface="Calibri" charset="0"/>
+                    <a:cs typeface="Calibri" charset="0"/>
+                  </a:rPr>
                   <a:t>(</a:t>
                 </a:r>
                 <a:r>
-                  <a:rPr lang="en-US" sz="2900" dirty="0" err="1" smtClean="0"/>
-                  <a:t>vdBerg</a:t>
+                  <a:rPr lang="en-US" sz="2900" dirty="0" err="1" smtClean="0">
+                    <a:latin typeface="Calibri" charset="0"/>
+                    <a:ea typeface="Calibri" charset="0"/>
+                    <a:cs typeface="Calibri" charset="0"/>
+                  </a:rPr>
+                  <a:t>Venema</a:t>
                 </a:r>
                 <a:r>
-                  <a:rPr lang="en-US" sz="2900" dirty="0" smtClean="0"/>
+                  <a:rPr lang="en-US" sz="2900" dirty="0" smtClean="0">
+                    <a:latin typeface="Calibri" charset="0"/>
+                    <a:ea typeface="Calibri" charset="0"/>
+                    <a:cs typeface="Calibri" charset="0"/>
+                  </a:rPr>
                   <a:t>)</a:t>
                 </a:r>
-                <a:endParaRPr lang="en-US" sz="2900" dirty="0"/>
+                <a:endParaRPr lang="en-US" sz="2900" dirty="0">
+                  <a:latin typeface="Calibri" charset="0"/>
+                  <a:ea typeface="Calibri" charset="0"/>
+                  <a:cs typeface="Calibri" charset="0"/>
+                </a:endParaRPr>
+              </a:p>
+            </p:txBody>
+          </p:sp>
+          <p:sp>
+            <p:nvSpPr>
+              <p:cNvPr id="150" name="Shape 230"/>
+              <p:cNvSpPr/>
+              <p:nvPr/>
+            </p:nvSpPr>
+            <p:spPr>
+              <a:xfrm>
+                <a:off x="5803986" y="22045680"/>
+                <a:ext cx="1497972" cy="1204325"/>
+              </a:xfrm>
+              <a:prstGeom prst="rect">
+                <a:avLst/>
+              </a:prstGeom>
+              <a:ln w="12700">
+                <a:miter lim="400000"/>
+              </a:ln>
+              <a:extLst>
+                <a:ext uri="{C572A759-6A51-4108-AA02-DFA0A04FC94B}">
+                  <ma14:wrappingTextBoxFlag xmlns:ma14="http://schemas.microsoft.com/office/mac/drawingml/2011/main" val="1"/>
+                </a:ext>
+              </a:extLst>
+            </p:spPr>
+            <p:txBody>
+              <a:bodyPr lIns="208805" tIns="208805" rIns="208805" bIns="208805" anchor="ctr">
+                <a:normAutofit/>
+              </a:bodyPr>
+              <a:lstStyle/>
+              <a:p>
+                <a:pPr algn="ctr"/>
+                <a:r>
+                  <a:rPr lang="en-US" sz="3300" b="1" dirty="0"/>
+                  <a:t>L&amp;M</a:t>
+                </a:r>
+                <a:endParaRPr sz="3300" b="1" dirty="0"/>
               </a:p>
             </p:txBody>
           </p:sp>
         </p:grpSp>
         <p:sp>
           <p:nvSpPr>
-            <p:cNvPr id="156" name="Shape 136"/>
+            <p:cNvPr id="143" name="Shape 228"/>
             <p:cNvSpPr/>
             <p:nvPr/>
           </p:nvSpPr>
           <p:spPr>
             <a:xfrm>
-              <a:off x="6244679" y="26697016"/>
-              <a:ext cx="3013179" cy="2398291"/>
+              <a:off x="11334879" y="18384433"/>
+              <a:ext cx="3165086" cy="2236959"/>
+            </a:xfrm>
+            <a:prstGeom prst="rect">
+              <a:avLst/>
+            </a:prstGeom>
+            <a:ln w="12700">
+              <a:miter lim="400000"/>
+            </a:ln>
+            <a:extLst>
+              <a:ext uri="{C572A759-6A51-4108-AA02-DFA0A04FC94B}">
+                <ma14:wrappingTextBoxFlag xmlns:ma14="http://schemas.microsoft.com/office/mac/drawingml/2011/main" val="1"/>
+              </a:ext>
+            </a:extLst>
+          </p:spPr>
+          <p:txBody>
+            <a:bodyPr lIns="208805" tIns="208805" rIns="208805" bIns="208805" anchor="ctr">
+              <a:normAutofit/>
+            </a:bodyPr>
+            <a:lstStyle>
+              <a:lvl1pPr>
+                <a:defRPr sz="4000"/>
+              </a:lvl1pPr>
+            </a:lstStyle>
+            <a:p>
+              <a:pPr lvl="0" algn="l">
+                <a:defRPr sz="1800"/>
+              </a:pPr>
+              <a:r>
+                <a:rPr lang="en-US" sz="3900" b="1" smtClean="0"/>
+                <a:t>Theoretical </a:t>
+              </a:r>
+            </a:p>
+            <a:p>
+              <a:pPr lvl="0" algn="l">
+                <a:defRPr sz="1800"/>
+              </a:pPr>
+              <a:r>
+                <a:rPr lang="en-US" sz="3900" b="1" dirty="0" smtClean="0"/>
+                <a:t>Linguistics</a:t>
+              </a:r>
+              <a:endParaRPr sz="3900" b="1" dirty="0"/>
+            </a:p>
+          </p:txBody>
+        </p:sp>
+        <p:sp>
+          <p:nvSpPr>
+            <p:cNvPr id="162" name="Shape 157"/>
+            <p:cNvSpPr/>
+            <p:nvPr/>
+          </p:nvSpPr>
+          <p:spPr>
+            <a:xfrm>
+              <a:off x="381997" y="23152777"/>
+              <a:ext cx="3139347" cy="2489237"/>
             </a:xfrm>
             <a:prstGeom prst="roundRect">
               <a:avLst>
@@ -9196,27 +8904,28 @@
             <a:gradFill flip="none" rotWithShape="1">
               <a:gsLst>
                 <a:gs pos="0">
-                  <a:schemeClr val="accent3"/>
+                  <a:srgbClr val="C8B2E9"/>
+                </a:gs>
+                <a:gs pos="35000">
+                  <a:srgbClr val="D8C9EE"/>
                 </a:gs>
                 <a:gs pos="100000">
-                  <a:schemeClr val="accent1">
-                    <a:lumMod val="75000"/>
-                  </a:schemeClr>
+                  <a:srgbClr val="FFD1BB"/>
                 </a:gs>
               </a:gsLst>
-              <a:lin ang="16200000" scaled="0"/>
+              <a:lin ang="5400000" scaled="0"/>
             </a:gradFill>
-            <a:ln w="9525" cap="flat">
+            <a:ln w="76200" cap="flat">
               <a:solidFill>
-                <a:schemeClr val="accent1"/>
+                <a:schemeClr val="tx1"/>
               </a:solidFill>
               <a:prstDash val="solid"/>
               <a:bevel/>
             </a:ln>
             <a:effectLst>
-              <a:outerShdw blurRad="38100" dist="23000" dir="5400000" rotWithShape="0">
+              <a:outerShdw blurRad="38100" dist="20000" dir="5400000" rotWithShape="0">
                 <a:srgbClr val="000000">
-                  <a:alpha val="35000"/>
+                  <a:alpha val="38000"/>
                 </a:srgbClr>
               </a:outerShdw>
             </a:effectLst>
@@ -9228,70 +8937,271 @@
             <a:lstStyle/>
             <a:p>
               <a:pPr algn="ctr"/>
-              <a:r>
-                <a:rPr lang="en-US" sz="2900" dirty="0">
-                  <a:solidFill>
-                    <a:srgbClr val="FFFFFF"/>
-                  </a:solidFill>
-                </a:rPr>
+              <a:endParaRPr lang="en-US" sz="2900" dirty="0" smtClean="0"/>
+            </a:p>
+            <a:p>
+              <a:pPr algn="ctr"/>
+              <a:r>
+                <a:rPr lang="en-US" sz="2900" dirty="0" smtClean="0"/>
                 <a:t>[</a:t>
               </a:r>
               <a:r>
-                <a:rPr lang="en-US" sz="2900" dirty="0" err="1" smtClean="0">
-                  <a:solidFill>
-                    <a:srgbClr val="FFFFFF"/>
-                  </a:solidFill>
-                </a:rPr>
+                <a:rPr lang="en-US" sz="2900" dirty="0" err="1"/>
+                <a:t>MastMath-UvA</a:t>
+              </a:r>
+              <a:r>
+                <a:rPr lang="en-US" sz="2900" dirty="0"/>
+                <a:t>] Set Theory </a:t>
+              </a:r>
+              <a:br>
+                <a:rPr lang="en-US" sz="2900" dirty="0"/>
+              </a:br>
+              <a:r>
+                <a:rPr lang="en-US" sz="2900" dirty="0"/>
+                <a:t>(Hart, </a:t>
+              </a:r>
+              <a:r>
+                <a:rPr lang="en-US" sz="2900" dirty="0" err="1"/>
+                <a:t>Löwe</a:t>
+              </a:r>
+              <a:r>
+                <a:rPr lang="en-US" sz="2900" dirty="0"/>
+                <a:t>) </a:t>
+              </a:r>
+              <a:br>
+                <a:rPr lang="en-US" sz="2900" dirty="0"/>
+              </a:br>
+              <a:r>
+                <a:rPr lang="en-US" sz="2900" dirty="0"/>
+                <a:t>[8EC]</a:t>
+              </a:r>
+            </a:p>
+          </p:txBody>
+        </p:sp>
+        <p:sp>
+          <p:nvSpPr>
+            <p:cNvPr id="174" name="Shape 230"/>
+            <p:cNvSpPr/>
+            <p:nvPr/>
+          </p:nvSpPr>
+          <p:spPr>
+            <a:xfrm>
+              <a:off x="1139613" y="22843978"/>
+              <a:ext cx="1497972" cy="1204325"/>
+            </a:xfrm>
+            <a:prstGeom prst="rect">
+              <a:avLst/>
+            </a:prstGeom>
+            <a:ln w="12700">
+              <a:miter lim="400000"/>
+            </a:ln>
+            <a:extLst>
+              <a:ext uri="{C572A759-6A51-4108-AA02-DFA0A04FC94B}">
+                <ma14:wrappingTextBoxFlag xmlns:ma14="http://schemas.microsoft.com/office/mac/drawingml/2011/main" val="1"/>
+              </a:ext>
+            </a:extLst>
+          </p:spPr>
+          <p:txBody>
+            <a:bodyPr lIns="208805" tIns="208805" rIns="208805" bIns="208805" anchor="ctr">
+              <a:normAutofit/>
+            </a:bodyPr>
+            <a:lstStyle>
+              <a:lvl1pPr>
+                <a:defRPr sz="4000"/>
+              </a:lvl1pPr>
+            </a:lstStyle>
+            <a:p>
+              <a:pPr algn="ctr">
+                <a:defRPr sz="1800"/>
+              </a:pPr>
+              <a:r>
+                <a:rPr lang="en-US" sz="3300" b="1" dirty="0"/>
+                <a:t>L&amp;M</a:t>
+              </a:r>
+              <a:endParaRPr sz="3300" b="1" dirty="0"/>
+            </a:p>
+          </p:txBody>
+        </p:sp>
+        <p:sp>
+          <p:nvSpPr>
+            <p:cNvPr id="164" name="Shape 157"/>
+            <p:cNvSpPr/>
+            <p:nvPr/>
+          </p:nvSpPr>
+          <p:spPr>
+            <a:xfrm>
+              <a:off x="5377870" y="26585000"/>
+              <a:ext cx="3276000" cy="2489237"/>
+            </a:xfrm>
+            <a:prstGeom prst="roundRect">
+              <a:avLst>
+                <a:gd name="adj" fmla="val 16667"/>
+              </a:avLst>
+            </a:prstGeom>
+            <a:gradFill flip="none" rotWithShape="1">
+              <a:gsLst>
+                <a:gs pos="0">
+                  <a:srgbClr val="C8B2E9"/>
+                </a:gs>
+                <a:gs pos="35000">
+                  <a:srgbClr val="D8C9EE"/>
+                </a:gs>
+                <a:gs pos="100000">
+                  <a:srgbClr val="FFD1BB"/>
+                </a:gs>
+              </a:gsLst>
+              <a:lin ang="5400000" scaled="0"/>
+            </a:gradFill>
+            <a:ln w="9525" cap="flat">
+              <a:solidFill>
+                <a:schemeClr val="accent4">
+                  <a:lumMod val="75000"/>
+                </a:schemeClr>
+              </a:solidFill>
+              <a:prstDash val="solid"/>
+              <a:bevel/>
+            </a:ln>
+            <a:effectLst>
+              <a:outerShdw blurRad="38100" dist="20000" dir="5400000" rotWithShape="0">
+                <a:srgbClr val="000000">
+                  <a:alpha val="38000"/>
+                </a:srgbClr>
+              </a:outerShdw>
+            </a:effectLst>
+          </p:spPr>
+          <p:txBody>
+            <a:bodyPr wrap="square" lIns="0" tIns="0" rIns="0" bIns="0" numCol="1" anchor="ctr">
+              <a:noAutofit/>
+            </a:bodyPr>
+            <a:lstStyle/>
+            <a:p>
+              <a:pPr algn="ctr"/>
+              <a:r>
+                <a:rPr lang="en-US" sz="2900" dirty="0" smtClean="0"/>
+                <a:t>[</a:t>
+              </a:r>
+              <a:r>
+                <a:rPr lang="en-US" sz="2900" dirty="0" err="1"/>
                 <a:t>MastMath</a:t>
               </a:r>
               <a:r>
-                <a:rPr lang="en-US" sz="2900" dirty="0" smtClean="0">
-                  <a:solidFill>
-                    <a:srgbClr val="FFFFFF"/>
-                  </a:solidFill>
-                </a:rPr>
+                <a:rPr lang="en-US" sz="2900" dirty="0"/>
                 <a:t>-UU] Category Theory and </a:t>
               </a:r>
               <a:r>
-                <a:rPr lang="en-US" sz="2900" dirty="0" err="1" smtClean="0">
-                  <a:solidFill>
-                    <a:srgbClr val="FFFFFF"/>
-                  </a:solidFill>
-                </a:rPr>
+                <a:rPr lang="en-US" sz="2900" dirty="0" err="1"/>
                 <a:t>Topos</a:t>
               </a:r>
               <a:r>
-                <a:rPr lang="en-US" sz="2900" dirty="0" smtClean="0">
-                  <a:solidFill>
-                    <a:srgbClr val="FFFFFF"/>
-                  </a:solidFill>
-                </a:rPr>
+                <a:rPr lang="en-US" sz="2900" dirty="0"/>
                 <a:t> Theory (van </a:t>
               </a:r>
               <a:r>
-                <a:rPr lang="en-US" sz="2900" dirty="0" err="1" smtClean="0">
-                  <a:solidFill>
-                    <a:srgbClr val="FFFFFF"/>
-                  </a:solidFill>
-                </a:rPr>
+                <a:rPr lang="en-US" sz="2900" dirty="0" err="1"/>
                 <a:t>Oosten</a:t>
               </a:r>
               <a:r>
-                <a:rPr lang="en-US" sz="2900" dirty="0" smtClean="0">
-                  <a:solidFill>
-                    <a:srgbClr val="FFFFFF"/>
-                  </a:solidFill>
-                </a:rPr>
-                <a:t>) </a:t>
-              </a:r>
-              <a:r>
-                <a:rPr lang="en-US" sz="2900" dirty="0">
-                  <a:solidFill>
-                    <a:srgbClr val="FFFFFF"/>
-                  </a:solidFill>
-                </a:rPr>
+                <a:rPr lang="en-US" sz="2900" dirty="0" smtClean="0"/>
+                <a:t>)</a:t>
+              </a:r>
+              <a:br>
+                <a:rPr lang="en-US" sz="2900" dirty="0" smtClean="0"/>
+              </a:br>
+              <a:r>
+                <a:rPr lang="en-US" sz="2900" dirty="0" smtClean="0"/>
+                <a:t> </a:t>
+              </a:r>
+              <a:r>
+                <a:rPr lang="en-US" sz="2900" dirty="0"/>
                 <a:t>[8EC]</a:t>
               </a:r>
+            </a:p>
+          </p:txBody>
+        </p:sp>
+        <p:sp>
+          <p:nvSpPr>
+            <p:cNvPr id="165" name="Shape 100"/>
+            <p:cNvSpPr/>
+            <p:nvPr/>
+          </p:nvSpPr>
+          <p:spPr>
+            <a:xfrm>
+              <a:off x="9232593" y="26597853"/>
+              <a:ext cx="3276000" cy="2429822"/>
+            </a:xfrm>
+            <a:prstGeom prst="roundRect">
+              <a:avLst>
+                <a:gd name="adj" fmla="val 16667"/>
+              </a:avLst>
+            </a:prstGeom>
+            <a:ln/>
+          </p:spPr>
+          <p:style>
+            <a:lnRef idx="1">
+              <a:schemeClr val="accent1"/>
+            </a:lnRef>
+            <a:fillRef idx="3">
+              <a:schemeClr val="accent1"/>
+            </a:fillRef>
+            <a:effectRef idx="2">
+              <a:schemeClr val="accent1"/>
+            </a:effectRef>
+            <a:fontRef idx="minor">
+              <a:schemeClr val="lt1"/>
+            </a:fontRef>
+          </p:style>
+          <p:txBody>
+            <a:bodyPr wrap="square" lIns="0" tIns="0" rIns="0" bIns="0" numCol="1" anchor="ctr">
+              <a:noAutofit/>
+            </a:bodyPr>
+            <a:lstStyle/>
+            <a:p>
+              <a:pPr lvl="0" algn="ctr">
+                <a:defRPr sz="1800"/>
+              </a:pPr>
+              <a:r>
+                <a:rPr lang="en-US" sz="2900" dirty="0"/>
+                <a:t>[</a:t>
+              </a:r>
+              <a:r>
+                <a:rPr lang="en-US" sz="2900" dirty="0" err="1"/>
+                <a:t>MoL</a:t>
+              </a:r>
+              <a:r>
+                <a:rPr lang="en-US" sz="2900" dirty="0"/>
+                <a:t>-FNWI] </a:t>
+              </a:r>
+              <a:r>
+                <a:rPr lang="en-US" sz="2900" dirty="0" smtClean="0"/>
+                <a:t/>
+              </a:r>
+              <a:br>
+                <a:rPr lang="en-US" sz="2900" dirty="0" smtClean="0"/>
+              </a:br>
+              <a:r>
+                <a:rPr lang="en-US" sz="2900" dirty="0" err="1" smtClean="0"/>
+                <a:t>Homotopy</a:t>
+              </a:r>
+              <a:r>
+                <a:rPr lang="en-US" sz="2900" dirty="0" smtClean="0"/>
+                <a:t> Type Theory</a:t>
+              </a:r>
+              <a:br>
+                <a:rPr lang="en-US" sz="2900" dirty="0" smtClean="0"/>
+              </a:br>
+              <a:r>
+                <a:rPr lang="en-US" sz="2900" dirty="0" smtClean="0"/>
+                <a:t>(</a:t>
+              </a:r>
+              <a:r>
+                <a:rPr lang="en-US" sz="2900" dirty="0" err="1" smtClean="0"/>
+                <a:t>vdBerg</a:t>
+              </a:r>
+              <a:r>
+                <a:rPr lang="en-US" sz="2900" dirty="0" smtClean="0"/>
+                <a:t>)</a:t>
+              </a:r>
+              <a:endParaRPr lang="en-US" sz="2900" dirty="0"/>
             </a:p>
           </p:txBody>
         </p:sp>
@@ -9304,7 +9214,7 @@
         </p:nvSpPr>
         <p:spPr>
           <a:xfrm>
-            <a:off x="17166370" y="14449230"/>
+            <a:off x="17251571" y="14045334"/>
             <a:ext cx="3276000" cy="2430000"/>
           </a:xfrm>
           <a:prstGeom prst="roundRect">
@@ -9403,7 +9313,7 @@
         </p:nvGrpSpPr>
         <p:grpSpPr>
           <a:xfrm>
-            <a:off x="21853525" y="14144692"/>
+            <a:off x="21853124" y="13659566"/>
             <a:ext cx="3276000" cy="2734537"/>
             <a:chOff x="24809283" y="13838554"/>
             <a:chExt cx="3276000" cy="2734646"/>
@@ -9578,7 +9488,7 @@
         </p:nvGrpSpPr>
         <p:grpSpPr>
           <a:xfrm>
-            <a:off x="11252205" y="10441683"/>
+            <a:off x="11301787" y="10279647"/>
             <a:ext cx="14349731" cy="2559636"/>
             <a:chOff x="11452230" y="10441683"/>
             <a:chExt cx="14349731" cy="2559636"/>
@@ -10051,7 +9961,7 @@
         </p:nvSpPr>
         <p:spPr>
           <a:xfrm>
-            <a:off x="22053149" y="17903167"/>
+            <a:off x="21858954" y="17712983"/>
             <a:ext cx="3276000" cy="2430000"/>
           </a:xfrm>
           <a:prstGeom prst="roundRect">
@@ -10174,7 +10084,7 @@
         </p:nvSpPr>
         <p:spPr>
           <a:xfrm>
-            <a:off x="17373599" y="17903167"/>
+            <a:off x="17187392" y="17712983"/>
             <a:ext cx="3276000" cy="2430000"/>
           </a:xfrm>
           <a:prstGeom prst="roundRect">
@@ -10234,9 +10144,18 @@
               <a:t>Hengeveld</a:t>
             </a:r>
             <a:r>
-              <a:rPr lang="en-US" sz="2900" dirty="0"/>
+              <a:rPr lang="en-US" sz="2900" dirty="0" smtClean="0"/>
+              <a:t>, </a:t>
+            </a:r>
+            <a:r>
+              <a:rPr lang="en-US" sz="2900" dirty="0" err="1" smtClean="0"/>
+              <a:t>Aboh</a:t>
+            </a:r>
+            <a:r>
+              <a:rPr lang="en-US" sz="2900" dirty="0" smtClean="0"/>
               <a:t>)</a:t>
             </a:r>
+            <a:endParaRPr lang="en-US" sz="2900" dirty="0"/>
           </a:p>
         </p:txBody>
       </p:sp>
@@ -10300,7 +10219,7 @@
         </p:nvSpPr>
         <p:spPr>
           <a:xfrm flipH="1" flipV="1">
-            <a:off x="40592646" y="6912291"/>
+            <a:off x="40592646" y="6880900"/>
             <a:ext cx="1" cy="650266"/>
           </a:xfrm>
           <a:prstGeom prst="line">
@@ -10395,8 +10314,8 @@
         </p:nvSpPr>
         <p:spPr>
           <a:xfrm flipH="1" flipV="1">
-            <a:off x="40514082" y="15887617"/>
-            <a:ext cx="1" cy="650266"/>
+            <a:off x="40514082" y="15695762"/>
+            <a:ext cx="0" cy="456397"/>
           </a:xfrm>
           <a:prstGeom prst="line">
             <a:avLst/>
@@ -10437,7 +10356,7 @@
         </p:nvSpPr>
         <p:spPr>
           <a:xfrm>
-            <a:off x="34570789" y="19629299"/>
+            <a:off x="34570789" y="19494829"/>
             <a:ext cx="3276000" cy="1848421"/>
           </a:xfrm>
           <a:prstGeom prst="roundRect">
@@ -10573,7 +10492,7 @@
         </p:nvSpPr>
         <p:spPr>
           <a:xfrm>
-            <a:off x="34570789" y="17021216"/>
+            <a:off x="34570789" y="16886746"/>
             <a:ext cx="3276000" cy="2111969"/>
           </a:xfrm>
           <a:prstGeom prst="roundRect">
@@ -10651,8 +10570,8 @@
         </p:nvSpPr>
         <p:spPr>
           <a:xfrm>
-            <a:off x="38862477" y="19184578"/>
-            <a:ext cx="3276000" cy="3116929"/>
+            <a:off x="38842935" y="19059689"/>
+            <a:ext cx="3276000" cy="2744812"/>
           </a:xfrm>
           <a:prstGeom prst="roundRect">
             <a:avLst>
@@ -10815,7 +10734,7 @@
         </p:nvSpPr>
         <p:spPr>
           <a:xfrm>
-            <a:off x="18531613" y="10359949"/>
+            <a:off x="18533439" y="10194561"/>
             <a:ext cx="1497972" cy="1094808"/>
           </a:xfrm>
           <a:prstGeom prst="rect">
@@ -10867,7 +10786,7 @@
         </p:nvSpPr>
         <p:spPr>
           <a:xfrm>
-            <a:off x="20580532" y="10323245"/>
+            <a:off x="20632503" y="10186217"/>
             <a:ext cx="1497972" cy="1094807"/>
           </a:xfrm>
           <a:prstGeom prst="rect">

--- a/MoLOverviewPoster2017.pptx
+++ b/MoLOverviewPoster2017.pptx
@@ -193,7 +193,7 @@
           <a:p>
             <a:fld id="{B179243D-0E3E-4D4F-90E9-F9F1DBB34143}" type="datetimeFigureOut">
               <a:rPr lang="en-US" smtClean="0"/>
-              <a:t>6/14/17</a:t>
+              <a:t>6/16/17</a:t>
             </a:fld>
             <a:endParaRPr lang="en-US"/>
           </a:p>
@@ -2914,10 +2914,10 @@
                 <a:ea typeface="Calibri"/>
                 <a:cs typeface="Calibri"/>
               </a:rPr>
-              <a:t>draft version</a:t>
-            </a:r>
-            <a:r>
-              <a:rPr lang="en-US" sz="2800" smtClean="0">
+              <a:t>version</a:t>
+            </a:r>
+            <a:r>
+              <a:rPr lang="en-US" sz="2800" dirty="0">
                 <a:solidFill>
                   <a:sysClr val="windowText" lastClr="000000"/>
                 </a:solidFill>
@@ -2925,10 +2925,10 @@
                 <a:ea typeface="Calibri"/>
                 <a:cs typeface="Calibri"/>
               </a:rPr>
-              <a:t>, </a:t>
-            </a:r>
-            <a:r>
-              <a:rPr lang="en-US" sz="2800" smtClean="0">
+              <a:t>:</a:t>
+            </a:r>
+            <a:r>
+              <a:rPr lang="en-US" sz="2800" dirty="0" smtClean="0">
                 <a:solidFill>
                   <a:sysClr val="windowText" lastClr="000000"/>
                 </a:solidFill>
@@ -2936,7 +2936,7 @@
                 <a:ea typeface="Calibri"/>
                 <a:cs typeface="Calibri"/>
               </a:rPr>
-              <a:t>14 </a:t>
+              <a:t> 16 </a:t>
             </a:r>
             <a:r>
               <a:rPr lang="en-US" sz="2800" dirty="0" smtClean="0">
@@ -3027,7 +3027,7 @@
         </p:nvGrpSpPr>
         <p:grpSpPr>
           <a:xfrm>
-            <a:off x="308803" y="233917"/>
+            <a:off x="308801" y="308286"/>
             <a:ext cx="42185534" cy="29603657"/>
             <a:chOff x="1132721" y="281816"/>
             <a:chExt cx="42185535" cy="29603656"/>
@@ -3329,8 +3329,8 @@
           </p:nvSpPr>
           <p:spPr>
             <a:xfrm rot="10800000">
-              <a:off x="11843896" y="9976141"/>
-              <a:ext cx="22945172" cy="14600737"/>
+              <a:off x="11843895" y="9976141"/>
+              <a:ext cx="22945172" cy="14497760"/>
             </a:xfrm>
             <a:prstGeom prst="corner">
               <a:avLst>
@@ -4125,7 +4125,18 @@
               </a:r>
               <a:r>
                 <a:rPr lang="en-US" sz="2900" dirty="0"/>
-                <a:t>-FNWI] Dynamic Epistemic Logic (</a:t>
+                <a:t>-FNWI] Dynamic Epistemic Logic </a:t>
+              </a:r>
+              <a:r>
+                <a:rPr lang="en-US" sz="2900" dirty="0" smtClean="0"/>
+                <a:t/>
+              </a:r>
+              <a:br>
+                <a:rPr lang="en-US" sz="2900" dirty="0" smtClean="0"/>
+              </a:br>
+              <a:r>
+                <a:rPr lang="en-US" sz="2900" dirty="0" smtClean="0"/>
+                <a:t>(</a:t>
               </a:r>
               <a:r>
                 <a:rPr lang="en-US" sz="2900" dirty="0" err="1"/>
@@ -4301,7 +4312,15 @@
                       <a:srgbClr val="FFFFFF"/>
                     </a:solidFill>
                   </a:rPr>
-                  <a:t>Math Proof Methods for Logic</a:t>
+                  <a:t>Math </a:t>
+                </a:r>
+                <a:r>
+                  <a:rPr lang="en-US" sz="2900" dirty="0" smtClean="0">
+                    <a:solidFill>
+                      <a:srgbClr val="FFFFFF"/>
+                    </a:solidFill>
+                  </a:rPr>
+                  <a:t>Proof Methods for Logic</a:t>
                 </a:r>
                 <a:br>
                   <a:rPr lang="en-US" sz="2900" dirty="0" smtClean="0">
@@ -5280,8 +5299,8 @@
           </p:nvSpPr>
           <p:spPr>
             <a:xfrm>
-              <a:off x="30380341" y="10299806"/>
-              <a:ext cx="3276000" cy="2430000"/>
+              <a:off x="30574830" y="10444070"/>
+              <a:ext cx="2887022" cy="2141472"/>
             </a:xfrm>
             <a:prstGeom prst="roundRect">
               <a:avLst>
@@ -5968,9 +5987,9 @@
         <p:grpSpPr>
           <a:xfrm>
             <a:off x="5959666" y="432692"/>
-            <a:ext cx="19173764" cy="9280933"/>
+            <a:ext cx="19333206" cy="9280933"/>
             <a:chOff x="6159691" y="432692"/>
-            <a:chExt cx="19173764" cy="9280933"/>
+            <a:chExt cx="19333206" cy="9280933"/>
           </a:xfrm>
         </p:grpSpPr>
         <p:sp>
@@ -6329,7 +6348,38 @@
                   <a:ea typeface="Calibri" charset="0"/>
                   <a:cs typeface="Calibri" charset="0"/>
                 </a:rPr>
-                <a:t>, Knowledge and Science (Smets)</a:t>
+                <a:t>, Knowledge and Science </a:t>
+              </a:r>
+              <a:r>
+                <a:rPr lang="en-US" sz="2900" dirty="0" smtClean="0">
+                  <a:latin typeface="Calibri" charset="0"/>
+                  <a:ea typeface="Calibri" charset="0"/>
+                  <a:cs typeface="Calibri" charset="0"/>
+                </a:rPr>
+                <a:t/>
+              </a:r>
+              <a:br>
+                <a:rPr lang="en-US" sz="2900" dirty="0" smtClean="0">
+                  <a:latin typeface="Calibri" charset="0"/>
+                  <a:ea typeface="Calibri" charset="0"/>
+                  <a:cs typeface="Calibri" charset="0"/>
+                </a:rPr>
+              </a:br>
+              <a:r>
+                <a:rPr lang="en-US" sz="2900" dirty="0" smtClean="0">
+                  <a:latin typeface="Calibri" charset="0"/>
+                  <a:ea typeface="Calibri" charset="0"/>
+                  <a:cs typeface="Calibri" charset="0"/>
+                </a:rPr>
+                <a:t>(</a:t>
+              </a:r>
+              <a:r>
+                <a:rPr lang="en-US" sz="2900" dirty="0">
+                  <a:latin typeface="Calibri" charset="0"/>
+                  <a:ea typeface="Calibri" charset="0"/>
+                  <a:cs typeface="Calibri" charset="0"/>
+                </a:rPr>
+                <a:t>Smets)</a:t>
               </a:r>
             </a:p>
           </p:txBody>
@@ -6615,8 +6665,8 @@
           </p:nvSpPr>
           <p:spPr>
             <a:xfrm>
-              <a:off x="22057455" y="7138534"/>
-              <a:ext cx="3276000" cy="2430000"/>
+              <a:off x="22057454" y="7138534"/>
+              <a:ext cx="3435443" cy="2430000"/>
             </a:xfrm>
             <a:prstGeom prst="roundRect">
               <a:avLst>
@@ -6710,7 +6760,11 @@
               </a:r>
               <a:r>
                 <a:rPr lang="en-US" sz="2900" dirty="0" smtClean="0"/>
-                <a:t>odern Practice (</a:t>
+                <a:t>odern Practice </a:t>
+              </a:r>
+              <a:r>
+                <a:rPr lang="en-US" sz="2900" dirty="0" smtClean="0"/>
+                <a:t>(</a:t>
               </a:r>
               <a:r>
                 <a:rPr lang="en-US" sz="2900" dirty="0"/>
@@ -6911,7 +6965,38 @@
                     <a:schemeClr val="tx1"/>
                   </a:solidFill>
                 </a:rPr>
-                <a:t>Probability: Theory  (TBA) </a:t>
+                <a:t>Probability: Theory  </a:t>
+              </a:r>
+              <a:r>
+                <a:rPr lang="en-US" sz="2900" dirty="0" smtClean="0">
+                  <a:solidFill>
+                    <a:schemeClr val="tx1"/>
+                  </a:solidFill>
+                </a:rPr>
+                <a:t/>
+              </a:r>
+              <a:br>
+                <a:rPr lang="en-US" sz="2900" dirty="0" smtClean="0">
+                  <a:solidFill>
+                    <a:schemeClr val="tx1"/>
+                  </a:solidFill>
+                </a:rPr>
+              </a:br>
+              <a:r>
+                <a:rPr lang="en-US" sz="2900" dirty="0" smtClean="0">
+                  <a:solidFill>
+                    <a:schemeClr val="tx1"/>
+                  </a:solidFill>
+                </a:rPr>
+                <a:t>(</a:t>
+              </a:r>
+              <a:r>
+                <a:rPr lang="en-US" sz="2900" dirty="0" smtClean="0">
+                  <a:solidFill>
+                    <a:schemeClr val="tx1"/>
+                  </a:solidFill>
+                </a:rPr>
+                <a:t>TBA) </a:t>
               </a:r>
               <a:r>
                 <a:rPr lang="en-US" sz="2900" dirty="0">
@@ -7281,8 +7366,8 @@
           </p:nvSpPr>
           <p:spPr>
             <a:xfrm>
-              <a:off x="30451845" y="22166067"/>
-              <a:ext cx="3276000" cy="2182525"/>
+              <a:off x="30608462" y="22270408"/>
+              <a:ext cx="2962766" cy="1973844"/>
             </a:xfrm>
             <a:prstGeom prst="roundRect">
               <a:avLst>
@@ -7344,7 +7429,46 @@
                     </a:schemeClr>
                   </a:solidFill>
                 </a:rPr>
-                <a:t>-FNWI] Computability and Interaction (Baeten)</a:t>
+                <a:t>-FNWI] Computability and Interaction </a:t>
+              </a:r>
+              <a:r>
+                <a:rPr lang="en-US" sz="2900" dirty="0" smtClean="0">
+                  <a:solidFill>
+                    <a:schemeClr val="dk1">
+                      <a:alpha val="50000"/>
+                    </a:schemeClr>
+                  </a:solidFill>
+                </a:rPr>
+                <a:t/>
+              </a:r>
+              <a:br>
+                <a:rPr lang="en-US" sz="2900" dirty="0" smtClean="0">
+                  <a:solidFill>
+                    <a:schemeClr val="dk1">
+                      <a:alpha val="50000"/>
+                    </a:schemeClr>
+                  </a:solidFill>
+                </a:rPr>
+              </a:br>
+              <a:r>
+                <a:rPr lang="en-US" sz="2900" dirty="0" smtClean="0">
+                  <a:solidFill>
+                    <a:schemeClr val="dk1">
+                      <a:alpha val="50000"/>
+                    </a:schemeClr>
+                  </a:solidFill>
+                </a:rPr>
+                <a:t>(</a:t>
+              </a:r>
+              <a:r>
+                <a:rPr lang="en-US" sz="2900" dirty="0">
+                  <a:solidFill>
+                    <a:schemeClr val="dk1">
+                      <a:alpha val="50000"/>
+                    </a:schemeClr>
+                  </a:solidFill>
+                </a:rPr>
+                <a:t>Baeten)</a:t>
               </a:r>
             </a:p>
           </p:txBody>
@@ -8026,10 +8150,10 @@
         </p:nvGrpSpPr>
         <p:grpSpPr>
           <a:xfrm>
-            <a:off x="1150239" y="18131055"/>
-            <a:ext cx="19603421" cy="11039432"/>
-            <a:chOff x="381997" y="18034804"/>
-            <a:chExt cx="19603421" cy="11039433"/>
+            <a:off x="891970" y="18131055"/>
+            <a:ext cx="19692644" cy="11215501"/>
+            <a:chOff x="123728" y="18034804"/>
+            <a:chExt cx="19692644" cy="11215502"/>
           </a:xfrm>
         </p:grpSpPr>
         <p:sp>
@@ -8196,11 +8320,7 @@
               </a:br>
               <a:r>
                 <a:rPr lang="en-US" sz="2900" dirty="0" smtClean="0"/>
-                <a:t>Modal </a:t>
-              </a:r>
-              <a:r>
-                <a:rPr lang="en-US" sz="2900" dirty="0" smtClean="0"/>
-                <a:t>Logic</a:t>
+                <a:t>Modal Logic</a:t>
               </a:r>
               <a:br>
                 <a:rPr lang="en-US" sz="2900" dirty="0" smtClean="0"/>
@@ -8229,8 +8349,8 @@
           </p:nvSpPr>
           <p:spPr>
             <a:xfrm>
-              <a:off x="16709418" y="24826544"/>
-              <a:ext cx="3276000" cy="2429821"/>
+              <a:off x="16878464" y="24951926"/>
+              <a:ext cx="2937908" cy="2179058"/>
             </a:xfrm>
             <a:prstGeom prst="roundRect">
               <a:avLst>
@@ -8338,8 +8458,8 @@
           </p:nvSpPr>
           <p:spPr>
             <a:xfrm>
-              <a:off x="12949190" y="26597675"/>
-              <a:ext cx="3276000" cy="2429822"/>
+              <a:off x="12985573" y="26624660"/>
+              <a:ext cx="3203234" cy="2375852"/>
             </a:xfrm>
             <a:prstGeom prst="roundRect">
               <a:avLst>
@@ -8893,8 +9013,8 @@
           </p:nvSpPr>
           <p:spPr>
             <a:xfrm>
-              <a:off x="381997" y="23152777"/>
-              <a:ext cx="3139347" cy="2489237"/>
+              <a:off x="123728" y="22947992"/>
+              <a:ext cx="3655886" cy="2898808"/>
             </a:xfrm>
             <a:prstGeom prst="roundRect">
               <a:avLst>
@@ -9030,8 +9150,8 @@
           </p:nvSpPr>
           <p:spPr>
             <a:xfrm>
-              <a:off x="5377870" y="26585000"/>
-              <a:ext cx="3276000" cy="2489237"/>
+              <a:off x="5146152" y="26408932"/>
+              <a:ext cx="3739436" cy="2841374"/>
             </a:xfrm>
             <a:prstGeom prst="roundRect">
               <a:avLst>
@@ -9094,7 +9214,22 @@
               </a:r>
               <a:r>
                 <a:rPr lang="en-US" sz="2900" dirty="0"/>
-                <a:t> Theory (van </a:t>
+                <a:t> Theory </a:t>
+              </a:r>
+              <a:r>
+                <a:rPr lang="en-US" sz="2900" dirty="0" smtClean="0"/>
+                <a:t/>
+              </a:r>
+              <a:br>
+                <a:rPr lang="en-US" sz="2900" dirty="0" smtClean="0"/>
+              </a:br>
+              <a:r>
+                <a:rPr lang="en-US" sz="2900" dirty="0" smtClean="0"/>
+                <a:t>(</a:t>
+              </a:r>
+              <a:r>
+                <a:rPr lang="en-US" sz="2900" dirty="0"/>
+                <a:t>van </a:t>
               </a:r>
               <a:r>
                 <a:rPr lang="en-US" sz="2900" dirty="0" err="1"/>
@@ -10570,8 +10705,8 @@
         </p:nvSpPr>
         <p:spPr>
           <a:xfrm>
-            <a:off x="38842935" y="19059689"/>
-            <a:ext cx="3276000" cy="2744812"/>
+            <a:off x="38716645" y="19029104"/>
+            <a:ext cx="3520838" cy="2744812"/>
           </a:xfrm>
           <a:prstGeom prst="roundRect">
             <a:avLst>
@@ -10635,7 +10770,15 @@
                   <a:srgbClr val="FFFFFF"/>
                 </a:solidFill>
               </a:rPr>
-              <a:t>] Machine Learning Theory</a:t>
+              <a:t>] </a:t>
+            </a:r>
+            <a:r>
+              <a:rPr lang="en-US" sz="2900" dirty="0" smtClean="0">
+                <a:solidFill>
+                  <a:srgbClr val="FFFFFF"/>
+                </a:solidFill>
+              </a:rPr>
+              <a:t/>
             </a:r>
             <a:br>
               <a:rPr lang="en-US" sz="2900" dirty="0" smtClean="0">
@@ -10650,15 +10793,7 @@
                   <a:srgbClr val="FFFFFF"/>
                 </a:solidFill>
               </a:rPr>
-              <a:t>(</a:t>
-            </a:r>
-            <a:r>
-              <a:rPr lang="en-US" sz="2900" dirty="0" err="1" smtClean="0">
-                <a:solidFill>
-                  <a:srgbClr val="FFFFFF"/>
-                </a:solidFill>
-              </a:rPr>
-              <a:t>Koolen</a:t>
+              <a:t>Machine </a:t>
             </a:r>
             <a:r>
               <a:rPr lang="en-US" sz="2900" dirty="0" smtClean="0">
@@ -10666,39 +10801,7 @@
                   <a:srgbClr val="FFFFFF"/>
                 </a:solidFill>
               </a:rPr>
-              <a:t>, </a:t>
-            </a:r>
-            <a:r>
-              <a:rPr lang="en-US" sz="2900" dirty="0" err="1" smtClean="0">
-                <a:solidFill>
-                  <a:srgbClr val="FFFFFF"/>
-                </a:solidFill>
-              </a:rPr>
-              <a:t>Grünwald</a:t>
-            </a:r>
-            <a:r>
-              <a:rPr lang="en-US" sz="2900" dirty="0" smtClean="0">
-                <a:solidFill>
-                  <a:srgbClr val="FFFFFF"/>
-                </a:solidFill>
-              </a:rPr>
-              <a:t>, </a:t>
-            </a:r>
-            <a:r>
-              <a:rPr lang="en-US" sz="2900" dirty="0" err="1" smtClean="0">
-                <a:solidFill>
-                  <a:srgbClr val="FFFFFF"/>
-                </a:solidFill>
-              </a:rPr>
-              <a:t>dHeide</a:t>
-            </a:r>
-            <a:r>
-              <a:rPr lang="en-US" sz="2900" dirty="0" smtClean="0">
-                <a:solidFill>
-                  <a:srgbClr val="FFFFFF"/>
-                </a:solidFill>
-              </a:rPr>
-              <a:t>)</a:t>
+              <a:t>Learning Theory</a:t>
             </a:r>
             <a:br>
               <a:rPr lang="en-US" sz="2900" dirty="0" smtClean="0">
@@ -10713,7 +10816,63 @@
                   <a:srgbClr val="FFFFFF"/>
                 </a:solidFill>
               </a:rPr>
-              <a:t>[8EC</a:t>
+              <a:t>(</a:t>
+            </a:r>
+            <a:r>
+              <a:rPr lang="en-US" sz="2900" dirty="0" err="1" smtClean="0">
+                <a:solidFill>
+                  <a:srgbClr val="FFFFFF"/>
+                </a:solidFill>
+              </a:rPr>
+              <a:t>Koolen</a:t>
+            </a:r>
+            <a:r>
+              <a:rPr lang="en-US" sz="2900" dirty="0" smtClean="0">
+                <a:solidFill>
+                  <a:srgbClr val="FFFFFF"/>
+                </a:solidFill>
+              </a:rPr>
+              <a:t>, </a:t>
+            </a:r>
+            <a:r>
+              <a:rPr lang="en-US" sz="2900" dirty="0" err="1" smtClean="0">
+                <a:solidFill>
+                  <a:srgbClr val="FFFFFF"/>
+                </a:solidFill>
+              </a:rPr>
+              <a:t>Grünwald</a:t>
+            </a:r>
+            <a:r>
+              <a:rPr lang="en-US" sz="2900" dirty="0" smtClean="0">
+                <a:solidFill>
+                  <a:srgbClr val="FFFFFF"/>
+                </a:solidFill>
+              </a:rPr>
+              <a:t>, </a:t>
+            </a:r>
+            <a:r>
+              <a:rPr lang="en-US" sz="2900" dirty="0" err="1" smtClean="0">
+                <a:solidFill>
+                  <a:srgbClr val="FFFFFF"/>
+                </a:solidFill>
+              </a:rPr>
+              <a:t>dHeide</a:t>
+            </a:r>
+            <a:r>
+              <a:rPr lang="en-US" sz="2900" dirty="0" smtClean="0">
+                <a:solidFill>
+                  <a:srgbClr val="FFFFFF"/>
+                </a:solidFill>
+              </a:rPr>
+              <a:t>) [</a:t>
+            </a:r>
+            <a:r>
+              <a:rPr lang="en-US" sz="2900" dirty="0" smtClean="0">
+                <a:solidFill>
+                  <a:srgbClr val="FFFFFF"/>
+                </a:solidFill>
+              </a:rPr>
+              <a:t>8EC</a:t>
             </a:r>
             <a:r>
               <a:rPr lang="en-US" sz="2900" dirty="0">

--- a/MoLOverviewPoster2017.pptx
+++ b/MoLOverviewPoster2017.pptx
@@ -2936,18 +2936,7 @@
                 <a:ea typeface="Calibri"/>
                 <a:cs typeface="Calibri"/>
               </a:rPr>
-              <a:t> 16 </a:t>
-            </a:r>
-            <a:r>
-              <a:rPr lang="en-US" sz="2800" dirty="0" smtClean="0">
-                <a:solidFill>
-                  <a:sysClr val="windowText" lastClr="000000"/>
-                </a:solidFill>
-                <a:latin typeface="Calibri"/>
-                <a:ea typeface="Calibri"/>
-                <a:cs typeface="Calibri"/>
-              </a:rPr>
-              <a:t>June 2017: </a:t>
+              <a:t> 16 June 2017: </a:t>
             </a:r>
             <a:br>
               <a:rPr lang="en-US" sz="2800" dirty="0" smtClean="0">
@@ -4312,15 +4301,7 @@
                       <a:srgbClr val="FFFFFF"/>
                     </a:solidFill>
                   </a:rPr>
-                  <a:t>Math </a:t>
-                </a:r>
-                <a:r>
-                  <a:rPr lang="en-US" sz="2900" dirty="0" smtClean="0">
-                    <a:solidFill>
-                      <a:srgbClr val="FFFFFF"/>
-                    </a:solidFill>
-                  </a:rPr>
-                  <a:t>Proof Methods for Logic</a:t>
+                  <a:t>Math Proof Methods for Logic</a:t>
                 </a:r>
                 <a:br>
                   <a:rPr lang="en-US" sz="2900" dirty="0" smtClean="0">
@@ -6083,7 +6064,7 @@
           <p:spPr>
             <a:xfrm>
               <a:off x="13221809" y="432692"/>
-              <a:ext cx="3199763" cy="2970038"/>
+              <a:ext cx="3235119" cy="3002856"/>
             </a:xfrm>
             <a:prstGeom prst="ellipse">
               <a:avLst/>
@@ -6128,28 +6109,36 @@
                 </a:defRPr>
               </a:pPr>
               <a:r>
+                <a:rPr lang="en-US" sz="2900" dirty="0" smtClean="0">
+                  <a:solidFill>
+                    <a:srgbClr val="FFFFFF"/>
+                  </a:solidFill>
+                </a:rPr>
+                <a:t>[</a:t>
+              </a:r>
+              <a:r>
+                <a:rPr lang="en-US" sz="2900" dirty="0" err="1" smtClean="0">
+                  <a:solidFill>
+                    <a:srgbClr val="FFFFFF"/>
+                  </a:solidFill>
+                </a:rPr>
+                <a:t>MoL</a:t>
+              </a:r>
+              <a:r>
+                <a:rPr lang="en-US" sz="2900" dirty="0" smtClean="0">
+                  <a:solidFill>
+                    <a:srgbClr val="FFFFFF"/>
+                  </a:solidFill>
+                </a:rPr>
+                <a:t>-FGW] </a:t>
+              </a:r>
+              <a:r>
                 <a:rPr lang="en-US" sz="2900" dirty="0">
                   <a:solidFill>
                     <a:srgbClr val="FFFFFF"/>
                   </a:solidFill>
                 </a:rPr>
-                <a:t>[</a:t>
-              </a:r>
-              <a:r>
-                <a:rPr lang="en-US" sz="2900" dirty="0" err="1">
-                  <a:solidFill>
-                    <a:srgbClr val="FFFFFF"/>
-                  </a:solidFill>
-                </a:rPr>
-                <a:t>GSHum</a:t>
-              </a:r>
-              <a:r>
-                <a:rPr lang="en-US" sz="2900" dirty="0">
-                  <a:solidFill>
-                    <a:srgbClr val="FFFFFF"/>
-                  </a:solidFill>
-                </a:rPr>
-                <a:t>] Introduction to the Philosophy of Language (Brouwer)</a:t>
+                <a:t>Introduction to the Philosophy of Language (Brouwer)</a:t>
               </a:r>
             </a:p>
           </p:txBody>
@@ -6760,11 +6749,7 @@
               </a:r>
               <a:r>
                 <a:rPr lang="en-US" sz="2900" dirty="0" smtClean="0"/>
-                <a:t>odern Practice </a:t>
-              </a:r>
-              <a:r>
-                <a:rPr lang="en-US" sz="2900" dirty="0" smtClean="0"/>
-                <a:t>(</a:t>
+                <a:t>odern Practice (</a:t>
               </a:r>
               <a:r>
                 <a:rPr lang="en-US" sz="2900" dirty="0"/>
@@ -6967,14 +6952,6 @@
                 </a:rPr>
                 <a:t>Probability: Theory  </a:t>
               </a:r>
-              <a:r>
-                <a:rPr lang="en-US" sz="2900" dirty="0" smtClean="0">
-                  <a:solidFill>
-                    <a:schemeClr val="tx1"/>
-                  </a:solidFill>
-                </a:rPr>
-                <a:t/>
-              </a:r>
               <a:br>
                 <a:rPr lang="en-US" sz="2900" dirty="0" smtClean="0">
                   <a:solidFill>
@@ -6988,15 +6965,7 @@
                     <a:schemeClr val="tx1"/>
                   </a:solidFill>
                 </a:rPr>
-                <a:t>(</a:t>
-              </a:r>
-              <a:r>
-                <a:rPr lang="en-US" sz="2900" dirty="0" smtClean="0">
-                  <a:solidFill>
-                    <a:schemeClr val="tx1"/>
-                  </a:solidFill>
-                </a:rPr>
-                <a:t>TBA) </a:t>
+                <a:t>(TBA) </a:t>
               </a:r>
               <a:r>
                 <a:rPr lang="en-US" sz="2900" dirty="0">
@@ -10772,14 +10741,6 @@
               </a:rPr>
               <a:t>] </a:t>
             </a:r>
-            <a:r>
-              <a:rPr lang="en-US" sz="2900" dirty="0" smtClean="0">
-                <a:solidFill>
-                  <a:srgbClr val="FFFFFF"/>
-                </a:solidFill>
-              </a:rPr>
-              <a:t/>
-            </a:r>
             <a:br>
               <a:rPr lang="en-US" sz="2900" dirty="0" smtClean="0">
                 <a:solidFill>
@@ -10793,15 +10754,7 @@
                   <a:srgbClr val="FFFFFF"/>
                 </a:solidFill>
               </a:rPr>
-              <a:t>Machine </a:t>
-            </a:r>
-            <a:r>
-              <a:rPr lang="en-US" sz="2900" dirty="0" smtClean="0">
-                <a:solidFill>
-                  <a:srgbClr val="FFFFFF"/>
-                </a:solidFill>
-              </a:rPr>
-              <a:t>Learning Theory</a:t>
+              <a:t>Machine Learning Theory</a:t>
             </a:r>
             <a:br>
               <a:rPr lang="en-US" sz="2900" dirty="0" smtClean="0">
@@ -10864,15 +10817,7 @@
                   <a:srgbClr val="FFFFFF"/>
                 </a:solidFill>
               </a:rPr>
-              <a:t>) [</a:t>
-            </a:r>
-            <a:r>
-              <a:rPr lang="en-US" sz="2900" dirty="0" smtClean="0">
-                <a:solidFill>
-                  <a:srgbClr val="FFFFFF"/>
-                </a:solidFill>
-              </a:rPr>
-              <a:t>8EC</a:t>
+              <a:t>) [8EC</a:t>
             </a:r>
             <a:r>
               <a:rPr lang="en-US" sz="2900" dirty="0">

--- a/MoLOverviewPoster2017.pptx
+++ b/MoLOverviewPoster2017.pptx
@@ -193,7 +193,7 @@
           <a:p>
             <a:fld id="{B179243D-0E3E-4D4F-90E9-F9F1DBB34143}" type="datetimeFigureOut">
               <a:rPr lang="en-US" smtClean="0"/>
-              <a:t>6/16/17</a:t>
+              <a:t>6/20/17</a:t>
             </a:fld>
             <a:endParaRPr lang="en-US"/>
           </a:p>
@@ -2917,7 +2917,7 @@
               <a:t>version</a:t>
             </a:r>
             <a:r>
-              <a:rPr lang="en-US" sz="2800" dirty="0">
+              <a:rPr lang="en-US" sz="2800">
                 <a:solidFill>
                   <a:sysClr val="windowText" lastClr="000000"/>
                 </a:solidFill>
@@ -2928,6 +2928,17 @@
               <a:t>:</a:t>
             </a:r>
             <a:r>
+              <a:rPr lang="en-US" sz="2800" smtClean="0">
+                <a:solidFill>
+                  <a:sysClr val="windowText" lastClr="000000"/>
+                </a:solidFill>
+                <a:latin typeface="Calibri"/>
+                <a:ea typeface="Calibri"/>
+                <a:cs typeface="Calibri"/>
+              </a:rPr>
+              <a:t> 20 June </a:t>
+            </a:r>
+            <a:r>
               <a:rPr lang="en-US" sz="2800" dirty="0" smtClean="0">
                 <a:solidFill>
                   <a:sysClr val="windowText" lastClr="000000"/>
@@ -2936,7 +2947,7 @@
                 <a:ea typeface="Calibri"/>
                 <a:cs typeface="Calibri"/>
               </a:rPr>
-              <a:t> 16 June 2017: </a:t>
+              <a:t>2017: </a:t>
             </a:r>
             <a:br>
               <a:rPr lang="en-US" sz="2800" dirty="0" smtClean="0">
@@ -4044,10 +4055,10 @@
         </p:nvGrpSpPr>
         <p:grpSpPr>
           <a:xfrm>
-            <a:off x="1784953" y="8168099"/>
-            <a:ext cx="7472155" cy="8227622"/>
-            <a:chOff x="2418111" y="8071846"/>
-            <a:chExt cx="7472155" cy="8227622"/>
+            <a:off x="1784952" y="8168099"/>
+            <a:ext cx="7472156" cy="8227622"/>
+            <a:chOff x="2418110" y="8071846"/>
+            <a:chExt cx="7472156" cy="8227622"/>
           </a:xfrm>
         </p:grpSpPr>
         <p:sp>
@@ -4214,10 +4225,10 @@
           </p:nvGrpSpPr>
           <p:grpSpPr>
             <a:xfrm>
-              <a:off x="2418111" y="8071846"/>
-              <a:ext cx="2992796" cy="3310729"/>
-              <a:chOff x="22016678" y="-978375"/>
-              <a:chExt cx="2992796" cy="3310729"/>
+              <a:off x="2418110" y="8071846"/>
+              <a:ext cx="3234227" cy="3552429"/>
+              <a:chOff x="22016677" y="-978375"/>
+              <a:chExt cx="3234227" cy="3552429"/>
             </a:xfrm>
           </p:grpSpPr>
           <p:sp>
@@ -4228,8 +4239,8 @@
             </p:nvSpPr>
             <p:spPr>
               <a:xfrm>
-                <a:off x="22016678" y="-663788"/>
-                <a:ext cx="2992796" cy="2996142"/>
+                <a:off x="22016677" y="-663789"/>
+                <a:ext cx="3234227" cy="3237843"/>
               </a:xfrm>
               <a:prstGeom prst="ellipse">
                 <a:avLst/>
@@ -4301,7 +4312,7 @@
                       <a:srgbClr val="FFFFFF"/>
                     </a:solidFill>
                   </a:rPr>
-                  <a:t>Math Proof Methods for Logic</a:t>
+                  <a:t>Mathematical Proof Methods for Logic</a:t>
                 </a:r>
                 <a:br>
                   <a:rPr lang="en-US" sz="2900" dirty="0" smtClean="0">
@@ -4912,7 +4923,7 @@
         </p:nvSpPr>
         <p:spPr>
           <a:xfrm>
-            <a:off x="39224415" y="22532658"/>
+            <a:off x="39224415" y="22345090"/>
             <a:ext cx="2914062" cy="2915570"/>
           </a:xfrm>
           <a:prstGeom prst="ellipse">
@@ -5280,8 +5291,8 @@
           </p:nvSpPr>
           <p:spPr>
             <a:xfrm>
-              <a:off x="30574830" y="10444070"/>
-              <a:ext cx="2887022" cy="2141472"/>
+              <a:off x="30574537" y="10276853"/>
+              <a:ext cx="3193199" cy="2430000"/>
             </a:xfrm>
             <a:prstGeom prst="roundRect">
               <a:avLst>
@@ -5316,10 +5327,10 @@
                 <a:defRPr sz="1800"/>
               </a:pPr>
               <a:r>
-                <a:rPr lang="en-US" sz="2900" dirty="0">
+                <a:rPr lang="en-US" sz="2900" dirty="0" smtClean="0">
                   <a:solidFill>
                     <a:schemeClr val="dk1">
-                      <a:alpha val="50000"/>
+                      <a:alpha val="25000"/>
                     </a:schemeClr>
                   </a:solidFill>
                   <a:latin typeface="Calibri" charset="0"/>
@@ -5329,10 +5340,10 @@
                 <a:t>[</a:t>
               </a:r>
               <a:r>
-                <a:rPr lang="en-US" sz="2900" dirty="0" err="1">
+                <a:rPr lang="en-US" sz="2900" dirty="0" err="1" smtClean="0">
                   <a:solidFill>
                     <a:schemeClr val="dk1">
-                      <a:alpha val="50000"/>
+                      <a:alpha val="25000"/>
                     </a:schemeClr>
                   </a:solidFill>
                   <a:latin typeface="Calibri" charset="0"/>
@@ -5342,23 +5353,36 @@
                 <a:t>MoL</a:t>
               </a:r>
               <a:r>
-                <a:rPr lang="en-US" sz="2900" dirty="0">
+                <a:rPr lang="en-US" sz="2900" dirty="0" smtClean="0">
                   <a:solidFill>
                     <a:schemeClr val="dk1">
-                      <a:alpha val="50000"/>
+                      <a:alpha val="25000"/>
                     </a:schemeClr>
                   </a:solidFill>
                   <a:latin typeface="Calibri" charset="0"/>
                   <a:ea typeface="Calibri" charset="0"/>
                   <a:cs typeface="Calibri" charset="0"/>
                 </a:rPr>
-                <a:t>-FNWI] </a:t>
+                <a:t>-FNWI</a:t>
+              </a:r>
+              <a:r>
+                <a:rPr lang="en-US" sz="2900" dirty="0">
+                  <a:solidFill>
+                    <a:schemeClr val="dk1">
+                      <a:alpha val="25000"/>
+                    </a:schemeClr>
+                  </a:solidFill>
+                  <a:latin typeface="Calibri" charset="0"/>
+                  <a:ea typeface="Calibri" charset="0"/>
+                  <a:cs typeface="Calibri" charset="0"/>
+                </a:rPr>
+                <a:t>] </a:t>
               </a:r>
               <a:r>
                 <a:rPr lang="en-US" sz="2900" dirty="0" smtClean="0">
                   <a:solidFill>
                     <a:schemeClr val="dk1">
-                      <a:alpha val="50000"/>
+                      <a:alpha val="25000"/>
                     </a:schemeClr>
                   </a:solidFill>
                   <a:latin typeface="Calibri" charset="0"/>
@@ -5371,7 +5395,7 @@
                 <a:rPr lang="en-US" sz="2900" dirty="0" smtClean="0">
                   <a:solidFill>
                     <a:schemeClr val="dk1">
-                      <a:alpha val="50000"/>
+                      <a:alpha val="25000"/>
                     </a:schemeClr>
                   </a:solidFill>
                   <a:latin typeface="Calibri" charset="0"/>
@@ -5383,7 +5407,7 @@
                 <a:rPr lang="en-US" sz="2900" dirty="0" smtClean="0">
                   <a:solidFill>
                     <a:schemeClr val="dk1">
-                      <a:alpha val="50000"/>
+                      <a:alpha val="25000"/>
                     </a:schemeClr>
                   </a:solidFill>
                   <a:latin typeface="Calibri" charset="0"/>
@@ -5396,15 +5420,71 @@
                 <a:rPr lang="en-US" sz="2900" dirty="0">
                   <a:solidFill>
                     <a:schemeClr val="dk1">
-                      <a:alpha val="50000"/>
+                      <a:alpha val="25000"/>
                     </a:schemeClr>
                   </a:solidFill>
                   <a:latin typeface="Calibri" charset="0"/>
                   <a:ea typeface="Calibri" charset="0"/>
                   <a:cs typeface="Calibri" charset="0"/>
                 </a:rPr>
-                <a:t>Methods in Cognitive Science (Szymanik)</a:t>
-              </a:r>
+                <a:t>Methods in Cognitive Science (</a:t>
+              </a:r>
+              <a:r>
+                <a:rPr lang="en-US" sz="2900" dirty="0" err="1">
+                  <a:solidFill>
+                    <a:schemeClr val="dk1">
+                      <a:alpha val="25000"/>
+                    </a:schemeClr>
+                  </a:solidFill>
+                  <a:latin typeface="Calibri" charset="0"/>
+                  <a:ea typeface="Calibri" charset="0"/>
+                  <a:cs typeface="Calibri" charset="0"/>
+                </a:rPr>
+                <a:t>Szymanik</a:t>
+              </a:r>
+              <a:r>
+                <a:rPr lang="en-US" sz="2900" dirty="0" smtClean="0">
+                  <a:solidFill>
+                    <a:schemeClr val="dk1">
+                      <a:alpha val="25000"/>
+                    </a:schemeClr>
+                  </a:solidFill>
+                  <a:latin typeface="Calibri" charset="0"/>
+                  <a:ea typeface="Calibri" charset="0"/>
+                  <a:cs typeface="Calibri" charset="0"/>
+                </a:rPr>
+                <a:t>)</a:t>
+              </a:r>
+              <a:br>
+                <a:rPr lang="en-US" sz="2900" dirty="0" smtClean="0">
+                  <a:solidFill>
+                    <a:schemeClr val="dk1">
+                      <a:alpha val="25000"/>
+                    </a:schemeClr>
+                  </a:solidFill>
+                  <a:latin typeface="Calibri" charset="0"/>
+                  <a:ea typeface="Calibri" charset="0"/>
+                  <a:cs typeface="Calibri" charset="0"/>
+                </a:rPr>
+              </a:br>
+              <a:r>
+                <a:rPr lang="en-US" sz="2900" dirty="0" smtClean="0">
+                  <a:latin typeface="Calibri" charset="0"/>
+                  <a:ea typeface="Calibri" charset="0"/>
+                  <a:cs typeface="Calibri" charset="0"/>
+                </a:rPr>
+                <a:t>in 2018/19 only</a:t>
+              </a:r>
+              <a:endParaRPr lang="en-US" sz="2900" dirty="0">
+                <a:solidFill>
+                  <a:schemeClr val="dk1">
+                    <a:alpha val="25000"/>
+                  </a:schemeClr>
+                </a:solidFill>
+                <a:latin typeface="Calibri" charset="0"/>
+                <a:ea typeface="Calibri" charset="0"/>
+                <a:cs typeface="Calibri" charset="0"/>
+              </a:endParaRPr>
             </a:p>
           </p:txBody>
         </p:sp>
@@ -5481,8 +5561,8 @@
                 <a:defRPr sz="1800"/>
               </a:pPr>
               <a:r>
-                <a:rPr lang="en-US" sz="2900" dirty="0" smtClean="0"/>
-                <a:t>(TBA)</a:t>
+                <a:rPr lang="en-US" sz="2900" dirty="0"/>
+                <a:t>(Lentz)</a:t>
               </a:r>
               <a:endParaRPr lang="en-US" sz="2900" dirty="0"/>
             </a:p>
@@ -5496,7 +5576,7 @@
           </p:nvSpPr>
           <p:spPr>
             <a:xfrm>
-              <a:off x="34454307" y="13218039"/>
+              <a:off x="34519621" y="13218039"/>
               <a:ext cx="3276000" cy="2430000"/>
             </a:xfrm>
             <a:prstGeom prst="roundRect">
@@ -5795,7 +5875,7 @@
               </a:r>
               <a:r>
                 <a:rPr lang="en-US" sz="2900" dirty="0" err="1" smtClean="0"/>
-                <a:t>Zuidema</a:t>
+                <a:t>Deoskar</a:t>
               </a:r>
               <a:r>
                 <a:rPr lang="en-US" sz="2900" dirty="0" smtClean="0"/>
@@ -5813,8 +5893,8 @@
           </p:nvSpPr>
           <p:spPr>
             <a:xfrm>
-              <a:off x="38835848" y="7599371"/>
-              <a:ext cx="3276000" cy="2430000"/>
+              <a:off x="38503340" y="7599371"/>
+              <a:ext cx="3118829" cy="2430000"/>
             </a:xfrm>
             <a:prstGeom prst="roundRect">
               <a:avLst>
@@ -6381,7 +6461,7 @@
           </p:nvSpPr>
           <p:spPr>
             <a:xfrm>
-              <a:off x="10859290" y="3790383"/>
+              <a:off x="11259543" y="3790383"/>
               <a:ext cx="3760538" cy="2430000"/>
             </a:xfrm>
             <a:prstGeom prst="roundRect">
@@ -6475,7 +6555,7 @@
           </p:nvSpPr>
           <p:spPr>
             <a:xfrm>
-              <a:off x="17373600" y="7044328"/>
+              <a:off x="17373600" y="7125010"/>
               <a:ext cx="3276000" cy="2430000"/>
             </a:xfrm>
             <a:prstGeom prst="roundRect">
@@ -6555,7 +6635,7 @@
           </p:nvSpPr>
           <p:spPr>
             <a:xfrm>
-              <a:off x="11379511" y="7218277"/>
+              <a:off x="11501812" y="7216820"/>
               <a:ext cx="3276000" cy="2430000"/>
             </a:xfrm>
             <a:prstGeom prst="roundRect">
@@ -6885,7 +6965,7 @@
           </p:nvSpPr>
           <p:spPr>
             <a:xfrm>
-              <a:off x="38716645" y="25608595"/>
+              <a:off x="38716645" y="25491365"/>
               <a:ext cx="2863592" cy="2865074"/>
             </a:xfrm>
             <a:prstGeom prst="ellipse">
@@ -7239,7 +7319,7 @@
           </p:nvSpPr>
           <p:spPr>
             <a:xfrm>
-              <a:off x="34625214" y="27258211"/>
+              <a:off x="34514378" y="27258211"/>
               <a:ext cx="3632245" cy="2430000"/>
             </a:xfrm>
             <a:prstGeom prst="roundRect">
@@ -7335,8 +7415,8 @@
           </p:nvSpPr>
           <p:spPr>
             <a:xfrm>
-              <a:off x="30608462" y="22270408"/>
-              <a:ext cx="2962766" cy="1973844"/>
+              <a:off x="30608462" y="22160147"/>
+              <a:ext cx="2962766" cy="2181491"/>
             </a:xfrm>
             <a:prstGeom prst="roundRect">
               <a:avLst>
@@ -7371,40 +7451,50 @@
                 <a:defRPr sz="1800"/>
               </a:pPr>
               <a:r>
-                <a:rPr lang="en-US" sz="2900" dirty="0">
+                <a:rPr lang="en-US" sz="2900" dirty="0" smtClean="0">
                   <a:solidFill>
                     <a:schemeClr val="dk1">
-                      <a:alpha val="50000"/>
+                      <a:alpha val="25000"/>
                     </a:schemeClr>
                   </a:solidFill>
                 </a:rPr>
                 <a:t>[</a:t>
               </a:r>
               <a:r>
-                <a:rPr lang="en-US" sz="2900" dirty="0" err="1">
+                <a:rPr lang="en-US" sz="2900" dirty="0" err="1" smtClean="0">
                   <a:solidFill>
                     <a:schemeClr val="dk1">
-                      <a:alpha val="50000"/>
+                      <a:alpha val="25000"/>
                     </a:schemeClr>
                   </a:solidFill>
                 </a:rPr>
                 <a:t>MoL</a:t>
               </a:r>
               <a:r>
+                <a:rPr lang="en-US" sz="2900" dirty="0" smtClean="0">
+                  <a:solidFill>
+                    <a:schemeClr val="dk1">
+                      <a:alpha val="25000"/>
+                    </a:schemeClr>
+                  </a:solidFill>
+                </a:rPr>
+                <a:t>-FNWI</a:t>
+              </a:r>
+              <a:r>
                 <a:rPr lang="en-US" sz="2900" dirty="0">
                   <a:solidFill>
                     <a:schemeClr val="dk1">
-                      <a:alpha val="50000"/>
+                      <a:alpha val="25000"/>
                     </a:schemeClr>
                   </a:solidFill>
                 </a:rPr>
-                <a:t>-FNWI] Computability and Interaction </a:t>
+                <a:t>] Computability and Interaction </a:t>
               </a:r>
               <a:r>
                 <a:rPr lang="en-US" sz="2900" dirty="0" smtClean="0">
                   <a:solidFill>
                     <a:schemeClr val="dk1">
-                      <a:alpha val="50000"/>
+                      <a:alpha val="25000"/>
                     </a:schemeClr>
                   </a:solidFill>
                 </a:rPr>
@@ -7414,7 +7504,7 @@
                 <a:rPr lang="en-US" sz="2900" dirty="0" smtClean="0">
                   <a:solidFill>
                     <a:schemeClr val="dk1">
-                      <a:alpha val="50000"/>
+                      <a:alpha val="25000"/>
                     </a:schemeClr>
                   </a:solidFill>
                 </a:rPr>
@@ -7423,22 +7513,56 @@
                 <a:rPr lang="en-US" sz="2900" dirty="0" smtClean="0">
                   <a:solidFill>
                     <a:schemeClr val="dk1">
-                      <a:alpha val="50000"/>
+                      <a:alpha val="25000"/>
                     </a:schemeClr>
                   </a:solidFill>
                 </a:rPr>
                 <a:t>(</a:t>
               </a:r>
               <a:r>
-                <a:rPr lang="en-US" sz="2900" dirty="0">
+                <a:rPr lang="en-US" sz="2900" dirty="0" err="1">
                   <a:solidFill>
                     <a:schemeClr val="dk1">
-                      <a:alpha val="50000"/>
+                      <a:alpha val="25000"/>
                     </a:schemeClr>
                   </a:solidFill>
                 </a:rPr>
-                <a:t>Baeten)</a:t>
-              </a:r>
+                <a:t>Baeten</a:t>
+              </a:r>
+              <a:r>
+                <a:rPr lang="en-US" sz="2900" dirty="0" smtClean="0">
+                  <a:solidFill>
+                    <a:schemeClr val="dk1">
+                      <a:alpha val="25000"/>
+                    </a:schemeClr>
+                  </a:solidFill>
+                </a:rPr>
+                <a:t>)</a:t>
+              </a:r>
+              <a:br>
+                <a:rPr lang="en-US" sz="2900" dirty="0" smtClean="0">
+                  <a:solidFill>
+                    <a:schemeClr val="dk1">
+                      <a:alpha val="25000"/>
+                    </a:schemeClr>
+                  </a:solidFill>
+                </a:rPr>
+              </a:br>
+              <a:r>
+                <a:rPr lang="en-US" sz="2900" dirty="0" smtClean="0">
+                  <a:latin typeface="Calibri" charset="0"/>
+                  <a:ea typeface="Calibri" charset="0"/>
+                  <a:cs typeface="Calibri" charset="0"/>
+                </a:rPr>
+                <a:t>in 2018/19 only</a:t>
+              </a:r>
+              <a:endParaRPr lang="en-US" sz="2900" dirty="0">
+                <a:solidFill>
+                  <a:schemeClr val="dk1">
+                    <a:alpha val="25000"/>
+                  </a:schemeClr>
+                </a:solidFill>
+              </a:endParaRPr>
             </a:p>
           </p:txBody>
         </p:sp>
@@ -7519,9 +7643,9 @@
           </p:nvGrpSpPr>
           <p:grpSpPr>
             <a:xfrm>
-              <a:off x="34558090" y="21941689"/>
+              <a:off x="34447254" y="21941689"/>
               <a:ext cx="3632245" cy="2579668"/>
-              <a:chOff x="35076489" y="21815433"/>
+              <a:chOff x="34965653" y="21815433"/>
               <a:chExt cx="3632244" cy="2579668"/>
             </a:xfrm>
           </p:grpSpPr>
@@ -7533,7 +7657,7 @@
             </p:nvSpPr>
             <p:spPr>
               <a:xfrm>
-                <a:off x="35076489" y="21965101"/>
+                <a:off x="34965653" y="21965101"/>
                 <a:ext cx="3632244" cy="2430000"/>
               </a:xfrm>
               <a:prstGeom prst="roundRect">
@@ -7653,9 +7777,9 @@
           </p:nvGrpSpPr>
           <p:grpSpPr>
             <a:xfrm>
-              <a:off x="34625214" y="24486098"/>
+              <a:off x="34514378" y="24486098"/>
               <a:ext cx="3632245" cy="2631670"/>
-              <a:chOff x="42943674" y="30745052"/>
+              <a:chOff x="42832838" y="30745052"/>
               <a:chExt cx="3632245" cy="2631670"/>
             </a:xfrm>
           </p:grpSpPr>
@@ -7667,7 +7791,7 @@
             </p:nvSpPr>
             <p:spPr>
               <a:xfrm>
-                <a:off x="42943674" y="30946722"/>
+                <a:off x="42832838" y="30946722"/>
                 <a:ext cx="3632245" cy="2430000"/>
               </a:xfrm>
               <a:prstGeom prst="roundRect">
@@ -8119,10 +8243,10 @@
         </p:nvGrpSpPr>
         <p:grpSpPr>
           <a:xfrm>
-            <a:off x="891970" y="18131055"/>
-            <a:ext cx="19692644" cy="11215501"/>
-            <a:chOff x="123728" y="18034804"/>
-            <a:chExt cx="19692644" cy="11215502"/>
+            <a:off x="1089047" y="18131055"/>
+            <a:ext cx="19495567" cy="11215501"/>
+            <a:chOff x="320805" y="18034804"/>
+            <a:chExt cx="19495567" cy="11215502"/>
           </a:xfrm>
         </p:grpSpPr>
         <p:sp>
@@ -8352,10 +8476,10 @@
             <a:p>
               <a:pPr algn="ctr"/>
               <a:r>
-                <a:rPr lang="en-US" sz="2900" dirty="0">
+                <a:rPr lang="en-US" sz="2900" dirty="0" smtClean="0">
                   <a:solidFill>
                     <a:schemeClr val="dk1">
-                      <a:alpha val="60000"/>
+                      <a:alpha val="25000"/>
                     </a:schemeClr>
                   </a:solidFill>
                   <a:latin typeface="Calibri" charset="0"/>
@@ -8365,10 +8489,10 @@
                 <a:t>[</a:t>
               </a:r>
               <a:r>
-                <a:rPr lang="en-US" sz="2900" dirty="0" err="1">
+                <a:rPr lang="en-US" sz="2900" dirty="0" err="1" smtClean="0">
                   <a:solidFill>
                     <a:schemeClr val="dk1">
-                      <a:alpha val="60000"/>
+                      <a:alpha val="25000"/>
                     </a:schemeClr>
                   </a:solidFill>
                   <a:latin typeface="Calibri" charset="0"/>
@@ -8378,23 +8502,36 @@
                 <a:t>MoL</a:t>
               </a:r>
               <a:r>
-                <a:rPr lang="en-US" sz="2900" dirty="0">
+                <a:rPr lang="en-US" sz="2900" dirty="0" smtClean="0">
                   <a:solidFill>
                     <a:schemeClr val="dk1">
-                      <a:alpha val="60000"/>
+                      <a:alpha val="25000"/>
                     </a:schemeClr>
                   </a:solidFill>
                   <a:latin typeface="Calibri" charset="0"/>
                   <a:ea typeface="Calibri" charset="0"/>
                   <a:cs typeface="Calibri" charset="0"/>
                 </a:rPr>
-                <a:t>-FNWI] Category Theory (</a:t>
-              </a:r>
-              <a:r>
-                <a:rPr lang="en-US" sz="2900" dirty="0" err="1">
+                <a:t>-FNWI] </a:t>
+              </a:r>
+              <a:r>
+                <a:rPr lang="en-US" sz="2900" dirty="0">
                   <a:solidFill>
                     <a:schemeClr val="dk1">
-                      <a:alpha val="60000"/>
+                      <a:alpha val="25000"/>
+                    </a:schemeClr>
+                  </a:solidFill>
+                  <a:latin typeface="Calibri" charset="0"/>
+                  <a:ea typeface="Calibri" charset="0"/>
+                  <a:cs typeface="Calibri" charset="0"/>
+                </a:rPr>
+                <a:t>Category Theory (</a:t>
+              </a:r>
+              <a:r>
+                <a:rPr lang="en-US" sz="2900" dirty="0" err="1" smtClean="0">
+                  <a:solidFill>
+                    <a:schemeClr val="dk1">
+                      <a:alpha val="25000"/>
                     </a:schemeClr>
                   </a:solidFill>
                   <a:latin typeface="Calibri" charset="0"/>
@@ -8407,7 +8544,7 @@
                 <a:rPr lang="en-US" sz="2900" dirty="0" smtClean="0">
                   <a:solidFill>
                     <a:schemeClr val="dk1">
-                      <a:alpha val="60000"/>
+                      <a:alpha val="25000"/>
                     </a:schemeClr>
                   </a:solidFill>
                   <a:latin typeface="Calibri" charset="0"/>
@@ -8416,6 +8553,31 @@
                 </a:rPr>
                 <a:t>)</a:t>
               </a:r>
+              <a:br>
+                <a:rPr lang="en-US" sz="2900" dirty="0" smtClean="0">
+                  <a:solidFill>
+                    <a:schemeClr val="dk1">
+                      <a:alpha val="25000"/>
+                    </a:schemeClr>
+                  </a:solidFill>
+                  <a:latin typeface="Calibri" charset="0"/>
+                  <a:ea typeface="Calibri" charset="0"/>
+                  <a:cs typeface="Calibri" charset="0"/>
+                </a:rPr>
+              </a:br>
+              <a:r>
+                <a:rPr lang="en-US" sz="2900" dirty="0" smtClean="0">
+                  <a:latin typeface="Calibri" charset="0"/>
+                  <a:ea typeface="Calibri" charset="0"/>
+                  <a:cs typeface="Calibri" charset="0"/>
+                </a:rPr>
+                <a:t>in 2018/19 only</a:t>
+              </a:r>
+              <a:endParaRPr lang="en-US" sz="2900" dirty="0" smtClean="0">
+                <a:latin typeface="Calibri" charset="0"/>
+                <a:ea typeface="Calibri" charset="0"/>
+                <a:cs typeface="Calibri" charset="0"/>
+              </a:endParaRPr>
             </a:p>
           </p:txBody>
         </p:sp>
@@ -8598,10 +8760,10 @@
           </p:nvGrpSpPr>
           <p:grpSpPr>
             <a:xfrm>
-              <a:off x="9232593" y="22984153"/>
-              <a:ext cx="3276000" cy="2654354"/>
-              <a:chOff x="5469489" y="19408286"/>
-              <a:chExt cx="3276001" cy="2654354"/>
+              <a:off x="9232593" y="23023910"/>
+              <a:ext cx="3276000" cy="2614597"/>
+              <a:chOff x="5469489" y="19448043"/>
+              <a:chExt cx="3276001" cy="2614597"/>
             </a:xfrm>
           </p:grpSpPr>
           <p:sp>
@@ -8693,7 +8855,7 @@
             </p:nvSpPr>
             <p:spPr>
               <a:xfrm>
-                <a:off x="6252819" y="19408286"/>
+                <a:off x="6332333" y="19448043"/>
                 <a:ext cx="1497972" cy="1204325"/>
               </a:xfrm>
               <a:prstGeom prst="rect">
@@ -8982,7 +9144,7 @@
           </p:nvSpPr>
           <p:spPr>
             <a:xfrm>
-              <a:off x="123728" y="22947992"/>
+              <a:off x="320805" y="22947992"/>
               <a:ext cx="3655886" cy="2898808"/>
             </a:xfrm>
             <a:prstGeom prst="roundRect">
@@ -9040,7 +9202,22 @@
               </a:r>
               <a:r>
                 <a:rPr lang="en-US" sz="2900" dirty="0"/>
-                <a:t>] Set Theory </a:t>
+                <a:t>] </a:t>
+              </a:r>
+              <a:r>
+                <a:rPr lang="en-US" sz="2900" dirty="0" smtClean="0"/>
+                <a:t/>
+              </a:r>
+              <a:br>
+                <a:rPr lang="en-US" sz="2900" dirty="0" smtClean="0"/>
+              </a:br>
+              <a:r>
+                <a:rPr lang="en-US" sz="2900" dirty="0" smtClean="0"/>
+                <a:t>Set </a:t>
+              </a:r>
+              <a:r>
+                <a:rPr lang="en-US" sz="2900" dirty="0"/>
+                <a:t>Theory </a:t>
               </a:r>
               <a:br>
                 <a:rPr lang="en-US" sz="2900" dirty="0"/>
@@ -9075,7 +9252,7 @@
           </p:nvSpPr>
           <p:spPr>
             <a:xfrm>
-              <a:off x="1139613" y="22843978"/>
+              <a:off x="1414071" y="22843978"/>
               <a:ext cx="1497972" cy="1204325"/>
             </a:xfrm>
             <a:prstGeom prst="rect">
@@ -9170,12 +9347,16 @@
                 <a:t>[</a:t>
               </a:r>
               <a:r>
-                <a:rPr lang="en-US" sz="2900" dirty="0" err="1"/>
+                <a:rPr lang="en-US" sz="2900" dirty="0" err="1" smtClean="0"/>
                 <a:t>MastMath</a:t>
               </a:r>
               <a:r>
+                <a:rPr lang="en-US" sz="2900" dirty="0" smtClean="0"/>
+                <a:t>-Utrecht] </a:t>
+              </a:r>
+              <a:r>
                 <a:rPr lang="en-US" sz="2900" dirty="0"/>
-                <a:t>-UU] Category Theory and </a:t>
+                <a:t>Category Theory and </a:t>
               </a:r>
               <a:r>
                 <a:rPr lang="en-US" sz="2900" dirty="0" err="1"/>
@@ -10460,8 +10641,8 @@
         </p:nvSpPr>
         <p:spPr>
           <a:xfrm>
-            <a:off x="34570789" y="19494829"/>
-            <a:ext cx="3276000" cy="1848421"/>
+            <a:off x="34515371" y="19078555"/>
+            <a:ext cx="3276000" cy="2268000"/>
           </a:xfrm>
           <a:prstGeom prst="roundRect">
             <a:avLst>
@@ -10596,8 +10777,8 @@
         </p:nvSpPr>
         <p:spPr>
           <a:xfrm>
-            <a:off x="34570789" y="16886746"/>
-            <a:ext cx="3276000" cy="2111969"/>
+            <a:off x="34515371" y="16645867"/>
+            <a:ext cx="3276000" cy="2268000"/>
           </a:xfrm>
           <a:prstGeom prst="roundRect">
             <a:avLst>
@@ -10966,6 +11147,132 @@
             <a:schemeClr val="tx1"/>
           </a:fontRef>
         </p:style>
+        <p:txBody>
+          <a:bodyPr lIns="0" tIns="0" rIns="0" bIns="0"/>
+          <a:lstStyle/>
+          <a:p>
+            <a:pPr algn="ctr" defTabSz="457097">
+              <a:defRPr sz="1200">
+                <a:latin typeface="+mn-lt"/>
+                <a:ea typeface="+mn-ea"/>
+                <a:cs typeface="+mn-cs"/>
+                <a:sym typeface="Helvetica"/>
+              </a:defRPr>
+            </a:pPr>
+            <a:endParaRPr/>
+          </a:p>
+        </p:txBody>
+      </p:sp>
+      <p:sp>
+        <p:nvSpPr>
+          <p:cNvPr id="121" name="Shape 248"/>
+          <p:cNvSpPr/>
+          <p:nvPr/>
+        </p:nvSpPr>
+        <p:spPr>
+          <a:xfrm flipH="1">
+            <a:off x="4457973" y="16674289"/>
+            <a:ext cx="1591724" cy="1723853"/>
+          </a:xfrm>
+          <a:prstGeom prst="line">
+            <a:avLst/>
+          </a:prstGeom>
+          <a:ln w="76200">
+            <a:solidFill/>
+            <a:headEnd type="triangle"/>
+          </a:ln>
+          <a:effectLst>
+            <a:outerShdw blurRad="38100" dist="20000" dir="5400000" rotWithShape="0">
+              <a:srgbClr val="000000">
+                <a:alpha val="38000"/>
+              </a:srgbClr>
+            </a:outerShdw>
+          </a:effectLst>
+        </p:spPr>
+        <p:txBody>
+          <a:bodyPr lIns="0" tIns="0" rIns="0" bIns="0"/>
+          <a:lstStyle/>
+          <a:p>
+            <a:pPr algn="ctr" defTabSz="457097">
+              <a:defRPr sz="1200">
+                <a:latin typeface="+mn-lt"/>
+                <a:ea typeface="+mn-ea"/>
+                <a:cs typeface="+mn-cs"/>
+                <a:sym typeface="Helvetica"/>
+              </a:defRPr>
+            </a:pPr>
+            <a:endParaRPr/>
+          </a:p>
+        </p:txBody>
+      </p:sp>
+      <p:sp>
+        <p:nvSpPr>
+          <p:cNvPr id="122" name="Shape 248"/>
+          <p:cNvSpPr/>
+          <p:nvPr/>
+        </p:nvSpPr>
+        <p:spPr>
+          <a:xfrm flipH="1">
+            <a:off x="20681780" y="18974555"/>
+            <a:ext cx="955898" cy="1623"/>
+          </a:xfrm>
+          <a:prstGeom prst="line">
+            <a:avLst/>
+          </a:prstGeom>
+          <a:ln w="76200">
+            <a:solidFill/>
+            <a:headEnd type="triangle"/>
+          </a:ln>
+          <a:effectLst>
+            <a:outerShdw blurRad="38100" dist="20000" dir="5400000" rotWithShape="0">
+              <a:srgbClr val="000000">
+                <a:alpha val="38000"/>
+              </a:srgbClr>
+            </a:outerShdw>
+          </a:effectLst>
+        </p:spPr>
+        <p:txBody>
+          <a:bodyPr lIns="0" tIns="0" rIns="0" bIns="0"/>
+          <a:lstStyle/>
+          <a:p>
+            <a:pPr algn="ctr" defTabSz="457097">
+              <a:defRPr sz="1200">
+                <a:latin typeface="+mn-lt"/>
+                <a:ea typeface="+mn-ea"/>
+                <a:cs typeface="+mn-cs"/>
+                <a:sym typeface="Helvetica"/>
+              </a:defRPr>
+            </a:pPr>
+            <a:endParaRPr/>
+          </a:p>
+        </p:txBody>
+      </p:sp>
+      <p:sp>
+        <p:nvSpPr>
+          <p:cNvPr id="123" name="Shape 248"/>
+          <p:cNvSpPr/>
+          <p:nvPr/>
+        </p:nvSpPr>
+        <p:spPr>
+          <a:xfrm flipH="1" flipV="1">
+            <a:off x="41822916" y="6880899"/>
+            <a:ext cx="0" cy="3340707"/>
+          </a:xfrm>
+          <a:prstGeom prst="line">
+            <a:avLst/>
+          </a:prstGeom>
+          <a:ln w="76200">
+            <a:solidFill/>
+            <a:headEnd type="triangle"/>
+          </a:ln>
+          <a:effectLst>
+            <a:outerShdw blurRad="38100" dist="20000" dir="5400000" rotWithShape="0">
+              <a:srgbClr val="000000">
+                <a:alpha val="38000"/>
+              </a:srgbClr>
+            </a:outerShdw>
+          </a:effectLst>
+        </p:spPr>
         <p:txBody>
           <a:bodyPr lIns="0" tIns="0" rIns="0" bIns="0"/>
           <a:lstStyle/>

--- a/MoLOverviewPoster2017.pptx
+++ b/MoLOverviewPoster2017.pptx
@@ -193,7 +193,7 @@
           <a:p>
             <a:fld id="{B179243D-0E3E-4D4F-90E9-F9F1DBB34143}" type="datetimeFigureOut">
               <a:rPr lang="en-US" smtClean="0"/>
-              <a:t>6/20/17</a:t>
+              <a:t>7/4/17</a:t>
             </a:fld>
             <a:endParaRPr lang="en-US"/>
           </a:p>
@@ -2936,7 +2936,29 @@
                 <a:ea typeface="Calibri"/>
                 <a:cs typeface="Calibri"/>
               </a:rPr>
-              <a:t> 20 June </a:t>
+              <a:t> </a:t>
+            </a:r>
+            <a:r>
+              <a:rPr lang="en-US" sz="2800" smtClean="0">
+                <a:solidFill>
+                  <a:sysClr val="windowText" lastClr="000000"/>
+                </a:solidFill>
+                <a:latin typeface="Calibri"/>
+                <a:ea typeface="Calibri"/>
+                <a:cs typeface="Calibri"/>
+              </a:rPr>
+              <a:t>4 July</a:t>
+            </a:r>
+            <a:r>
+              <a:rPr lang="en-US" sz="2800" smtClean="0">
+                <a:solidFill>
+                  <a:sysClr val="windowText" lastClr="000000"/>
+                </a:solidFill>
+                <a:latin typeface="Calibri"/>
+                <a:ea typeface="Calibri"/>
+                <a:cs typeface="Calibri"/>
+              </a:rPr>
+              <a:t> </a:t>
             </a:r>
             <a:r>
               <a:rPr lang="en-US" sz="2800" dirty="0" smtClean="0">
@@ -5097,7 +5119,46 @@
                     <a:srgbClr val="FFFFFF"/>
                   </a:solidFill>
                 </a:rPr>
-                <a:t>Representation (vHarmelen)</a:t>
+                <a:t>Representation </a:t>
+              </a:r>
+              <a:r>
+                <a:rPr lang="en-US" sz="2900" dirty="0" smtClean="0">
+                  <a:solidFill>
+                    <a:srgbClr val="FFFFFF"/>
+                  </a:solidFill>
+                </a:rPr>
+                <a:t/>
+              </a:r>
+              <a:br>
+                <a:rPr lang="en-US" sz="2900" dirty="0" smtClean="0">
+                  <a:solidFill>
+                    <a:srgbClr val="FFFFFF"/>
+                  </a:solidFill>
+                </a:rPr>
+              </a:br>
+              <a:r>
+                <a:rPr lang="en-US" sz="2900" dirty="0" smtClean="0">
+                  <a:solidFill>
+                    <a:srgbClr val="FFFFFF"/>
+                  </a:solidFill>
+                </a:rPr>
+                <a:t>(van </a:t>
+              </a:r>
+              <a:r>
+                <a:rPr lang="en-US" sz="2900" dirty="0" err="1" smtClean="0">
+                  <a:solidFill>
+                    <a:srgbClr val="FFFFFF"/>
+                  </a:solidFill>
+                </a:rPr>
+                <a:t>Harmelen</a:t>
+              </a:r>
+              <a:r>
+                <a:rPr lang="en-US" sz="2900" dirty="0">
+                  <a:solidFill>
+                    <a:srgbClr val="FFFFFF"/>
+                  </a:solidFill>
+                </a:rPr>
+                <a:t>)</a:t>
               </a:r>
             </a:p>
           </p:txBody>
@@ -5564,7 +5625,6 @@
                 <a:rPr lang="en-US" sz="2900" dirty="0"/>
                 <a:t>(Lentz)</a:t>
               </a:r>
-              <a:endParaRPr lang="en-US" sz="2900" dirty="0"/>
             </a:p>
           </p:txBody>
         </p:sp>
@@ -6114,15 +6174,38 @@
                     <a:srgbClr val="FFFFFF"/>
                   </a:solidFill>
                 </a:rPr>
-                <a:t>[MoL-FGW] Rationality, Cognition and Reasoning (</a:t>
-              </a:r>
-              <a:r>
-                <a:rPr lang="en-US" sz="2900" dirty="0" err="1">
+                <a:t>[MoL-FGW] Rationality, Cognition and Reasoning </a:t>
+              </a:r>
+              <a:r>
+                <a:rPr lang="en-US" sz="2900" dirty="0" smtClean="0">
                   <a:solidFill>
                     <a:srgbClr val="FFFFFF"/>
                   </a:solidFill>
                 </a:rPr>
-                <a:t>vLambalgen</a:t>
+                <a:t/>
+              </a:r>
+              <a:br>
+                <a:rPr lang="en-US" sz="2900" dirty="0" smtClean="0">
+                  <a:solidFill>
+                    <a:srgbClr val="FFFFFF"/>
+                  </a:solidFill>
+                </a:rPr>
+              </a:br>
+              <a:r>
+                <a:rPr lang="en-US" sz="2900" dirty="0" smtClean="0">
+                  <a:solidFill>
+                    <a:srgbClr val="FFFFFF"/>
+                  </a:solidFill>
+                </a:rPr>
+                <a:t>(van </a:t>
+              </a:r>
+              <a:r>
+                <a:rPr lang="en-US" sz="2900" dirty="0" err="1" smtClean="0">
+                  <a:solidFill>
+                    <a:srgbClr val="FFFFFF"/>
+                  </a:solidFill>
+                </a:rPr>
+                <a:t>Lambalgen</a:t>
               </a:r>
               <a:r>
                 <a:rPr lang="en-US" sz="2900" dirty="0">
@@ -6622,7 +6705,26 @@
               </a:r>
               <a:r>
                 <a:rPr lang="en-US" sz="2900" dirty="0"/>
-                <a:t>, Logic and Cognition (vLambalgen)</a:t>
+                <a:t>, Logic and Cognition </a:t>
+              </a:r>
+              <a:r>
+                <a:rPr lang="en-US" sz="2900" dirty="0" smtClean="0"/>
+                <a:t/>
+              </a:r>
+              <a:br>
+                <a:rPr lang="en-US" sz="2900" dirty="0" smtClean="0"/>
+              </a:br>
+              <a:r>
+                <a:rPr lang="en-US" sz="2900" dirty="0" smtClean="0"/>
+                <a:t>(van </a:t>
+              </a:r>
+              <a:r>
+                <a:rPr lang="en-US" sz="2900" dirty="0" err="1" smtClean="0"/>
+                <a:t>Lambalgen</a:t>
+              </a:r>
+              <a:r>
+                <a:rPr lang="en-US" sz="2900" dirty="0"/>
+                <a:t>)</a:t>
               </a:r>
             </a:p>
           </p:txBody>
@@ -7387,8 +7489,8 @@
                 <a:t>(</a:t>
               </a:r>
               <a:r>
-                <a:rPr lang="en-US" sz="2900" dirty="0" err="1"/>
-                <a:t>dWolf</a:t>
+                <a:rPr lang="en-US" sz="2900" dirty="0" smtClean="0"/>
+                <a:t>de Wolf</a:t>
               </a:r>
               <a:r>
                 <a:rPr lang="en-US" sz="2900" dirty="0" smtClean="0"/>
@@ -8528,7 +8630,7 @@
                 <a:t>Category Theory (</a:t>
               </a:r>
               <a:r>
-                <a:rPr lang="en-US" sz="2900" dirty="0" err="1" smtClean="0">
+                <a:rPr lang="en-US" sz="2900" dirty="0" smtClean="0">
                   <a:solidFill>
                     <a:schemeClr val="dk1">
                       <a:alpha val="25000"/>
@@ -8538,7 +8640,7 @@
                   <a:ea typeface="Calibri" charset="0"/>
                   <a:cs typeface="Calibri" charset="0"/>
                 </a:rPr>
-                <a:t>vdBerg</a:t>
+                <a:t>van den Berg</a:t>
               </a:r>
               <a:r>
                 <a:rPr lang="en-US" sz="2900" dirty="0" smtClean="0">
@@ -8573,11 +8675,6 @@
                 </a:rPr>
                 <a:t>in 2018/19 only</a:t>
               </a:r>
-              <a:endParaRPr lang="en-US" sz="2900" dirty="0" smtClean="0">
-                <a:latin typeface="Calibri" charset="0"/>
-                <a:ea typeface="Calibri" charset="0"/>
-                <a:cs typeface="Calibri" charset="0"/>
-              </a:endParaRPr>
             </a:p>
           </p:txBody>
         </p:sp>
@@ -8842,7 +8939,22 @@
                 </a:r>
                 <a:r>
                   <a:rPr lang="en-US" sz="2900" dirty="0"/>
-                  <a:t>Theory (vdBerg)</a:t>
+                  <a:t>Theory </a:t>
+                </a:r>
+                <a:r>
+                  <a:rPr lang="en-US" sz="2900" dirty="0" smtClean="0"/>
+                  <a:t/>
+                </a:r>
+                <a:br>
+                  <a:rPr lang="en-US" sz="2900" dirty="0" smtClean="0"/>
+                </a:br>
+                <a:r>
+                  <a:rPr lang="en-US" sz="2900" dirty="0" smtClean="0"/>
+                  <a:t>(van den Berg</a:t>
+                </a:r>
+                <a:r>
+                  <a:rPr lang="en-US" sz="2900" dirty="0"/>
+                  <a:t>)</a:t>
                 </a:r>
               </a:p>
             </p:txBody>
@@ -9479,8 +9591,8 @@
                 <a:t>(</a:t>
               </a:r>
               <a:r>
-                <a:rPr lang="en-US" sz="2900" dirty="0" err="1" smtClean="0"/>
-                <a:t>vdBerg</a:t>
+                <a:rPr lang="en-US" sz="2900" dirty="0" smtClean="0"/>
+                <a:t>van den Berg</a:t>
               </a:r>
               <a:r>
                 <a:rPr lang="en-US" sz="2900" dirty="0" smtClean="0"/>
@@ -10098,7 +10210,19 @@
                 </a:r>
                 <a:r>
                   <a:rPr lang="en-US" sz="2900" dirty="0"/>
-                  <a:t>-FNWI] Philosophical Logic (vRooij)</a:t>
+                  <a:t>-FNWI] Philosophical Logic (</a:t>
+                </a:r>
+                <a:r>
+                  <a:rPr lang="en-US" sz="2900" dirty="0" smtClean="0"/>
+                  <a:t>van </a:t>
+                </a:r>
+                <a:r>
+                  <a:rPr lang="en-US" sz="2900" dirty="0" err="1" smtClean="0"/>
+                  <a:t>Rooij</a:t>
+                </a:r>
+                <a:r>
+                  <a:rPr lang="en-US" sz="2900" dirty="0"/>
+                  <a:t>)</a:t>
                 </a:r>
               </a:p>
             </p:txBody>
@@ -10231,8 +10355,16 @@
                 <a:t>(</a:t>
               </a:r>
               <a:r>
+                <a:rPr lang="en-US" sz="2900" dirty="0" smtClean="0"/>
+                <a:t>van </a:t>
+              </a:r>
+              <a:r>
+                <a:rPr lang="en-US" sz="2900" dirty="0" err="1" smtClean="0"/>
+                <a:t>Lambalgen</a:t>
+              </a:r>
+              <a:r>
                 <a:rPr lang="en-US" sz="2900" dirty="0"/>
-                <a:t>vLambalgen)</a:t>
+                <a:t>)</a:t>
               </a:r>
             </a:p>
           </p:txBody>
@@ -10985,12 +11117,12 @@
               <a:t>, </a:t>
             </a:r>
             <a:r>
-              <a:rPr lang="en-US" sz="2900" dirty="0" err="1" smtClean="0">
+              <a:rPr lang="en-US" sz="2900" dirty="0" smtClean="0">
                 <a:solidFill>
                   <a:srgbClr val="FFFFFF"/>
                 </a:solidFill>
               </a:rPr>
-              <a:t>dHeide</a:t>
+              <a:t>de Heide</a:t>
             </a:r>
             <a:r>
               <a:rPr lang="en-US" sz="2900" dirty="0" smtClean="0">

--- a/MoLOverviewPoster2017.pptx
+++ b/MoLOverviewPoster2017.pptx
@@ -193,7 +193,7 @@
           <a:p>
             <a:fld id="{B179243D-0E3E-4D4F-90E9-F9F1DBB34143}" type="datetimeFigureOut">
               <a:rPr lang="en-US" smtClean="0"/>
-              <a:t>7/4/17</a:t>
+              <a:t>7/5/17</a:t>
             </a:fld>
             <a:endParaRPr lang="en-US"/>
           </a:p>
@@ -2917,7 +2917,7 @@
               <a:t>version</a:t>
             </a:r>
             <a:r>
-              <a:rPr lang="en-US" sz="2800">
+              <a:rPr lang="en-US" sz="2800" dirty="0">
                 <a:solidFill>
                   <a:sysClr val="windowText" lastClr="000000"/>
                 </a:solidFill>
@@ -2928,7 +2928,7 @@
               <a:t>:</a:t>
             </a:r>
             <a:r>
-              <a:rPr lang="en-US" sz="2800" smtClean="0">
+              <a:rPr lang="en-US" sz="2800" dirty="0" smtClean="0">
                 <a:solidFill>
                   <a:sysClr val="windowText" lastClr="000000"/>
                 </a:solidFill>
@@ -2939,28 +2939,6 @@
               <a:t> </a:t>
             </a:r>
             <a:r>
-              <a:rPr lang="en-US" sz="2800" smtClean="0">
-                <a:solidFill>
-                  <a:sysClr val="windowText" lastClr="000000"/>
-                </a:solidFill>
-                <a:latin typeface="Calibri"/>
-                <a:ea typeface="Calibri"/>
-                <a:cs typeface="Calibri"/>
-              </a:rPr>
-              <a:t>4 July</a:t>
-            </a:r>
-            <a:r>
-              <a:rPr lang="en-US" sz="2800" smtClean="0">
-                <a:solidFill>
-                  <a:sysClr val="windowText" lastClr="000000"/>
-                </a:solidFill>
-                <a:latin typeface="Calibri"/>
-                <a:ea typeface="Calibri"/>
-                <a:cs typeface="Calibri"/>
-              </a:rPr>
-              <a:t> </a:t>
-            </a:r>
-            <a:r>
               <a:rPr lang="en-US" sz="2800" dirty="0" smtClean="0">
                 <a:solidFill>
                   <a:sysClr val="windowText" lastClr="000000"/>
@@ -2969,7 +2947,18 @@
                 <a:ea typeface="Calibri"/>
                 <a:cs typeface="Calibri"/>
               </a:rPr>
-              <a:t>2017: </a:t>
+              <a:t>5 </a:t>
+            </a:r>
+            <a:r>
+              <a:rPr lang="en-US" sz="2800" dirty="0" smtClean="0">
+                <a:solidFill>
+                  <a:sysClr val="windowText" lastClr="000000"/>
+                </a:solidFill>
+                <a:latin typeface="Calibri"/>
+                <a:ea typeface="Calibri"/>
+                <a:cs typeface="Calibri"/>
+              </a:rPr>
+              <a:t>July 2017: </a:t>
             </a:r>
             <a:br>
               <a:rPr lang="en-US" sz="2800" dirty="0" smtClean="0">
@@ -7486,15 +7475,7 @@
               </a:br>
               <a:r>
                 <a:rPr lang="en-US" sz="2900" dirty="0" smtClean="0"/>
-                <a:t>(</a:t>
-              </a:r>
-              <a:r>
-                <a:rPr lang="en-US" sz="2900" dirty="0" smtClean="0"/>
-                <a:t>de Wolf</a:t>
-              </a:r>
-              <a:r>
-                <a:rPr lang="en-US" sz="2900" dirty="0" smtClean="0"/>
-                <a:t>)</a:t>
+                <a:t>(de Wolf)</a:t>
               </a:r>
             </a:p>
             <a:p>
@@ -7879,10 +7860,10 @@
           </p:nvGrpSpPr>
           <p:grpSpPr>
             <a:xfrm>
-              <a:off x="34514378" y="24486098"/>
-              <a:ext cx="3632245" cy="2631670"/>
-              <a:chOff x="42832838" y="30745052"/>
-              <a:chExt cx="3632245" cy="2631670"/>
+              <a:off x="34514378" y="24415760"/>
+              <a:ext cx="3632245" cy="2702008"/>
+              <a:chOff x="42832838" y="30674714"/>
+              <a:chExt cx="3632245" cy="2702008"/>
             </a:xfrm>
           </p:grpSpPr>
           <p:sp>
@@ -8072,7 +8053,7 @@
             </p:nvSpPr>
             <p:spPr>
               <a:xfrm>
-                <a:off x="43837318" y="30745052"/>
+                <a:off x="43837318" y="30674714"/>
                 <a:ext cx="1497972" cy="1204325"/>
               </a:xfrm>
               <a:prstGeom prst="rect">
@@ -8640,20 +8621,7 @@
                   <a:ea typeface="Calibri" charset="0"/>
                   <a:cs typeface="Calibri" charset="0"/>
                 </a:rPr>
-                <a:t>van den Berg</a:t>
-              </a:r>
-              <a:r>
-                <a:rPr lang="en-US" sz="2900" dirty="0" smtClean="0">
-                  <a:solidFill>
-                    <a:schemeClr val="dk1">
-                      <a:alpha val="25000"/>
-                    </a:schemeClr>
-                  </a:solidFill>
-                  <a:latin typeface="Calibri" charset="0"/>
-                  <a:ea typeface="Calibri" charset="0"/>
-                  <a:cs typeface="Calibri" charset="0"/>
-                </a:rPr>
-                <a:t>)</a:t>
+                <a:t>van den Berg)</a:t>
               </a:r>
               <a:br>
                 <a:rPr lang="en-US" sz="2900" dirty="0" smtClean="0">
@@ -9267,16 +9235,15 @@
             <a:gradFill flip="none" rotWithShape="1">
               <a:gsLst>
                 <a:gs pos="0">
-                  <a:srgbClr val="C8B2E9"/>
-                </a:gs>
-                <a:gs pos="35000">
-                  <a:srgbClr val="D8C9EE"/>
+                  <a:schemeClr val="accent3"/>
                 </a:gs>
                 <a:gs pos="100000">
-                  <a:srgbClr val="FFD1BB"/>
+                  <a:schemeClr val="accent1">
+                    <a:lumMod val="75000"/>
+                  </a:schemeClr>
                 </a:gs>
               </a:gsLst>
-              <a:lin ang="5400000" scaled="0"/>
+              <a:lin ang="16200000" scaled="0"/>
             </a:gradFill>
             <a:ln w="76200" cap="flat">
               <a:solidFill>
@@ -9286,9 +9253,9 @@
               <a:bevel/>
             </a:ln>
             <a:effectLst>
-              <a:outerShdw blurRad="38100" dist="20000" dir="5400000" rotWithShape="0">
+              <a:outerShdw blurRad="38100" dist="23000" dir="5400000" rotWithShape="0">
                 <a:srgbClr val="000000">
-                  <a:alpha val="38000"/>
+                  <a:alpha val="35000"/>
                 </a:srgbClr>
               </a:outerShdw>
             </a:effectLst>
@@ -9300,57 +9267,113 @@
             <a:lstStyle/>
             <a:p>
               <a:pPr algn="ctr"/>
-              <a:endParaRPr lang="en-US" sz="2900" dirty="0" smtClean="0"/>
+              <a:endParaRPr lang="en-US" sz="2900" dirty="0">
+                <a:solidFill>
+                  <a:srgbClr val="FFFFFF"/>
+                </a:solidFill>
+              </a:endParaRPr>
             </a:p>
             <a:p>
               <a:pPr algn="ctr"/>
               <a:r>
-                <a:rPr lang="en-US" sz="2900" dirty="0" smtClean="0"/>
+                <a:rPr lang="en-US" sz="2900" dirty="0">
+                  <a:solidFill>
+                    <a:srgbClr val="FFFFFF"/>
+                  </a:solidFill>
+                </a:rPr>
                 <a:t>[</a:t>
               </a:r>
               <a:r>
-                <a:rPr lang="en-US" sz="2900" dirty="0" err="1"/>
+                <a:rPr lang="en-US" sz="2900" dirty="0" err="1">
+                  <a:solidFill>
+                    <a:srgbClr val="FFFFFF"/>
+                  </a:solidFill>
+                </a:rPr>
                 <a:t>MastMath-UvA</a:t>
               </a:r>
               <a:r>
-                <a:rPr lang="en-US" sz="2900" dirty="0"/>
+                <a:rPr lang="en-US" sz="2900" dirty="0">
+                  <a:solidFill>
+                    <a:srgbClr val="FFFFFF"/>
+                  </a:solidFill>
+                </a:rPr>
                 <a:t>] </a:t>
               </a:r>
               <a:r>
-                <a:rPr lang="en-US" sz="2900" dirty="0" smtClean="0"/>
+                <a:rPr lang="en-US" sz="2900" dirty="0">
+                  <a:solidFill>
+                    <a:srgbClr val="FFFFFF"/>
+                  </a:solidFill>
+                </a:rPr>
                 <a:t/>
               </a:r>
               <a:br>
-                <a:rPr lang="en-US" sz="2900" dirty="0" smtClean="0"/>
+                <a:rPr lang="en-US" sz="2900" dirty="0">
+                  <a:solidFill>
+                    <a:srgbClr val="FFFFFF"/>
+                  </a:solidFill>
+                </a:rPr>
               </a:br>
               <a:r>
-                <a:rPr lang="en-US" sz="2900" dirty="0" smtClean="0"/>
+                <a:rPr lang="en-US" sz="2900" dirty="0">
+                  <a:solidFill>
+                    <a:srgbClr val="FFFFFF"/>
+                  </a:solidFill>
+                </a:rPr>
                 <a:t>Set </a:t>
               </a:r>
               <a:r>
-                <a:rPr lang="en-US" sz="2900" dirty="0"/>
+                <a:rPr lang="en-US" sz="2900" dirty="0">
+                  <a:solidFill>
+                    <a:srgbClr val="FFFFFF"/>
+                  </a:solidFill>
+                </a:rPr>
                 <a:t>Theory </a:t>
               </a:r>
               <a:br>
-                <a:rPr lang="en-US" sz="2900" dirty="0"/>
+                <a:rPr lang="en-US" sz="2900" dirty="0">
+                  <a:solidFill>
+                    <a:srgbClr val="FFFFFF"/>
+                  </a:solidFill>
+                </a:rPr>
               </a:br>
               <a:r>
-                <a:rPr lang="en-US" sz="2900" dirty="0"/>
+                <a:rPr lang="en-US" sz="2900" dirty="0">
+                  <a:solidFill>
+                    <a:srgbClr val="FFFFFF"/>
+                  </a:solidFill>
+                </a:rPr>
                 <a:t>(Hart, </a:t>
               </a:r>
               <a:r>
-                <a:rPr lang="en-US" sz="2900" dirty="0" err="1"/>
+                <a:rPr lang="en-US" sz="2900" dirty="0" err="1">
+                  <a:solidFill>
+                    <a:srgbClr val="FFFFFF"/>
+                  </a:solidFill>
+                </a:rPr>
                 <a:t>Löwe</a:t>
               </a:r>
               <a:r>
-                <a:rPr lang="en-US" sz="2900" dirty="0"/>
+                <a:rPr lang="en-US" sz="2900" dirty="0">
+                  <a:solidFill>
+                    <a:srgbClr val="FFFFFF"/>
+                  </a:solidFill>
+                </a:rPr>
                 <a:t>) </a:t>
               </a:r>
               <a:br>
-                <a:rPr lang="en-US" sz="2900" dirty="0"/>
+                <a:rPr lang="en-US" sz="2900" dirty="0">
+                  <a:solidFill>
+                    <a:srgbClr val="FFFFFF"/>
+                  </a:solidFill>
+                </a:rPr>
               </a:br>
               <a:r>
-                <a:rPr lang="en-US" sz="2900" dirty="0"/>
+                <a:rPr lang="en-US" sz="2900" dirty="0">
+                  <a:solidFill>
+                    <a:srgbClr val="FFFFFF"/>
+                  </a:solidFill>
+                </a:rPr>
                 <a:t>[8EC]</a:t>
               </a:r>
             </a:p>
@@ -9393,10 +9416,18 @@
                 <a:defRPr sz="1800"/>
               </a:pPr>
               <a:r>
-                <a:rPr lang="en-US" sz="3300" b="1" dirty="0"/>
+                <a:rPr lang="en-US" sz="3300" b="1" dirty="0">
+                  <a:solidFill>
+                    <a:schemeClr val="bg1"/>
+                  </a:solidFill>
+                </a:rPr>
                 <a:t>L&amp;M</a:t>
               </a:r>
-              <a:endParaRPr sz="3300" b="1" dirty="0"/>
+              <a:endParaRPr sz="3300" b="1" dirty="0">
+                <a:solidFill>
+                  <a:schemeClr val="bg1"/>
+                </a:solidFill>
+              </a:endParaRPr>
             </a:p>
           </p:txBody>
         </p:sp>
@@ -9588,15 +9619,7 @@
               </a:br>
               <a:r>
                 <a:rPr lang="en-US" sz="2900" dirty="0" smtClean="0"/>
-                <a:t>(</a:t>
-              </a:r>
-              <a:r>
-                <a:rPr lang="en-US" sz="2900" dirty="0" smtClean="0"/>
-                <a:t>van den Berg</a:t>
-              </a:r>
-              <a:r>
-                <a:rPr lang="en-US" sz="2900" dirty="0" smtClean="0"/>
-                <a:t>)</a:t>
+                <a:t>(van den Berg)</a:t>
               </a:r>
               <a:endParaRPr lang="en-US" sz="2900" dirty="0"/>
             </a:p>
@@ -10352,11 +10375,7 @@
               </a:br>
               <a:r>
                 <a:rPr lang="en-US" sz="2900" dirty="0" smtClean="0"/>
-                <a:t>(</a:t>
-              </a:r>
-              <a:r>
-                <a:rPr lang="en-US" sz="2900" dirty="0" smtClean="0"/>
-                <a:t>van </a:t>
+                <a:t>(van </a:t>
               </a:r>
               <a:r>
                 <a:rPr lang="en-US" sz="2900" dirty="0" err="1" smtClean="0"/>
@@ -10584,8 +10603,8 @@
         </p:nvSpPr>
         <p:spPr>
           <a:xfrm>
-            <a:off x="1915195" y="17980252"/>
-            <a:ext cx="2063777" cy="1204326"/>
+            <a:off x="1828738" y="17999302"/>
+            <a:ext cx="2170871" cy="1204326"/>
           </a:xfrm>
           <a:prstGeom prst="rect">
             <a:avLst/>
@@ -10601,7 +10620,7 @@
         </p:spPr>
         <p:txBody>
           <a:bodyPr lIns="208758" tIns="208758" rIns="208758" bIns="208758" anchor="ctr">
-            <a:normAutofit fontScale="92500"/>
+            <a:noAutofit/>
           </a:bodyPr>
           <a:lstStyle>
             <a:lvl1pPr>
@@ -10613,7 +10632,7 @@
               <a:defRPr sz="1800"/>
             </a:pPr>
             <a:r>
-              <a:rPr lang="en-US" sz="3300" b="1" smtClean="0">
+              <a:rPr lang="en-US" sz="3300" b="1" dirty="0" smtClean="0">
                 <a:solidFill>
                   <a:schemeClr val="bg1"/>
                 </a:solidFill>
@@ -11114,23 +11133,7 @@
                   <a:srgbClr val="FFFFFF"/>
                 </a:solidFill>
               </a:rPr>
-              <a:t>, </a:t>
-            </a:r>
-            <a:r>
-              <a:rPr lang="en-US" sz="2900" dirty="0" smtClean="0">
-                <a:solidFill>
-                  <a:srgbClr val="FFFFFF"/>
-                </a:solidFill>
-              </a:rPr>
-              <a:t>de Heide</a:t>
-            </a:r>
-            <a:r>
-              <a:rPr lang="en-US" sz="2900" dirty="0" smtClean="0">
-                <a:solidFill>
-                  <a:srgbClr val="FFFFFF"/>
-                </a:solidFill>
-              </a:rPr>
-              <a:t>) [8EC</a:t>
+              <a:t>, de Heide) [8EC</a:t>
             </a:r>
             <a:r>
               <a:rPr lang="en-US" sz="2900" dirty="0">

--- a/MoLOverviewPoster2017.pptx
+++ b/MoLOverviewPoster2017.pptx
@@ -193,7 +193,7 @@
           <a:p>
             <a:fld id="{B179243D-0E3E-4D4F-90E9-F9F1DBB34143}" type="datetimeFigureOut">
               <a:rPr lang="en-US" smtClean="0"/>
-              <a:t>7/5/17</a:t>
+              <a:t>9/15/17</a:t>
             </a:fld>
             <a:endParaRPr lang="en-US"/>
           </a:p>
@@ -2939,6 +2939,17 @@
               <a:t> </a:t>
             </a:r>
             <a:r>
+              <a:rPr lang="en-US" sz="2800" smtClean="0">
+                <a:solidFill>
+                  <a:sysClr val="windowText" lastClr="000000"/>
+                </a:solidFill>
+                <a:latin typeface="Calibri"/>
+                <a:ea typeface="Calibri"/>
+                <a:cs typeface="Calibri"/>
+              </a:rPr>
+              <a:t>15 September </a:t>
+            </a:r>
+            <a:r>
               <a:rPr lang="en-US" sz="2800" dirty="0" smtClean="0">
                 <a:solidFill>
                   <a:sysClr val="windowText" lastClr="000000"/>
@@ -2947,18 +2958,7 @@
                 <a:ea typeface="Calibri"/>
                 <a:cs typeface="Calibri"/>
               </a:rPr>
-              <a:t>5 </a:t>
-            </a:r>
-            <a:r>
-              <a:rPr lang="en-US" sz="2800" dirty="0" smtClean="0">
-                <a:solidFill>
-                  <a:sysClr val="windowText" lastClr="000000"/>
-                </a:solidFill>
-                <a:latin typeface="Calibri"/>
-                <a:ea typeface="Calibri"/>
-                <a:cs typeface="Calibri"/>
-              </a:rPr>
-              <a:t>July 2017: </a:t>
+              <a:t>2017: </a:t>
             </a:r>
             <a:br>
               <a:rPr lang="en-US" sz="2800" dirty="0" smtClean="0">
@@ -8114,133 +8114,132 @@
                 <a:gd name="adj" fmla="val 16667"/>
               </a:avLst>
             </a:prstGeom>
-            <a:ln/>
+            <a:gradFill flip="none" rotWithShape="1">
+              <a:gsLst>
+                <a:gs pos="0">
+                  <a:srgbClr val="FFD1BB"/>
+                </a:gs>
+                <a:gs pos="35000">
+                  <a:srgbClr val="FFDECF"/>
+                </a:gs>
+                <a:gs pos="100000">
+                  <a:srgbClr val="FFF2ED"/>
+                </a:gs>
+              </a:gsLst>
+              <a:lin ang="16200000" scaled="0"/>
+            </a:gradFill>
+            <a:ln w="9525" cap="flat">
+              <a:solidFill>
+                <a:srgbClr val="F69240"/>
+              </a:solidFill>
+              <a:prstDash val="solid"/>
+              <a:bevel/>
+            </a:ln>
+            <a:effectLst>
+              <a:outerShdw blurRad="38100" dist="20000" dir="5400000" rotWithShape="0">
+                <a:srgbClr val="000000">
+                  <a:alpha val="38000"/>
+                </a:srgbClr>
+              </a:outerShdw>
+            </a:effectLst>
           </p:spPr>
-          <p:style>
-            <a:lnRef idx="1">
-              <a:schemeClr val="accent3"/>
-            </a:lnRef>
-            <a:fillRef idx="2">
-              <a:schemeClr val="accent3"/>
-            </a:fillRef>
-            <a:effectRef idx="1">
-              <a:schemeClr val="accent3"/>
-            </a:effectRef>
-            <a:fontRef idx="minor">
-              <a:schemeClr val="dk1"/>
-            </a:fontRef>
-          </p:style>
           <p:txBody>
             <a:bodyPr wrap="square" lIns="0" tIns="0" rIns="0" bIns="0" numCol="1" anchor="ctr">
               <a:noAutofit/>
             </a:bodyPr>
             <a:lstStyle/>
             <a:p>
-              <a:pPr lvl="0" algn="ctr">
-                <a:defRPr sz="1800">
-                  <a:solidFill>
-                    <a:srgbClr val="000000"/>
-                  </a:solidFill>
-                </a:defRPr>
-              </a:pPr>
-              <a:r>
-                <a:rPr lang="en-US" sz="2900" dirty="0" smtClean="0">
-                  <a:solidFill>
-                    <a:schemeClr val="tx1"/>
-                  </a:solidFill>
+              <a:pPr algn="ctr"/>
+              <a:r>
+                <a:rPr lang="en-US" sz="2900" dirty="0">
+                  <a:latin typeface="Calibri"/>
+                  <a:ea typeface="Calibri"/>
+                  <a:cs typeface="Calibri"/>
                 </a:rPr>
                 <a:t>[</a:t>
               </a:r>
               <a:r>
-                <a:rPr lang="en-US" sz="2900" dirty="0" err="1" smtClean="0">
-                  <a:solidFill>
-                    <a:schemeClr val="tx1"/>
-                  </a:solidFill>
+                <a:rPr lang="en-US" sz="2900" dirty="0" err="1">
+                  <a:latin typeface="Calibri"/>
+                  <a:ea typeface="Calibri"/>
+                  <a:cs typeface="Calibri"/>
                 </a:rPr>
                 <a:t>MScCS</a:t>
               </a:r>
               <a:r>
-                <a:rPr lang="en-US" sz="2900" dirty="0" smtClean="0">
-                  <a:solidFill>
-                    <a:schemeClr val="tx1"/>
-                  </a:solidFill>
+                <a:rPr lang="en-US" sz="2900" dirty="0">
+                  <a:latin typeface="Calibri"/>
+                  <a:ea typeface="Calibri"/>
+                  <a:cs typeface="Calibri"/>
                 </a:rPr>
                 <a:t>-VU]</a:t>
               </a:r>
               <a:br>
-                <a:rPr lang="en-US" sz="2900" dirty="0" smtClean="0">
-                  <a:solidFill>
-                    <a:schemeClr val="tx1"/>
-                  </a:solidFill>
+                <a:rPr lang="en-US" sz="2900" dirty="0">
+                  <a:latin typeface="Calibri"/>
+                  <a:ea typeface="Calibri"/>
+                  <a:cs typeface="Calibri"/>
                 </a:rPr>
               </a:br>
               <a:r>
-                <a:rPr lang="en-US" sz="2900" smtClean="0">
-                  <a:solidFill>
-                    <a:schemeClr val="tx1"/>
-                  </a:solidFill>
+                <a:rPr lang="en-US" sz="2900" dirty="0">
+                  <a:latin typeface="Calibri"/>
+                  <a:ea typeface="Calibri"/>
+                  <a:cs typeface="Calibri"/>
                 </a:rPr>
                 <a:t>Term Rewriting </a:t>
               </a:r>
               <a:r>
                 <a:rPr lang="en-US" sz="2900" dirty="0">
-                  <a:solidFill>
-                    <a:schemeClr val="tx1"/>
-                  </a:solidFill>
+                  <a:latin typeface="Calibri"/>
+                  <a:ea typeface="Calibri"/>
+                  <a:cs typeface="Calibri"/>
                 </a:rPr>
                 <a:t>S</a:t>
               </a:r>
               <a:r>
-                <a:rPr lang="en-US" sz="2900" smtClean="0">
-                  <a:solidFill>
-                    <a:schemeClr val="tx1"/>
-                  </a:solidFill>
+                <a:rPr lang="en-US" sz="2900" dirty="0">
+                  <a:latin typeface="Calibri"/>
+                  <a:ea typeface="Calibri"/>
+                  <a:cs typeface="Calibri"/>
                 </a:rPr>
                 <a:t>ystems</a:t>
               </a:r>
-              <a:r>
-                <a:rPr lang="en-US" sz="2900" dirty="0" smtClean="0">
-                  <a:solidFill>
-                    <a:schemeClr val="tx1"/>
-                  </a:solidFill>
-                </a:rPr>
-                <a:t/>
-              </a:r>
               <a:br>
-                <a:rPr lang="en-US" sz="2900" dirty="0" smtClean="0">
-                  <a:solidFill>
-                    <a:schemeClr val="tx1"/>
-                  </a:solidFill>
+                <a:rPr lang="en-US" sz="2900" dirty="0">
+                  <a:latin typeface="Calibri"/>
+                  <a:ea typeface="Calibri"/>
+                  <a:cs typeface="Calibri"/>
                 </a:rPr>
               </a:br>
               <a:r>
-                <a:rPr lang="en-US" sz="2900" dirty="0" smtClean="0">
-                  <a:solidFill>
-                    <a:schemeClr val="tx1"/>
-                  </a:solidFill>
+                <a:rPr lang="en-US" sz="2900" dirty="0">
+                  <a:latin typeface="Calibri"/>
+                  <a:ea typeface="Calibri"/>
+                  <a:cs typeface="Calibri"/>
                 </a:rPr>
                 <a:t>(</a:t>
               </a:r>
               <a:r>
-                <a:rPr lang="en-US" sz="2900" dirty="0" err="1" smtClean="0">
-                  <a:solidFill>
-                    <a:schemeClr val="tx1"/>
-                  </a:solidFill>
+                <a:rPr lang="en-US" sz="2900" dirty="0" err="1">
+                  <a:latin typeface="Calibri"/>
+                  <a:ea typeface="Calibri"/>
+                  <a:cs typeface="Calibri"/>
                 </a:rPr>
                 <a:t>Endrullis</a:t>
               </a:r>
               <a:r>
-                <a:rPr lang="en-US" sz="2900" dirty="0" smtClean="0">
-                  <a:solidFill>
-                    <a:schemeClr val="tx1"/>
-                  </a:solidFill>
+                <a:rPr lang="en-US" sz="2900" dirty="0">
+                  <a:latin typeface="Calibri"/>
+                  <a:ea typeface="Calibri"/>
+                  <a:cs typeface="Calibri"/>
                 </a:rPr>
                 <a:t>)</a:t>
               </a:r>
               <a:endParaRPr lang="en-US" sz="2900" dirty="0">
-                <a:solidFill>
-                  <a:schemeClr val="tx1"/>
-                </a:solidFill>
+                <a:latin typeface="Calibri"/>
+                <a:ea typeface="Calibri"/>
+                <a:cs typeface="Calibri"/>
               </a:endParaRPr>
             </a:p>
           </p:txBody>
@@ -9299,14 +9298,6 @@
                 </a:rPr>
                 <a:t>] </a:t>
               </a:r>
-              <a:r>
-                <a:rPr lang="en-US" sz="2900" dirty="0">
-                  <a:solidFill>
-                    <a:srgbClr val="FFFFFF"/>
-                  </a:solidFill>
-                </a:rPr>
-                <a:t/>
-              </a:r>
               <a:br>
                 <a:rPr lang="en-US" sz="2900" dirty="0">
                   <a:solidFill>
@@ -9320,15 +9311,7 @@
                     <a:srgbClr val="FFFFFF"/>
                   </a:solidFill>
                 </a:rPr>
-                <a:t>Set </a:t>
-              </a:r>
-              <a:r>
-                <a:rPr lang="en-US" sz="2900" dirty="0">
-                  <a:solidFill>
-                    <a:srgbClr val="FFFFFF"/>
-                  </a:solidFill>
-                </a:rPr>
-                <a:t>Theory </a:t>
+                <a:t>Set Theory </a:t>
               </a:r>
               <a:br>
                 <a:rPr lang="en-US" sz="2900" dirty="0">

--- a/MoLOverviewPoster2017.pptx
+++ b/MoLOverviewPoster2017.pptx
@@ -193,7 +193,7 @@
           <a:p>
             <a:fld id="{B179243D-0E3E-4D4F-90E9-F9F1DBB34143}" type="datetimeFigureOut">
               <a:rPr lang="en-US" smtClean="0"/>
-              <a:t>9/15/17</a:t>
+              <a:t>10/29/17</a:t>
             </a:fld>
             <a:endParaRPr lang="en-US"/>
           </a:p>
@@ -2947,7 +2947,7 @@
                 <a:ea typeface="Calibri"/>
                 <a:cs typeface="Calibri"/>
               </a:rPr>
-              <a:t>15 September </a:t>
+              <a:t>29 October </a:t>
             </a:r>
             <a:r>
               <a:rPr lang="en-US" sz="2800" dirty="0" smtClean="0">
@@ -8187,23 +8187,7 @@
                   <a:ea typeface="Calibri"/>
                   <a:cs typeface="Calibri"/>
                 </a:rPr>
-                <a:t>Term Rewriting </a:t>
-              </a:r>
-              <a:r>
-                <a:rPr lang="en-US" sz="2900" dirty="0">
-                  <a:latin typeface="Calibri"/>
-                  <a:ea typeface="Calibri"/>
-                  <a:cs typeface="Calibri"/>
-                </a:rPr>
-                <a:t>S</a:t>
-              </a:r>
-              <a:r>
-                <a:rPr lang="en-US" sz="2900" dirty="0">
-                  <a:latin typeface="Calibri"/>
-                  <a:ea typeface="Calibri"/>
-                  <a:cs typeface="Calibri"/>
-                </a:rPr>
-                <a:t>ystems</a:t>
+                <a:t>Term Rewriting Systems</a:t>
               </a:r>
               <a:br>
                 <a:rPr lang="en-US" sz="2900" dirty="0">
@@ -8236,11 +8220,6 @@
                 </a:rPr>
                 <a:t>)</a:t>
               </a:r>
-              <a:endParaRPr lang="en-US" sz="2900" dirty="0">
-                <a:latin typeface="Calibri"/>
-                <a:ea typeface="Calibri"/>
-                <a:cs typeface="Calibri"/>
-              </a:endParaRPr>
             </a:p>
           </p:txBody>
         </p:sp>
@@ -10783,142 +10762,6 @@
               <a:gd name="adj" fmla="val 16667"/>
             </a:avLst>
           </a:prstGeom>
-          <a:ln/>
-        </p:spPr>
-        <p:style>
-          <a:lnRef idx="1">
-            <a:schemeClr val="accent4"/>
-          </a:lnRef>
-          <a:fillRef idx="2">
-            <a:schemeClr val="accent4"/>
-          </a:fillRef>
-          <a:effectRef idx="1">
-            <a:schemeClr val="accent4"/>
-          </a:effectRef>
-          <a:fontRef idx="minor">
-            <a:schemeClr val="dk1"/>
-          </a:fontRef>
-        </p:style>
-        <p:txBody>
-          <a:bodyPr wrap="square" lIns="0" tIns="0" rIns="0" bIns="0" numCol="1" anchor="ctr">
-            <a:noAutofit/>
-          </a:bodyPr>
-          <a:lstStyle/>
-          <a:p>
-            <a:pPr lvl="0" algn="ctr">
-              <a:defRPr sz="1800"/>
-            </a:pPr>
-            <a:r>
-              <a:rPr lang="en-US" sz="2900" dirty="0">
-                <a:latin typeface="Calibri" charset="0"/>
-                <a:ea typeface="Calibri" charset="0"/>
-                <a:cs typeface="Calibri" charset="0"/>
-              </a:rPr>
-              <a:t>[</a:t>
-            </a:r>
-            <a:r>
-              <a:rPr lang="en-US" sz="2900" dirty="0" err="1">
-                <a:latin typeface="Calibri" charset="0"/>
-                <a:ea typeface="Calibri" charset="0"/>
-                <a:cs typeface="Calibri" charset="0"/>
-              </a:rPr>
-              <a:t>MoL</a:t>
-            </a:r>
-            <a:r>
-              <a:rPr lang="en-US" sz="2900" dirty="0">
-                <a:latin typeface="Calibri" charset="0"/>
-                <a:ea typeface="Calibri" charset="0"/>
-                <a:cs typeface="Calibri" charset="0"/>
-              </a:rPr>
-              <a:t>-FNWI] </a:t>
-            </a:r>
-            <a:r>
-              <a:rPr lang="en-US" sz="2900" dirty="0" smtClean="0">
-                <a:latin typeface="Calibri" charset="0"/>
-                <a:ea typeface="Calibri" charset="0"/>
-                <a:cs typeface="Calibri" charset="0"/>
-              </a:rPr>
-              <a:t/>
-            </a:r>
-            <a:br>
-              <a:rPr lang="en-US" sz="2900" dirty="0" smtClean="0">
-                <a:latin typeface="Calibri" charset="0"/>
-                <a:ea typeface="Calibri" charset="0"/>
-                <a:cs typeface="Calibri" charset="0"/>
-              </a:rPr>
-            </a:br>
-            <a:r>
-              <a:rPr lang="en-US" sz="2900" dirty="0">
-                <a:latin typeface="Calibri" charset="0"/>
-                <a:ea typeface="Calibri" charset="0"/>
-                <a:cs typeface="Calibri" charset="0"/>
-              </a:rPr>
-              <a:t>Game</a:t>
-            </a:r>
-            <a:r>
-              <a:rPr lang="en-US" sz="2900" dirty="0" smtClean="0">
-                <a:latin typeface="Calibri" charset="0"/>
-                <a:ea typeface="Calibri" charset="0"/>
-                <a:cs typeface="Calibri" charset="0"/>
-              </a:rPr>
-              <a:t> </a:t>
-            </a:r>
-            <a:r>
-              <a:rPr lang="en-US" sz="2900" dirty="0">
-                <a:latin typeface="Calibri" charset="0"/>
-                <a:ea typeface="Calibri" charset="0"/>
-                <a:cs typeface="Calibri" charset="0"/>
-              </a:rPr>
-              <a:t>Theory </a:t>
-            </a:r>
-            <a:r>
-              <a:rPr lang="en-US" sz="2900" dirty="0" smtClean="0">
-                <a:latin typeface="Calibri" charset="0"/>
-                <a:ea typeface="Calibri" charset="0"/>
-                <a:cs typeface="Calibri" charset="0"/>
-              </a:rPr>
-              <a:t>(</a:t>
-            </a:r>
-            <a:r>
-              <a:rPr lang="en-US" sz="2900" dirty="0" err="1" smtClean="0">
-                <a:latin typeface="Calibri" charset="0"/>
-                <a:ea typeface="Calibri" charset="0"/>
-                <a:cs typeface="Calibri" charset="0"/>
-              </a:rPr>
-              <a:t>Endriss</a:t>
-            </a:r>
-            <a:r>
-              <a:rPr lang="en-US" sz="2900" dirty="0" smtClean="0">
-                <a:latin typeface="Calibri" charset="0"/>
-                <a:ea typeface="Calibri" charset="0"/>
-                <a:cs typeface="Calibri" charset="0"/>
-              </a:rPr>
-              <a:t>)</a:t>
-            </a:r>
-            <a:endParaRPr lang="en-US" sz="2900" dirty="0">
-              <a:latin typeface="Calibri" charset="0"/>
-              <a:ea typeface="Calibri" charset="0"/>
-              <a:cs typeface="Calibri" charset="0"/>
-            </a:endParaRPr>
-          </a:p>
-        </p:txBody>
-      </p:sp>
-      <p:sp>
-        <p:nvSpPr>
-          <p:cNvPr id="159" name="Shape 211"/>
-          <p:cNvSpPr/>
-          <p:nvPr/>
-        </p:nvSpPr>
-        <p:spPr>
-          <a:xfrm>
-            <a:off x="34515371" y="16645867"/>
-            <a:ext cx="3276000" cy="2268000"/>
-          </a:xfrm>
-          <a:prstGeom prst="roundRect">
-            <a:avLst>
-              <a:gd name="adj" fmla="val 16667"/>
-            </a:avLst>
-          </a:prstGeom>
           <a:gradFill flip="none" rotWithShape="1">
             <a:gsLst>
               <a:gs pos="0">
@@ -10954,30 +10797,234 @@
           </a:bodyPr>
           <a:lstStyle/>
           <a:p>
-            <a:pPr lvl="0" algn="ctr">
-              <a:defRPr sz="1800"/>
-            </a:pPr>
-            <a:r>
-              <a:rPr lang="en-US" sz="2900" dirty="0"/>
+            <a:pPr algn="ctr"/>
+            <a:r>
+              <a:rPr lang="en-US" sz="2900" dirty="0">
+                <a:latin typeface="Calibri"/>
+                <a:ea typeface="Calibri"/>
+                <a:cs typeface="Calibri"/>
+              </a:rPr>
               <a:t>[</a:t>
             </a:r>
             <a:r>
-              <a:rPr lang="en-US" sz="2900" dirty="0" err="1"/>
+              <a:rPr lang="en-US" sz="2900" dirty="0" err="1">
+                <a:latin typeface="Calibri"/>
+                <a:ea typeface="Calibri"/>
+                <a:cs typeface="Calibri"/>
+              </a:rPr>
               <a:t>MoL</a:t>
             </a:r>
             <a:r>
-              <a:rPr lang="en-US" sz="2900" dirty="0"/>
+              <a:rPr lang="en-US" sz="2900" dirty="0">
+                <a:latin typeface="Calibri"/>
+                <a:ea typeface="Calibri"/>
+                <a:cs typeface="Calibri"/>
+              </a:rPr>
+              <a:t>-FNWI] </a:t>
+            </a:r>
+            <a:r>
+              <a:rPr lang="en-US" sz="2900" dirty="0">
+                <a:latin typeface="Calibri"/>
+                <a:ea typeface="Calibri"/>
+                <a:cs typeface="Calibri"/>
+              </a:rPr>
+              <a:t/>
+            </a:r>
+            <a:br>
+              <a:rPr lang="en-US" sz="2900" dirty="0">
+                <a:latin typeface="Calibri"/>
+                <a:ea typeface="Calibri"/>
+                <a:cs typeface="Calibri"/>
+              </a:rPr>
+            </a:br>
+            <a:r>
+              <a:rPr lang="en-US" sz="2900" dirty="0">
+                <a:latin typeface="Calibri"/>
+                <a:ea typeface="Calibri"/>
+                <a:cs typeface="Calibri"/>
+              </a:rPr>
+              <a:t>Game</a:t>
+            </a:r>
+            <a:r>
+              <a:rPr lang="en-US" sz="2900" dirty="0">
+                <a:latin typeface="Calibri"/>
+                <a:ea typeface="Calibri"/>
+                <a:cs typeface="Calibri"/>
+              </a:rPr>
+              <a:t> </a:t>
+            </a:r>
+            <a:r>
+              <a:rPr lang="en-US" sz="2900" dirty="0">
+                <a:latin typeface="Calibri"/>
+                <a:ea typeface="Calibri"/>
+                <a:cs typeface="Calibri"/>
+              </a:rPr>
+              <a:t>Theory </a:t>
+            </a:r>
+            <a:r>
+              <a:rPr lang="en-US" sz="2900" dirty="0">
+                <a:latin typeface="Calibri"/>
+                <a:ea typeface="Calibri"/>
+                <a:cs typeface="Calibri"/>
+              </a:rPr>
+              <a:t>(</a:t>
+            </a:r>
+            <a:r>
+              <a:rPr lang="en-US" sz="2900" dirty="0" err="1">
+                <a:latin typeface="Calibri"/>
+                <a:ea typeface="Calibri"/>
+                <a:cs typeface="Calibri"/>
+              </a:rPr>
+              <a:t>Endriss</a:t>
+            </a:r>
+            <a:r>
+              <a:rPr lang="en-US" sz="2900" dirty="0">
+                <a:latin typeface="Calibri"/>
+                <a:ea typeface="Calibri"/>
+                <a:cs typeface="Calibri"/>
+              </a:rPr>
+              <a:t>)</a:t>
+            </a:r>
+            <a:endParaRPr lang="en-US" sz="2900" dirty="0">
+              <a:latin typeface="Calibri"/>
+              <a:ea typeface="Calibri"/>
+              <a:cs typeface="Calibri"/>
+            </a:endParaRPr>
+          </a:p>
+        </p:txBody>
+      </p:sp>
+      <p:sp>
+        <p:nvSpPr>
+          <p:cNvPr id="159" name="Shape 211"/>
+          <p:cNvSpPr/>
+          <p:nvPr/>
+        </p:nvSpPr>
+        <p:spPr>
+          <a:xfrm>
+            <a:off x="34515371" y="16645867"/>
+            <a:ext cx="3276000" cy="2268000"/>
+          </a:xfrm>
+          <a:prstGeom prst="roundRect">
+            <a:avLst>
+              <a:gd name="adj" fmla="val 16667"/>
+            </a:avLst>
+          </a:prstGeom>
+          <a:ln>
+            <a:noFill/>
+          </a:ln>
+        </p:spPr>
+        <p:style>
+          <a:lnRef idx="1">
+            <a:schemeClr val="dk1"/>
+          </a:lnRef>
+          <a:fillRef idx="2">
+            <a:schemeClr val="dk1"/>
+          </a:fillRef>
+          <a:effectRef idx="1">
+            <a:schemeClr val="dk1"/>
+          </a:effectRef>
+          <a:fontRef idx="minor">
+            <a:schemeClr val="dk1"/>
+          </a:fontRef>
+        </p:style>
+        <p:txBody>
+          <a:bodyPr wrap="square" lIns="0" tIns="0" rIns="0" bIns="0" numCol="1" anchor="ctr">
+            <a:noAutofit/>
+          </a:bodyPr>
+          <a:lstStyle/>
+          <a:p>
+            <a:pPr algn="ctr"/>
+            <a:r>
+              <a:rPr lang="en-US" sz="2900" dirty="0">
+                <a:solidFill>
+                  <a:schemeClr val="dk1">
+                    <a:alpha val="25000"/>
+                  </a:schemeClr>
+                </a:solidFill>
+                <a:latin typeface="+mn-lt"/>
+                <a:ea typeface="+mn-ea"/>
+                <a:cs typeface="+mn-cs"/>
+              </a:rPr>
+              <a:t>[</a:t>
+            </a:r>
+            <a:r>
+              <a:rPr lang="en-US" sz="2900" dirty="0" err="1">
+                <a:solidFill>
+                  <a:schemeClr val="dk1">
+                    <a:alpha val="25000"/>
+                  </a:schemeClr>
+                </a:solidFill>
+                <a:latin typeface="+mn-lt"/>
+                <a:ea typeface="+mn-ea"/>
+                <a:cs typeface="+mn-cs"/>
+              </a:rPr>
+              <a:t>MoL</a:t>
+            </a:r>
+            <a:r>
+              <a:rPr lang="en-US" sz="2900" dirty="0">
+                <a:solidFill>
+                  <a:schemeClr val="dk1">
+                    <a:alpha val="25000"/>
+                  </a:schemeClr>
+                </a:solidFill>
+                <a:latin typeface="+mn-lt"/>
+                <a:ea typeface="+mn-ea"/>
+                <a:cs typeface="+mn-cs"/>
+              </a:rPr>
               <a:t>-FNWI] Computational Social Choice (</a:t>
             </a:r>
             <a:r>
-              <a:rPr lang="en-US" sz="2900" dirty="0" err="1"/>
+              <a:rPr lang="en-US" sz="2900" dirty="0" err="1">
+                <a:solidFill>
+                  <a:schemeClr val="dk1">
+                    <a:alpha val="25000"/>
+                  </a:schemeClr>
+                </a:solidFill>
+                <a:latin typeface="+mn-lt"/>
+                <a:ea typeface="+mn-ea"/>
+                <a:cs typeface="+mn-cs"/>
+              </a:rPr>
               <a:t>Endriss</a:t>
             </a:r>
             <a:r>
-              <a:rPr lang="en-US" sz="2900" dirty="0" smtClean="0"/>
+              <a:rPr lang="en-US" sz="2900" dirty="0" smtClean="0">
+                <a:solidFill>
+                  <a:schemeClr val="dk1">
+                    <a:alpha val="25000"/>
+                  </a:schemeClr>
+                </a:solidFill>
+                <a:latin typeface="+mn-lt"/>
+                <a:ea typeface="+mn-ea"/>
+                <a:cs typeface="+mn-cs"/>
+              </a:rPr>
               <a:t>)</a:t>
             </a:r>
-            <a:endParaRPr lang="en-US" sz="2900" dirty="0"/>
+          </a:p>
+          <a:p>
+            <a:pPr lvl="0" algn="ctr"/>
+            <a:r>
+              <a:rPr lang="en-US" sz="2900" dirty="0">
+                <a:latin typeface="Calibri" charset="0"/>
+                <a:ea typeface="Calibri" charset="0"/>
+                <a:cs typeface="Calibri" charset="0"/>
+              </a:rPr>
+              <a:t>in 2018/19 </a:t>
+            </a:r>
+            <a:r>
+              <a:rPr lang="en-US" sz="2900" dirty="0" smtClean="0">
+                <a:latin typeface="Calibri" charset="0"/>
+                <a:ea typeface="Calibri" charset="0"/>
+                <a:cs typeface="Calibri" charset="0"/>
+              </a:rPr>
+              <a:t>only</a:t>
+            </a:r>
+            <a:endParaRPr lang="en-US" sz="2900" dirty="0">
+              <a:solidFill>
+                <a:schemeClr val="dk1">
+                  <a:alpha val="25000"/>
+                </a:schemeClr>
+              </a:solidFill>
+            </a:endParaRPr>
           </a:p>
         </p:txBody>
       </p:sp>

--- a/MoLOverviewPoster2017.pptx
+++ b/MoLOverviewPoster2017.pptx
@@ -193,7 +193,7 @@
           <a:p>
             <a:fld id="{B179243D-0E3E-4D4F-90E9-F9F1DBB34143}" type="datetimeFigureOut">
               <a:rPr lang="en-US" smtClean="0"/>
-              <a:t>10/29/17</a:t>
+              <a:t>12/13/17</a:t>
             </a:fld>
             <a:endParaRPr lang="en-US"/>
           </a:p>
@@ -2939,7 +2939,7 @@
               <a:t> </a:t>
             </a:r>
             <a:r>
-              <a:rPr lang="en-US" sz="2800" smtClean="0">
+              <a:rPr lang="en-US" sz="2800" dirty="0" smtClean="0">
                 <a:solidFill>
                   <a:sysClr val="windowText" lastClr="000000"/>
                 </a:solidFill>
@@ -2947,7 +2947,18 @@
                 <a:ea typeface="Calibri"/>
                 <a:cs typeface="Calibri"/>
               </a:rPr>
-              <a:t>29 October </a:t>
+              <a:t>13</a:t>
+            </a:r>
+            <a:r>
+              <a:rPr lang="en-US" sz="2800" dirty="0" smtClean="0">
+                <a:solidFill>
+                  <a:sysClr val="windowText" lastClr="000000"/>
+                </a:solidFill>
+                <a:latin typeface="Calibri"/>
+                <a:ea typeface="Calibri"/>
+                <a:cs typeface="Calibri"/>
+              </a:rPr>
+              <a:t> December </a:t>
             </a:r>
             <a:r>
               <a:rPr lang="en-US" sz="2800" dirty="0" smtClean="0">
@@ -10822,14 +10833,6 @@
               </a:rPr>
               <a:t>-FNWI] </a:t>
             </a:r>
-            <a:r>
-              <a:rPr lang="en-US" sz="2900" dirty="0">
-                <a:latin typeface="Calibri"/>
-                <a:ea typeface="Calibri"/>
-                <a:cs typeface="Calibri"/>
-              </a:rPr>
-              <a:t/>
-            </a:r>
             <a:br>
               <a:rPr lang="en-US" sz="2900" dirty="0">
                 <a:latin typeface="Calibri"/>
@@ -10843,47 +10846,30 @@
                 <a:ea typeface="Calibri"/>
                 <a:cs typeface="Calibri"/>
               </a:rPr>
-              <a:t>Game</a:t>
-            </a:r>
-            <a:r>
-              <a:rPr lang="en-US" sz="2900" dirty="0">
+              <a:t>Game Theory </a:t>
+            </a:r>
+            <a:r>
+              <a:rPr lang="en-US" sz="2900" dirty="0" smtClean="0">
                 <a:latin typeface="Calibri"/>
                 <a:ea typeface="Calibri"/>
                 <a:cs typeface="Calibri"/>
               </a:rPr>
-              <a:t> </a:t>
-            </a:r>
-            <a:r>
-              <a:rPr lang="en-US" sz="2900" dirty="0">
+              <a:t/>
+            </a:r>
+            <a:br>
+              <a:rPr lang="en-US" sz="2900" dirty="0" smtClean="0">
                 <a:latin typeface="Calibri"/>
                 <a:ea typeface="Calibri"/>
                 <a:cs typeface="Calibri"/>
               </a:rPr>
-              <a:t>Theory </a:t>
-            </a:r>
-            <a:r>
-              <a:rPr lang="en-US" sz="2900" dirty="0">
+            </a:br>
+            <a:r>
+              <a:rPr lang="en-US" sz="2900" dirty="0" smtClean="0">
                 <a:latin typeface="Calibri"/>
                 <a:ea typeface="Calibri"/>
                 <a:cs typeface="Calibri"/>
               </a:rPr>
-              <a:t>(</a:t>
-            </a:r>
-            <a:r>
-              <a:rPr lang="en-US" sz="2900" dirty="0" err="1">
-                <a:latin typeface="Calibri"/>
-                <a:ea typeface="Calibri"/>
-                <a:cs typeface="Calibri"/>
-              </a:rPr>
-              <a:t>Endriss</a:t>
-            </a:r>
-            <a:r>
-              <a:rPr lang="en-US" sz="2900" dirty="0">
-                <a:latin typeface="Calibri"/>
-                <a:ea typeface="Calibri"/>
-                <a:cs typeface="Calibri"/>
-              </a:rPr>
-              <a:t>)</a:t>
+              <a:t>(Can)</a:t>
             </a:r>
             <a:endParaRPr lang="en-US" sz="2900" dirty="0">
               <a:latin typeface="Calibri"/>

--- a/MoLOverviewPoster2017.pptx
+++ b/MoLOverviewPoster2017.pptx
@@ -2936,40 +2936,7 @@
                 <a:ea typeface="Calibri"/>
                 <a:cs typeface="Calibri"/>
               </a:rPr>
-              <a:t> </a:t>
-            </a:r>
-            <a:r>
-              <a:rPr lang="en-US" sz="2800" dirty="0" smtClean="0">
-                <a:solidFill>
-                  <a:sysClr val="windowText" lastClr="000000"/>
-                </a:solidFill>
-                <a:latin typeface="Calibri"/>
-                <a:ea typeface="Calibri"/>
-                <a:cs typeface="Calibri"/>
-              </a:rPr>
-              <a:t>13</a:t>
-            </a:r>
-            <a:r>
-              <a:rPr lang="en-US" sz="2800" dirty="0" smtClean="0">
-                <a:solidFill>
-                  <a:sysClr val="windowText" lastClr="000000"/>
-                </a:solidFill>
-                <a:latin typeface="Calibri"/>
-                <a:ea typeface="Calibri"/>
-                <a:cs typeface="Calibri"/>
-              </a:rPr>
-              <a:t> December </a:t>
-            </a:r>
-            <a:r>
-              <a:rPr lang="en-US" sz="2800" dirty="0" smtClean="0">
-                <a:solidFill>
-                  <a:sysClr val="windowText" lastClr="000000"/>
-                </a:solidFill>
-                <a:latin typeface="Calibri"/>
-                <a:ea typeface="Calibri"/>
-                <a:cs typeface="Calibri"/>
-              </a:rPr>
-              <a:t>2017: </a:t>
+              <a:t> 13 December 2017: </a:t>
             </a:r>
             <a:br>
               <a:rPr lang="en-US" sz="2800" dirty="0" smtClean="0">
@@ -4945,8 +4912,8 @@
         </p:nvSpPr>
         <p:spPr>
           <a:xfrm>
-            <a:off x="39224415" y="22345090"/>
-            <a:ext cx="2914062" cy="2915570"/>
+            <a:off x="38477563" y="22241187"/>
+            <a:ext cx="3740404" cy="3006525"/>
           </a:xfrm>
           <a:prstGeom prst="ellipse">
             <a:avLst/>
@@ -4987,12 +4954,39 @@
               <a:t>-FNWI] Basic Probability: Programming  </a:t>
             </a:r>
             <a:r>
+              <a:rPr lang="en-US" sz="2900" dirty="0"/>
+              <a:t>(</a:t>
+            </a:r>
+            <a:r>
+              <a:rPr lang="en-US" sz="2900" dirty="0" err="1" smtClean="0"/>
+              <a:t>Dotlacil</a:t>
+            </a:r>
+            <a:r>
               <a:rPr lang="en-US" sz="2900" dirty="0" smtClean="0"/>
-              <a:t>(TBA) </a:t>
+              <a:t> &amp; </a:t>
+            </a:r>
+            <a:r>
+              <a:rPr lang="en-US" sz="2900" dirty="0" err="1"/>
+              <a:t>Cremers</a:t>
             </a:r>
             <a:r>
               <a:rPr lang="en-US" sz="2900" dirty="0"/>
-              <a:t>[3EC]</a:t>
+              <a:t>) </a:t>
+            </a:r>
+            <a:r>
+              <a:rPr lang="en-US" sz="2900" dirty="0" smtClean="0"/>
+              <a:t/>
+            </a:r>
+            <a:br>
+              <a:rPr lang="en-US" sz="2900" dirty="0" smtClean="0"/>
+            </a:br>
+            <a:r>
+              <a:rPr lang="en-US" sz="2900" dirty="0" smtClean="0"/>
+              <a:t>[</a:t>
+            </a:r>
+            <a:r>
+              <a:rPr lang="en-US" sz="2900" dirty="0"/>
+              <a:t>3EC]</a:t>
             </a:r>
           </a:p>
         </p:txBody>
@@ -7052,9 +7046,9 @@
         <p:grpSpPr>
           <a:xfrm>
             <a:off x="21551570" y="21941689"/>
-            <a:ext cx="20028667" cy="7746522"/>
+            <a:ext cx="20557817" cy="7746522"/>
             <a:chOff x="21551570" y="21941689"/>
-            <a:chExt cx="20028667" cy="7746522"/>
+            <a:chExt cx="20557817" cy="7746522"/>
           </a:xfrm>
         </p:grpSpPr>
         <p:sp>
@@ -7067,8 +7061,8 @@
           </p:nvSpPr>
           <p:spPr>
             <a:xfrm>
-              <a:off x="38716645" y="25491365"/>
-              <a:ext cx="2863592" cy="2865074"/>
+              <a:off x="38474065" y="25343333"/>
+              <a:ext cx="3635322" cy="3160520"/>
             </a:xfrm>
             <a:prstGeom prst="ellipse">
               <a:avLst/>
@@ -7147,7 +7141,42 @@
                     <a:schemeClr val="tx1"/>
                   </a:solidFill>
                 </a:rPr>
-                <a:t>(TBA) </a:t>
+                <a:t>(</a:t>
+              </a:r>
+              <a:r>
+                <a:rPr lang="en-US" sz="2900" dirty="0" err="1"/>
+                <a:t>Dotlacil</a:t>
+              </a:r>
+              <a:r>
+                <a:rPr lang="en-US" sz="2900" dirty="0"/>
+                <a:t> &amp; </a:t>
+              </a:r>
+              <a:r>
+                <a:rPr lang="en-US" sz="2900" dirty="0" err="1"/>
+                <a:t>Cremers</a:t>
+              </a:r>
+              <a:r>
+                <a:rPr lang="en-US" sz="2900" smtClean="0">
+                  <a:solidFill>
+                    <a:schemeClr val="tx1"/>
+                  </a:solidFill>
+                </a:rPr>
+                <a:t>) </a:t>
+              </a:r>
+              <a:br>
+                <a:rPr lang="en-US" sz="2900" smtClean="0">
+                  <a:solidFill>
+                    <a:schemeClr val="tx1"/>
+                  </a:solidFill>
+                </a:rPr>
+              </a:br>
+              <a:r>
+                <a:rPr lang="en-US" sz="2900" smtClean="0">
+                  <a:solidFill>
+                    <a:schemeClr val="tx1"/>
+                  </a:solidFill>
+                </a:rPr>
+                <a:t>[</a:t>
               </a:r>
               <a:r>
                 <a:rPr lang="en-US" sz="2900" dirty="0">
@@ -7155,7 +7184,7 @@
                     <a:schemeClr val="tx1"/>
                   </a:solidFill>
                 </a:rPr>
-                <a:t>[3EC]</a:t>
+                <a:t>3EC]</a:t>
               </a:r>
             </a:p>
           </p:txBody>

--- a/MoLOverviewPoster2017.pptx
+++ b/MoLOverviewPoster2017.pptx
@@ -193,7 +193,7 @@
           <a:p>
             <a:fld id="{B179243D-0E3E-4D4F-90E9-F9F1DBB34143}" type="datetimeFigureOut">
               <a:rPr lang="en-US" smtClean="0"/>
-              <a:t>12/13/17</a:t>
+              <a:t>12/18/17</a:t>
             </a:fld>
             <a:endParaRPr lang="en-US"/>
           </a:p>
@@ -2917,7 +2917,7 @@
               <a:t>version</a:t>
             </a:r>
             <a:r>
-              <a:rPr lang="en-US" sz="2800" dirty="0">
+              <a:rPr lang="en-US" sz="2800">
                 <a:solidFill>
                   <a:sysClr val="windowText" lastClr="000000"/>
                 </a:solidFill>
@@ -2928,6 +2928,28 @@
               <a:t>:</a:t>
             </a:r>
             <a:r>
+              <a:rPr lang="en-US" sz="2800" smtClean="0">
+                <a:solidFill>
+                  <a:sysClr val="windowText" lastClr="000000"/>
+                </a:solidFill>
+                <a:latin typeface="Calibri"/>
+                <a:ea typeface="Calibri"/>
+                <a:cs typeface="Calibri"/>
+              </a:rPr>
+              <a:t> </a:t>
+            </a:r>
+            <a:r>
+              <a:rPr lang="en-US" sz="2800" smtClean="0">
+                <a:solidFill>
+                  <a:sysClr val="windowText" lastClr="000000"/>
+                </a:solidFill>
+                <a:latin typeface="Calibri"/>
+                <a:ea typeface="Calibri"/>
+                <a:cs typeface="Calibri"/>
+              </a:rPr>
+              <a:t>18 </a:t>
+            </a:r>
+            <a:r>
               <a:rPr lang="en-US" sz="2800" dirty="0" smtClean="0">
                 <a:solidFill>
                   <a:sysClr val="windowText" lastClr="000000"/>
@@ -2936,7 +2958,7 @@
                 <a:ea typeface="Calibri"/>
                 <a:cs typeface="Calibri"/>
               </a:rPr>
-              <a:t> 13 December 2017: </a:t>
+              <a:t>December 2017: </a:t>
             </a:r>
             <a:br>
               <a:rPr lang="en-US" sz="2800" dirty="0" smtClean="0">
@@ -4951,11 +4973,7 @@
             </a:r>
             <a:r>
               <a:rPr lang="en-US" sz="2900" dirty="0"/>
-              <a:t>-FNWI] Basic Probability: Programming  </a:t>
-            </a:r>
-            <a:r>
-              <a:rPr lang="en-US" sz="2900" dirty="0"/>
-              <a:t>(</a:t>
+              <a:t>-FNWI] Basic Probability: Programming  (</a:t>
             </a:r>
             <a:r>
               <a:rPr lang="en-US" sz="2900" dirty="0" err="1" smtClean="0"/>
@@ -10898,7 +10916,7 @@
                 <a:ea typeface="Calibri"/>
                 <a:cs typeface="Calibri"/>
               </a:rPr>
-              <a:t>(Can)</a:t>
+              <a:t>(TBA)</a:t>
             </a:r>
             <a:endParaRPr lang="en-US" sz="2900" dirty="0">
               <a:latin typeface="Calibri"/>
